--- a/Presentation/Transformers_presentation.pptx
+++ b/Presentation/Transformers_presentation.pptx
@@ -3,14 +3,16 @@
 <p:presentation xmlns:a="http://schemas.openxmlformats.org/drawingml/2006/main" xmlns:r="http://schemas.openxmlformats.org/officeDocument/2006/relationships" xmlns:p="http://schemas.openxmlformats.org/presentationml/2006/main" saveSubsetFonts="1">
   <p:sldMasterIdLst>
     <p:sldMasterId id="2147483660" r:id="rId1"/>
+    <p:sldMasterId id="2147483672" r:id="rId2"/>
   </p:sldMasterIdLst>
   <p:sldIdLst>
-    <p:sldId id="257" r:id="rId2"/>
-    <p:sldId id="259" r:id="rId3"/>
-    <p:sldId id="258" r:id="rId4"/>
-    <p:sldId id="261" r:id="rId5"/>
-    <p:sldId id="262" r:id="rId6"/>
-    <p:sldId id="260" r:id="rId7"/>
+    <p:sldId id="257" r:id="rId3"/>
+    <p:sldId id="259" r:id="rId4"/>
+    <p:sldId id="258" r:id="rId5"/>
+    <p:sldId id="261" r:id="rId6"/>
+    <p:sldId id="262" r:id="rId7"/>
+    <p:sldId id="256" r:id="rId8"/>
+    <p:sldId id="260" r:id="rId9"/>
   </p:sldIdLst>
   <p:sldSz cx="12192000" cy="6858000"/>
   <p:notesSz cx="6858000" cy="9144000"/>
@@ -248,7 +250,7 @@
           <a:p>
             <a:fld id="{638941B0-F4D5-4460-BCAD-F7E2B41A8257}" type="datetimeFigureOut">
               <a:rPr lang="de-DE" smtClean="0"/>
-              <a:t>04.02.2021</a:t>
+              <a:t>16.02.2021</a:t>
             </a:fld>
             <a:endParaRPr lang="de-DE"/>
           </a:p>
@@ -418,7 +420,7 @@
           <a:p>
             <a:fld id="{638941B0-F4D5-4460-BCAD-F7E2B41A8257}" type="datetimeFigureOut">
               <a:rPr lang="de-DE" smtClean="0"/>
-              <a:t>04.02.2021</a:t>
+              <a:t>16.02.2021</a:t>
             </a:fld>
             <a:endParaRPr lang="de-DE"/>
           </a:p>
@@ -598,7 +600,7 @@
           <a:p>
             <a:fld id="{638941B0-F4D5-4460-BCAD-F7E2B41A8257}" type="datetimeFigureOut">
               <a:rPr lang="de-DE" smtClean="0"/>
-              <a:t>04.02.2021</a:t>
+              <a:t>16.02.2021</a:t>
             </a:fld>
             <a:endParaRPr lang="de-DE"/>
           </a:p>
@@ -650,6 +652,1955 @@
     <p:extLst>
       <p:ext uri="{BB962C8B-B14F-4D97-AF65-F5344CB8AC3E}">
         <p14:creationId xmlns:p14="http://schemas.microsoft.com/office/powerpoint/2010/main" val="3223655429"/>
+      </p:ext>
+    </p:extLst>
+  </p:cSld>
+  <p:clrMapOvr>
+    <a:masterClrMapping/>
+  </p:clrMapOvr>
+</p:sldLayout>
+</file>
+
+<file path=ppt/slideLayouts/slideLayout12.xml><?xml version="1.0" encoding="utf-8"?>
+<p:sldLayout xmlns:a="http://schemas.openxmlformats.org/drawingml/2006/main" xmlns:r="http://schemas.openxmlformats.org/officeDocument/2006/relationships" xmlns:p="http://schemas.openxmlformats.org/presentationml/2006/main" type="title" preserve="1">
+  <p:cSld name="Diapositive de titre">
+    <p:spTree>
+      <p:nvGrpSpPr>
+        <p:cNvPr id="1" name=""/>
+        <p:cNvGrpSpPr/>
+        <p:nvPr/>
+      </p:nvGrpSpPr>
+      <p:grpSpPr>
+        <a:xfrm>
+          <a:off x="0" y="0"/>
+          <a:ext cx="0" cy="0"/>
+          <a:chOff x="0" y="0"/>
+          <a:chExt cx="0" cy="0"/>
+        </a:xfrm>
+      </p:grpSpPr>
+      <p:sp>
+        <p:nvSpPr>
+          <p:cNvPr id="2" name="Titre 1">
+            <a:extLst>
+              <a:ext uri="{FF2B5EF4-FFF2-40B4-BE49-F238E27FC236}">
+                <a16:creationId xmlns:a16="http://schemas.microsoft.com/office/drawing/2014/main" id="{8900F8EB-0F57-43E6-833C-1BDAA7F5D313}"/>
+              </a:ext>
+            </a:extLst>
+          </p:cNvPr>
+          <p:cNvSpPr>
+            <a:spLocks noGrp="1"/>
+          </p:cNvSpPr>
+          <p:nvPr>
+            <p:ph type="ctrTitle"/>
+          </p:nvPr>
+        </p:nvSpPr>
+        <p:spPr>
+          <a:xfrm>
+            <a:off x="1524000" y="1122363"/>
+            <a:ext cx="9144000" cy="2387600"/>
+          </a:xfrm>
+        </p:spPr>
+        <p:txBody>
+          <a:bodyPr anchor="b"/>
+          <a:lstStyle>
+            <a:lvl1pPr algn="ctr">
+              <a:defRPr sz="6000"/>
+            </a:lvl1pPr>
+          </a:lstStyle>
+          <a:p>
+            <a:r>
+              <a:rPr lang="fr-FR"/>
+              <a:t>Modifiez le style du titre</a:t>
+            </a:r>
+            <a:endParaRPr lang="fr-BE"/>
+          </a:p>
+        </p:txBody>
+      </p:sp>
+      <p:sp>
+        <p:nvSpPr>
+          <p:cNvPr id="3" name="Sous-titre 2">
+            <a:extLst>
+              <a:ext uri="{FF2B5EF4-FFF2-40B4-BE49-F238E27FC236}">
+                <a16:creationId xmlns:a16="http://schemas.microsoft.com/office/drawing/2014/main" id="{83F88F18-25B3-42E6-A3B8-8CC26958FBA7}"/>
+              </a:ext>
+            </a:extLst>
+          </p:cNvPr>
+          <p:cNvSpPr>
+            <a:spLocks noGrp="1"/>
+          </p:cNvSpPr>
+          <p:nvPr>
+            <p:ph type="subTitle" idx="1"/>
+          </p:nvPr>
+        </p:nvSpPr>
+        <p:spPr>
+          <a:xfrm>
+            <a:off x="1524000" y="3602038"/>
+            <a:ext cx="9144000" cy="1655762"/>
+          </a:xfrm>
+        </p:spPr>
+        <p:txBody>
+          <a:bodyPr/>
+          <a:lstStyle>
+            <a:lvl1pPr marL="0" indent="0" algn="ctr">
+              <a:buNone/>
+              <a:defRPr sz="2400"/>
+            </a:lvl1pPr>
+            <a:lvl2pPr marL="457200" indent="0" algn="ctr">
+              <a:buNone/>
+              <a:defRPr sz="2000"/>
+            </a:lvl2pPr>
+            <a:lvl3pPr marL="914400" indent="0" algn="ctr">
+              <a:buNone/>
+              <a:defRPr sz="1800"/>
+            </a:lvl3pPr>
+            <a:lvl4pPr marL="1371600" indent="0" algn="ctr">
+              <a:buNone/>
+              <a:defRPr sz="1600"/>
+            </a:lvl4pPr>
+            <a:lvl5pPr marL="1828800" indent="0" algn="ctr">
+              <a:buNone/>
+              <a:defRPr sz="1600"/>
+            </a:lvl5pPr>
+            <a:lvl6pPr marL="2286000" indent="0" algn="ctr">
+              <a:buNone/>
+              <a:defRPr sz="1600"/>
+            </a:lvl6pPr>
+            <a:lvl7pPr marL="2743200" indent="0" algn="ctr">
+              <a:buNone/>
+              <a:defRPr sz="1600"/>
+            </a:lvl7pPr>
+            <a:lvl8pPr marL="3200400" indent="0" algn="ctr">
+              <a:buNone/>
+              <a:defRPr sz="1600"/>
+            </a:lvl8pPr>
+            <a:lvl9pPr marL="3657600" indent="0" algn="ctr">
+              <a:buNone/>
+              <a:defRPr sz="1600"/>
+            </a:lvl9pPr>
+          </a:lstStyle>
+          <a:p>
+            <a:r>
+              <a:rPr lang="fr-FR"/>
+              <a:t>Modifiez le style des sous-titres du masque</a:t>
+            </a:r>
+            <a:endParaRPr lang="fr-BE"/>
+          </a:p>
+        </p:txBody>
+      </p:sp>
+      <p:sp>
+        <p:nvSpPr>
+          <p:cNvPr id="4" name="Espace réservé de la date 3">
+            <a:extLst>
+              <a:ext uri="{FF2B5EF4-FFF2-40B4-BE49-F238E27FC236}">
+                <a16:creationId xmlns:a16="http://schemas.microsoft.com/office/drawing/2014/main" id="{8AE1DACD-F25D-4989-8F88-F982F9E269E0}"/>
+              </a:ext>
+            </a:extLst>
+          </p:cNvPr>
+          <p:cNvSpPr>
+            <a:spLocks noGrp="1"/>
+          </p:cNvSpPr>
+          <p:nvPr>
+            <p:ph type="dt" sz="half" idx="10"/>
+          </p:nvPr>
+        </p:nvSpPr>
+        <p:spPr/>
+        <p:txBody>
+          <a:bodyPr/>
+          <a:lstStyle/>
+          <a:p>
+            <a:fld id="{5369D69D-74C9-44C2-AA09-BF23A02BA6D3}" type="datetimeFigureOut">
+              <a:rPr lang="fr-BE" smtClean="0"/>
+              <a:t>16-02-21</a:t>
+            </a:fld>
+            <a:endParaRPr lang="fr-BE"/>
+          </a:p>
+        </p:txBody>
+      </p:sp>
+      <p:sp>
+        <p:nvSpPr>
+          <p:cNvPr id="5" name="Espace réservé du pied de page 4">
+            <a:extLst>
+              <a:ext uri="{FF2B5EF4-FFF2-40B4-BE49-F238E27FC236}">
+                <a16:creationId xmlns:a16="http://schemas.microsoft.com/office/drawing/2014/main" id="{6169A780-6DD8-4BC6-8917-E9702BC65558}"/>
+              </a:ext>
+            </a:extLst>
+          </p:cNvPr>
+          <p:cNvSpPr>
+            <a:spLocks noGrp="1"/>
+          </p:cNvSpPr>
+          <p:nvPr>
+            <p:ph type="ftr" sz="quarter" idx="11"/>
+          </p:nvPr>
+        </p:nvSpPr>
+        <p:spPr/>
+        <p:txBody>
+          <a:bodyPr/>
+          <a:lstStyle/>
+          <a:p>
+            <a:endParaRPr lang="fr-BE"/>
+          </a:p>
+        </p:txBody>
+      </p:sp>
+      <p:sp>
+        <p:nvSpPr>
+          <p:cNvPr id="6" name="Espace réservé du numéro de diapositive 5">
+            <a:extLst>
+              <a:ext uri="{FF2B5EF4-FFF2-40B4-BE49-F238E27FC236}">
+                <a16:creationId xmlns:a16="http://schemas.microsoft.com/office/drawing/2014/main" id="{E4E65A83-2C33-44D9-A528-C247B64BCCE6}"/>
+              </a:ext>
+            </a:extLst>
+          </p:cNvPr>
+          <p:cNvSpPr>
+            <a:spLocks noGrp="1"/>
+          </p:cNvSpPr>
+          <p:nvPr>
+            <p:ph type="sldNum" sz="quarter" idx="12"/>
+          </p:nvPr>
+        </p:nvSpPr>
+        <p:spPr/>
+        <p:txBody>
+          <a:bodyPr/>
+          <a:lstStyle/>
+          <a:p>
+            <a:fld id="{FA63FA72-A6E3-460C-89F6-BD7F786B0D07}" type="slidenum">
+              <a:rPr lang="fr-BE" smtClean="0"/>
+              <a:t>‹N°›</a:t>
+            </a:fld>
+            <a:endParaRPr lang="fr-BE"/>
+          </a:p>
+        </p:txBody>
+      </p:sp>
+    </p:spTree>
+    <p:extLst>
+      <p:ext uri="{BB962C8B-B14F-4D97-AF65-F5344CB8AC3E}">
+        <p14:creationId xmlns:p14="http://schemas.microsoft.com/office/powerpoint/2010/main" val="367863823"/>
+      </p:ext>
+    </p:extLst>
+  </p:cSld>
+  <p:clrMapOvr>
+    <a:masterClrMapping/>
+  </p:clrMapOvr>
+</p:sldLayout>
+</file>
+
+<file path=ppt/slideLayouts/slideLayout13.xml><?xml version="1.0" encoding="utf-8"?>
+<p:sldLayout xmlns:a="http://schemas.openxmlformats.org/drawingml/2006/main" xmlns:r="http://schemas.openxmlformats.org/officeDocument/2006/relationships" xmlns:p="http://schemas.openxmlformats.org/presentationml/2006/main" type="obj" preserve="1">
+  <p:cSld name="Titre et contenu">
+    <p:spTree>
+      <p:nvGrpSpPr>
+        <p:cNvPr id="1" name=""/>
+        <p:cNvGrpSpPr/>
+        <p:nvPr/>
+      </p:nvGrpSpPr>
+      <p:grpSpPr>
+        <a:xfrm>
+          <a:off x="0" y="0"/>
+          <a:ext cx="0" cy="0"/>
+          <a:chOff x="0" y="0"/>
+          <a:chExt cx="0" cy="0"/>
+        </a:xfrm>
+      </p:grpSpPr>
+      <p:sp>
+        <p:nvSpPr>
+          <p:cNvPr id="2" name="Titre 1">
+            <a:extLst>
+              <a:ext uri="{FF2B5EF4-FFF2-40B4-BE49-F238E27FC236}">
+                <a16:creationId xmlns:a16="http://schemas.microsoft.com/office/drawing/2014/main" id="{6CE945B5-85D7-4D45-9555-A60B77044FE1}"/>
+              </a:ext>
+            </a:extLst>
+          </p:cNvPr>
+          <p:cNvSpPr>
+            <a:spLocks noGrp="1"/>
+          </p:cNvSpPr>
+          <p:nvPr>
+            <p:ph type="title"/>
+          </p:nvPr>
+        </p:nvSpPr>
+        <p:spPr/>
+        <p:txBody>
+          <a:bodyPr/>
+          <a:lstStyle/>
+          <a:p>
+            <a:r>
+              <a:rPr lang="fr-FR"/>
+              <a:t>Modifiez le style du titre</a:t>
+            </a:r>
+            <a:endParaRPr lang="fr-BE"/>
+          </a:p>
+        </p:txBody>
+      </p:sp>
+      <p:sp>
+        <p:nvSpPr>
+          <p:cNvPr id="3" name="Espace réservé du contenu 2">
+            <a:extLst>
+              <a:ext uri="{FF2B5EF4-FFF2-40B4-BE49-F238E27FC236}">
+                <a16:creationId xmlns:a16="http://schemas.microsoft.com/office/drawing/2014/main" id="{9BABFE82-8085-44CE-AAAC-76A503AF0F48}"/>
+              </a:ext>
+            </a:extLst>
+          </p:cNvPr>
+          <p:cNvSpPr>
+            <a:spLocks noGrp="1"/>
+          </p:cNvSpPr>
+          <p:nvPr>
+            <p:ph idx="1"/>
+          </p:nvPr>
+        </p:nvSpPr>
+        <p:spPr/>
+        <p:txBody>
+          <a:bodyPr/>
+          <a:lstStyle/>
+          <a:p>
+            <a:pPr lvl="0"/>
+            <a:r>
+              <a:rPr lang="fr-FR"/>
+              <a:t>Cliquez pour modifier les styles du texte du masque</a:t>
+            </a:r>
+          </a:p>
+          <a:p>
+            <a:pPr lvl="1"/>
+            <a:r>
+              <a:rPr lang="fr-FR"/>
+              <a:t>Deuxième niveau</a:t>
+            </a:r>
+          </a:p>
+          <a:p>
+            <a:pPr lvl="2"/>
+            <a:r>
+              <a:rPr lang="fr-FR"/>
+              <a:t>Troisième niveau</a:t>
+            </a:r>
+          </a:p>
+          <a:p>
+            <a:pPr lvl="3"/>
+            <a:r>
+              <a:rPr lang="fr-FR"/>
+              <a:t>Quatrième niveau</a:t>
+            </a:r>
+          </a:p>
+          <a:p>
+            <a:pPr lvl="4"/>
+            <a:r>
+              <a:rPr lang="fr-FR"/>
+              <a:t>Cinquième niveau</a:t>
+            </a:r>
+            <a:endParaRPr lang="fr-BE"/>
+          </a:p>
+        </p:txBody>
+      </p:sp>
+      <p:sp>
+        <p:nvSpPr>
+          <p:cNvPr id="4" name="Espace réservé de la date 3">
+            <a:extLst>
+              <a:ext uri="{FF2B5EF4-FFF2-40B4-BE49-F238E27FC236}">
+                <a16:creationId xmlns:a16="http://schemas.microsoft.com/office/drawing/2014/main" id="{6527572E-CAD3-4595-AD3B-829D00883D8F}"/>
+              </a:ext>
+            </a:extLst>
+          </p:cNvPr>
+          <p:cNvSpPr>
+            <a:spLocks noGrp="1"/>
+          </p:cNvSpPr>
+          <p:nvPr>
+            <p:ph type="dt" sz="half" idx="10"/>
+          </p:nvPr>
+        </p:nvSpPr>
+        <p:spPr/>
+        <p:txBody>
+          <a:bodyPr/>
+          <a:lstStyle/>
+          <a:p>
+            <a:fld id="{5369D69D-74C9-44C2-AA09-BF23A02BA6D3}" type="datetimeFigureOut">
+              <a:rPr lang="fr-BE" smtClean="0"/>
+              <a:t>16-02-21</a:t>
+            </a:fld>
+            <a:endParaRPr lang="fr-BE"/>
+          </a:p>
+        </p:txBody>
+      </p:sp>
+      <p:sp>
+        <p:nvSpPr>
+          <p:cNvPr id="5" name="Espace réservé du pied de page 4">
+            <a:extLst>
+              <a:ext uri="{FF2B5EF4-FFF2-40B4-BE49-F238E27FC236}">
+                <a16:creationId xmlns:a16="http://schemas.microsoft.com/office/drawing/2014/main" id="{CF6F531D-1B18-4971-AB47-2716D02E82DF}"/>
+              </a:ext>
+            </a:extLst>
+          </p:cNvPr>
+          <p:cNvSpPr>
+            <a:spLocks noGrp="1"/>
+          </p:cNvSpPr>
+          <p:nvPr>
+            <p:ph type="ftr" sz="quarter" idx="11"/>
+          </p:nvPr>
+        </p:nvSpPr>
+        <p:spPr/>
+        <p:txBody>
+          <a:bodyPr/>
+          <a:lstStyle/>
+          <a:p>
+            <a:endParaRPr lang="fr-BE"/>
+          </a:p>
+        </p:txBody>
+      </p:sp>
+      <p:sp>
+        <p:nvSpPr>
+          <p:cNvPr id="6" name="Espace réservé du numéro de diapositive 5">
+            <a:extLst>
+              <a:ext uri="{FF2B5EF4-FFF2-40B4-BE49-F238E27FC236}">
+                <a16:creationId xmlns:a16="http://schemas.microsoft.com/office/drawing/2014/main" id="{F007C95A-2010-463C-8340-15E061502D11}"/>
+              </a:ext>
+            </a:extLst>
+          </p:cNvPr>
+          <p:cNvSpPr>
+            <a:spLocks noGrp="1"/>
+          </p:cNvSpPr>
+          <p:nvPr>
+            <p:ph type="sldNum" sz="quarter" idx="12"/>
+          </p:nvPr>
+        </p:nvSpPr>
+        <p:spPr/>
+        <p:txBody>
+          <a:bodyPr/>
+          <a:lstStyle/>
+          <a:p>
+            <a:fld id="{FA63FA72-A6E3-460C-89F6-BD7F786B0D07}" type="slidenum">
+              <a:rPr lang="fr-BE" smtClean="0"/>
+              <a:t>‹N°›</a:t>
+            </a:fld>
+            <a:endParaRPr lang="fr-BE"/>
+          </a:p>
+        </p:txBody>
+      </p:sp>
+    </p:spTree>
+    <p:extLst>
+      <p:ext uri="{BB962C8B-B14F-4D97-AF65-F5344CB8AC3E}">
+        <p14:creationId xmlns:p14="http://schemas.microsoft.com/office/powerpoint/2010/main" val="1789290275"/>
+      </p:ext>
+    </p:extLst>
+  </p:cSld>
+  <p:clrMapOvr>
+    <a:masterClrMapping/>
+  </p:clrMapOvr>
+</p:sldLayout>
+</file>
+
+<file path=ppt/slideLayouts/slideLayout14.xml><?xml version="1.0" encoding="utf-8"?>
+<p:sldLayout xmlns:a="http://schemas.openxmlformats.org/drawingml/2006/main" xmlns:r="http://schemas.openxmlformats.org/officeDocument/2006/relationships" xmlns:p="http://schemas.openxmlformats.org/presentationml/2006/main" type="secHead" preserve="1">
+  <p:cSld name="Titre de section">
+    <p:spTree>
+      <p:nvGrpSpPr>
+        <p:cNvPr id="1" name=""/>
+        <p:cNvGrpSpPr/>
+        <p:nvPr/>
+      </p:nvGrpSpPr>
+      <p:grpSpPr>
+        <a:xfrm>
+          <a:off x="0" y="0"/>
+          <a:ext cx="0" cy="0"/>
+          <a:chOff x="0" y="0"/>
+          <a:chExt cx="0" cy="0"/>
+        </a:xfrm>
+      </p:grpSpPr>
+      <p:sp>
+        <p:nvSpPr>
+          <p:cNvPr id="2" name="Titre 1">
+            <a:extLst>
+              <a:ext uri="{FF2B5EF4-FFF2-40B4-BE49-F238E27FC236}">
+                <a16:creationId xmlns:a16="http://schemas.microsoft.com/office/drawing/2014/main" id="{79461CB1-4EEB-4F25-BCED-54C16C7F46C1}"/>
+              </a:ext>
+            </a:extLst>
+          </p:cNvPr>
+          <p:cNvSpPr>
+            <a:spLocks noGrp="1"/>
+          </p:cNvSpPr>
+          <p:nvPr>
+            <p:ph type="title"/>
+          </p:nvPr>
+        </p:nvSpPr>
+        <p:spPr>
+          <a:xfrm>
+            <a:off x="831850" y="1709738"/>
+            <a:ext cx="10515600" cy="2852737"/>
+          </a:xfrm>
+        </p:spPr>
+        <p:txBody>
+          <a:bodyPr anchor="b"/>
+          <a:lstStyle>
+            <a:lvl1pPr>
+              <a:defRPr sz="6000"/>
+            </a:lvl1pPr>
+          </a:lstStyle>
+          <a:p>
+            <a:r>
+              <a:rPr lang="fr-FR"/>
+              <a:t>Modifiez le style du titre</a:t>
+            </a:r>
+            <a:endParaRPr lang="fr-BE"/>
+          </a:p>
+        </p:txBody>
+      </p:sp>
+      <p:sp>
+        <p:nvSpPr>
+          <p:cNvPr id="3" name="Espace réservé du texte 2">
+            <a:extLst>
+              <a:ext uri="{FF2B5EF4-FFF2-40B4-BE49-F238E27FC236}">
+                <a16:creationId xmlns:a16="http://schemas.microsoft.com/office/drawing/2014/main" id="{CFE5F506-D0A1-4C0F-A242-3CA03C286907}"/>
+              </a:ext>
+            </a:extLst>
+          </p:cNvPr>
+          <p:cNvSpPr>
+            <a:spLocks noGrp="1"/>
+          </p:cNvSpPr>
+          <p:nvPr>
+            <p:ph type="body" idx="1"/>
+          </p:nvPr>
+        </p:nvSpPr>
+        <p:spPr>
+          <a:xfrm>
+            <a:off x="831850" y="4589463"/>
+            <a:ext cx="10515600" cy="1500187"/>
+          </a:xfrm>
+        </p:spPr>
+        <p:txBody>
+          <a:bodyPr/>
+          <a:lstStyle>
+            <a:lvl1pPr marL="0" indent="0">
+              <a:buNone/>
+              <a:defRPr sz="2400">
+                <a:solidFill>
+                  <a:schemeClr val="tx1">
+                    <a:tint val="75000"/>
+                  </a:schemeClr>
+                </a:solidFill>
+              </a:defRPr>
+            </a:lvl1pPr>
+            <a:lvl2pPr marL="457200" indent="0">
+              <a:buNone/>
+              <a:defRPr sz="2000">
+                <a:solidFill>
+                  <a:schemeClr val="tx1">
+                    <a:tint val="75000"/>
+                  </a:schemeClr>
+                </a:solidFill>
+              </a:defRPr>
+            </a:lvl2pPr>
+            <a:lvl3pPr marL="914400" indent="0">
+              <a:buNone/>
+              <a:defRPr sz="1800">
+                <a:solidFill>
+                  <a:schemeClr val="tx1">
+                    <a:tint val="75000"/>
+                  </a:schemeClr>
+                </a:solidFill>
+              </a:defRPr>
+            </a:lvl3pPr>
+            <a:lvl4pPr marL="1371600" indent="0">
+              <a:buNone/>
+              <a:defRPr sz="1600">
+                <a:solidFill>
+                  <a:schemeClr val="tx1">
+                    <a:tint val="75000"/>
+                  </a:schemeClr>
+                </a:solidFill>
+              </a:defRPr>
+            </a:lvl4pPr>
+            <a:lvl5pPr marL="1828800" indent="0">
+              <a:buNone/>
+              <a:defRPr sz="1600">
+                <a:solidFill>
+                  <a:schemeClr val="tx1">
+                    <a:tint val="75000"/>
+                  </a:schemeClr>
+                </a:solidFill>
+              </a:defRPr>
+            </a:lvl5pPr>
+            <a:lvl6pPr marL="2286000" indent="0">
+              <a:buNone/>
+              <a:defRPr sz="1600">
+                <a:solidFill>
+                  <a:schemeClr val="tx1">
+                    <a:tint val="75000"/>
+                  </a:schemeClr>
+                </a:solidFill>
+              </a:defRPr>
+            </a:lvl6pPr>
+            <a:lvl7pPr marL="2743200" indent="0">
+              <a:buNone/>
+              <a:defRPr sz="1600">
+                <a:solidFill>
+                  <a:schemeClr val="tx1">
+                    <a:tint val="75000"/>
+                  </a:schemeClr>
+                </a:solidFill>
+              </a:defRPr>
+            </a:lvl7pPr>
+            <a:lvl8pPr marL="3200400" indent="0">
+              <a:buNone/>
+              <a:defRPr sz="1600">
+                <a:solidFill>
+                  <a:schemeClr val="tx1">
+                    <a:tint val="75000"/>
+                  </a:schemeClr>
+                </a:solidFill>
+              </a:defRPr>
+            </a:lvl8pPr>
+            <a:lvl9pPr marL="3657600" indent="0">
+              <a:buNone/>
+              <a:defRPr sz="1600">
+                <a:solidFill>
+                  <a:schemeClr val="tx1">
+                    <a:tint val="75000"/>
+                  </a:schemeClr>
+                </a:solidFill>
+              </a:defRPr>
+            </a:lvl9pPr>
+          </a:lstStyle>
+          <a:p>
+            <a:pPr lvl="0"/>
+            <a:r>
+              <a:rPr lang="fr-FR"/>
+              <a:t>Cliquez pour modifier les styles du texte du masque</a:t>
+            </a:r>
+          </a:p>
+        </p:txBody>
+      </p:sp>
+      <p:sp>
+        <p:nvSpPr>
+          <p:cNvPr id="4" name="Espace réservé de la date 3">
+            <a:extLst>
+              <a:ext uri="{FF2B5EF4-FFF2-40B4-BE49-F238E27FC236}">
+                <a16:creationId xmlns:a16="http://schemas.microsoft.com/office/drawing/2014/main" id="{9D6AED5E-177E-4557-B451-26EE317989A5}"/>
+              </a:ext>
+            </a:extLst>
+          </p:cNvPr>
+          <p:cNvSpPr>
+            <a:spLocks noGrp="1"/>
+          </p:cNvSpPr>
+          <p:nvPr>
+            <p:ph type="dt" sz="half" idx="10"/>
+          </p:nvPr>
+        </p:nvSpPr>
+        <p:spPr/>
+        <p:txBody>
+          <a:bodyPr/>
+          <a:lstStyle/>
+          <a:p>
+            <a:fld id="{5369D69D-74C9-44C2-AA09-BF23A02BA6D3}" type="datetimeFigureOut">
+              <a:rPr lang="fr-BE" smtClean="0"/>
+              <a:t>16-02-21</a:t>
+            </a:fld>
+            <a:endParaRPr lang="fr-BE"/>
+          </a:p>
+        </p:txBody>
+      </p:sp>
+      <p:sp>
+        <p:nvSpPr>
+          <p:cNvPr id="5" name="Espace réservé du pied de page 4">
+            <a:extLst>
+              <a:ext uri="{FF2B5EF4-FFF2-40B4-BE49-F238E27FC236}">
+                <a16:creationId xmlns:a16="http://schemas.microsoft.com/office/drawing/2014/main" id="{4DECB812-20BC-45BC-8996-DFEFAFCB9B4B}"/>
+              </a:ext>
+            </a:extLst>
+          </p:cNvPr>
+          <p:cNvSpPr>
+            <a:spLocks noGrp="1"/>
+          </p:cNvSpPr>
+          <p:nvPr>
+            <p:ph type="ftr" sz="quarter" idx="11"/>
+          </p:nvPr>
+        </p:nvSpPr>
+        <p:spPr/>
+        <p:txBody>
+          <a:bodyPr/>
+          <a:lstStyle/>
+          <a:p>
+            <a:endParaRPr lang="fr-BE"/>
+          </a:p>
+        </p:txBody>
+      </p:sp>
+      <p:sp>
+        <p:nvSpPr>
+          <p:cNvPr id="6" name="Espace réservé du numéro de diapositive 5">
+            <a:extLst>
+              <a:ext uri="{FF2B5EF4-FFF2-40B4-BE49-F238E27FC236}">
+                <a16:creationId xmlns:a16="http://schemas.microsoft.com/office/drawing/2014/main" id="{F15E9A21-7F71-4DB2-9A24-7BCB57A0AF76}"/>
+              </a:ext>
+            </a:extLst>
+          </p:cNvPr>
+          <p:cNvSpPr>
+            <a:spLocks noGrp="1"/>
+          </p:cNvSpPr>
+          <p:nvPr>
+            <p:ph type="sldNum" sz="quarter" idx="12"/>
+          </p:nvPr>
+        </p:nvSpPr>
+        <p:spPr/>
+        <p:txBody>
+          <a:bodyPr/>
+          <a:lstStyle/>
+          <a:p>
+            <a:fld id="{FA63FA72-A6E3-460C-89F6-BD7F786B0D07}" type="slidenum">
+              <a:rPr lang="fr-BE" smtClean="0"/>
+              <a:t>‹N°›</a:t>
+            </a:fld>
+            <a:endParaRPr lang="fr-BE"/>
+          </a:p>
+        </p:txBody>
+      </p:sp>
+    </p:spTree>
+    <p:extLst>
+      <p:ext uri="{BB962C8B-B14F-4D97-AF65-F5344CB8AC3E}">
+        <p14:creationId xmlns:p14="http://schemas.microsoft.com/office/powerpoint/2010/main" val="472038439"/>
+      </p:ext>
+    </p:extLst>
+  </p:cSld>
+  <p:clrMapOvr>
+    <a:masterClrMapping/>
+  </p:clrMapOvr>
+</p:sldLayout>
+</file>
+
+<file path=ppt/slideLayouts/slideLayout15.xml><?xml version="1.0" encoding="utf-8"?>
+<p:sldLayout xmlns:a="http://schemas.openxmlformats.org/drawingml/2006/main" xmlns:r="http://schemas.openxmlformats.org/officeDocument/2006/relationships" xmlns:p="http://schemas.openxmlformats.org/presentationml/2006/main" type="twoObj" preserve="1">
+  <p:cSld name="Deux contenus">
+    <p:spTree>
+      <p:nvGrpSpPr>
+        <p:cNvPr id="1" name=""/>
+        <p:cNvGrpSpPr/>
+        <p:nvPr/>
+      </p:nvGrpSpPr>
+      <p:grpSpPr>
+        <a:xfrm>
+          <a:off x="0" y="0"/>
+          <a:ext cx="0" cy="0"/>
+          <a:chOff x="0" y="0"/>
+          <a:chExt cx="0" cy="0"/>
+        </a:xfrm>
+      </p:grpSpPr>
+      <p:sp>
+        <p:nvSpPr>
+          <p:cNvPr id="2" name="Titre 1">
+            <a:extLst>
+              <a:ext uri="{FF2B5EF4-FFF2-40B4-BE49-F238E27FC236}">
+                <a16:creationId xmlns:a16="http://schemas.microsoft.com/office/drawing/2014/main" id="{B8B2A592-190E-42C7-BDD6-FFFC7CBEE612}"/>
+              </a:ext>
+            </a:extLst>
+          </p:cNvPr>
+          <p:cNvSpPr>
+            <a:spLocks noGrp="1"/>
+          </p:cNvSpPr>
+          <p:nvPr>
+            <p:ph type="title"/>
+          </p:nvPr>
+        </p:nvSpPr>
+        <p:spPr/>
+        <p:txBody>
+          <a:bodyPr/>
+          <a:lstStyle/>
+          <a:p>
+            <a:r>
+              <a:rPr lang="fr-FR"/>
+              <a:t>Modifiez le style du titre</a:t>
+            </a:r>
+            <a:endParaRPr lang="fr-BE"/>
+          </a:p>
+        </p:txBody>
+      </p:sp>
+      <p:sp>
+        <p:nvSpPr>
+          <p:cNvPr id="3" name="Espace réservé du contenu 2">
+            <a:extLst>
+              <a:ext uri="{FF2B5EF4-FFF2-40B4-BE49-F238E27FC236}">
+                <a16:creationId xmlns:a16="http://schemas.microsoft.com/office/drawing/2014/main" id="{9ADC9243-F817-4AE2-ADAB-B0990C98D7C1}"/>
+              </a:ext>
+            </a:extLst>
+          </p:cNvPr>
+          <p:cNvSpPr>
+            <a:spLocks noGrp="1"/>
+          </p:cNvSpPr>
+          <p:nvPr>
+            <p:ph sz="half" idx="1"/>
+          </p:nvPr>
+        </p:nvSpPr>
+        <p:spPr>
+          <a:xfrm>
+            <a:off x="838200" y="1825625"/>
+            <a:ext cx="5181600" cy="4351338"/>
+          </a:xfrm>
+        </p:spPr>
+        <p:txBody>
+          <a:bodyPr/>
+          <a:lstStyle/>
+          <a:p>
+            <a:pPr lvl="0"/>
+            <a:r>
+              <a:rPr lang="fr-FR"/>
+              <a:t>Cliquez pour modifier les styles du texte du masque</a:t>
+            </a:r>
+          </a:p>
+          <a:p>
+            <a:pPr lvl="1"/>
+            <a:r>
+              <a:rPr lang="fr-FR"/>
+              <a:t>Deuxième niveau</a:t>
+            </a:r>
+          </a:p>
+          <a:p>
+            <a:pPr lvl="2"/>
+            <a:r>
+              <a:rPr lang="fr-FR"/>
+              <a:t>Troisième niveau</a:t>
+            </a:r>
+          </a:p>
+          <a:p>
+            <a:pPr lvl="3"/>
+            <a:r>
+              <a:rPr lang="fr-FR"/>
+              <a:t>Quatrième niveau</a:t>
+            </a:r>
+          </a:p>
+          <a:p>
+            <a:pPr lvl="4"/>
+            <a:r>
+              <a:rPr lang="fr-FR"/>
+              <a:t>Cinquième niveau</a:t>
+            </a:r>
+            <a:endParaRPr lang="fr-BE"/>
+          </a:p>
+        </p:txBody>
+      </p:sp>
+      <p:sp>
+        <p:nvSpPr>
+          <p:cNvPr id="4" name="Espace réservé du contenu 3">
+            <a:extLst>
+              <a:ext uri="{FF2B5EF4-FFF2-40B4-BE49-F238E27FC236}">
+                <a16:creationId xmlns:a16="http://schemas.microsoft.com/office/drawing/2014/main" id="{3E560DCD-8205-4E6F-B542-D3AAF15501DC}"/>
+              </a:ext>
+            </a:extLst>
+          </p:cNvPr>
+          <p:cNvSpPr>
+            <a:spLocks noGrp="1"/>
+          </p:cNvSpPr>
+          <p:nvPr>
+            <p:ph sz="half" idx="2"/>
+          </p:nvPr>
+        </p:nvSpPr>
+        <p:spPr>
+          <a:xfrm>
+            <a:off x="6172200" y="1825625"/>
+            <a:ext cx="5181600" cy="4351338"/>
+          </a:xfrm>
+        </p:spPr>
+        <p:txBody>
+          <a:bodyPr/>
+          <a:lstStyle/>
+          <a:p>
+            <a:pPr lvl="0"/>
+            <a:r>
+              <a:rPr lang="fr-FR"/>
+              <a:t>Cliquez pour modifier les styles du texte du masque</a:t>
+            </a:r>
+          </a:p>
+          <a:p>
+            <a:pPr lvl="1"/>
+            <a:r>
+              <a:rPr lang="fr-FR"/>
+              <a:t>Deuxième niveau</a:t>
+            </a:r>
+          </a:p>
+          <a:p>
+            <a:pPr lvl="2"/>
+            <a:r>
+              <a:rPr lang="fr-FR"/>
+              <a:t>Troisième niveau</a:t>
+            </a:r>
+          </a:p>
+          <a:p>
+            <a:pPr lvl="3"/>
+            <a:r>
+              <a:rPr lang="fr-FR"/>
+              <a:t>Quatrième niveau</a:t>
+            </a:r>
+          </a:p>
+          <a:p>
+            <a:pPr lvl="4"/>
+            <a:r>
+              <a:rPr lang="fr-FR"/>
+              <a:t>Cinquième niveau</a:t>
+            </a:r>
+            <a:endParaRPr lang="fr-BE"/>
+          </a:p>
+        </p:txBody>
+      </p:sp>
+      <p:sp>
+        <p:nvSpPr>
+          <p:cNvPr id="5" name="Espace réservé de la date 4">
+            <a:extLst>
+              <a:ext uri="{FF2B5EF4-FFF2-40B4-BE49-F238E27FC236}">
+                <a16:creationId xmlns:a16="http://schemas.microsoft.com/office/drawing/2014/main" id="{564DE1C5-206B-4E14-AEEE-343B43BC00B0}"/>
+              </a:ext>
+            </a:extLst>
+          </p:cNvPr>
+          <p:cNvSpPr>
+            <a:spLocks noGrp="1"/>
+          </p:cNvSpPr>
+          <p:nvPr>
+            <p:ph type="dt" sz="half" idx="10"/>
+          </p:nvPr>
+        </p:nvSpPr>
+        <p:spPr/>
+        <p:txBody>
+          <a:bodyPr/>
+          <a:lstStyle/>
+          <a:p>
+            <a:fld id="{5369D69D-74C9-44C2-AA09-BF23A02BA6D3}" type="datetimeFigureOut">
+              <a:rPr lang="fr-BE" smtClean="0"/>
+              <a:t>16-02-21</a:t>
+            </a:fld>
+            <a:endParaRPr lang="fr-BE"/>
+          </a:p>
+        </p:txBody>
+      </p:sp>
+      <p:sp>
+        <p:nvSpPr>
+          <p:cNvPr id="6" name="Espace réservé du pied de page 5">
+            <a:extLst>
+              <a:ext uri="{FF2B5EF4-FFF2-40B4-BE49-F238E27FC236}">
+                <a16:creationId xmlns:a16="http://schemas.microsoft.com/office/drawing/2014/main" id="{209E0C45-5544-48B6-B39A-99ACB30BF579}"/>
+              </a:ext>
+            </a:extLst>
+          </p:cNvPr>
+          <p:cNvSpPr>
+            <a:spLocks noGrp="1"/>
+          </p:cNvSpPr>
+          <p:nvPr>
+            <p:ph type="ftr" sz="quarter" idx="11"/>
+          </p:nvPr>
+        </p:nvSpPr>
+        <p:spPr/>
+        <p:txBody>
+          <a:bodyPr/>
+          <a:lstStyle/>
+          <a:p>
+            <a:endParaRPr lang="fr-BE"/>
+          </a:p>
+        </p:txBody>
+      </p:sp>
+      <p:sp>
+        <p:nvSpPr>
+          <p:cNvPr id="7" name="Espace réservé du numéro de diapositive 6">
+            <a:extLst>
+              <a:ext uri="{FF2B5EF4-FFF2-40B4-BE49-F238E27FC236}">
+                <a16:creationId xmlns:a16="http://schemas.microsoft.com/office/drawing/2014/main" id="{ADA7F8E1-B780-47B7-BE85-CDECCE82502D}"/>
+              </a:ext>
+            </a:extLst>
+          </p:cNvPr>
+          <p:cNvSpPr>
+            <a:spLocks noGrp="1"/>
+          </p:cNvSpPr>
+          <p:nvPr>
+            <p:ph type="sldNum" sz="quarter" idx="12"/>
+          </p:nvPr>
+        </p:nvSpPr>
+        <p:spPr/>
+        <p:txBody>
+          <a:bodyPr/>
+          <a:lstStyle/>
+          <a:p>
+            <a:fld id="{FA63FA72-A6E3-460C-89F6-BD7F786B0D07}" type="slidenum">
+              <a:rPr lang="fr-BE" smtClean="0"/>
+              <a:t>‹N°›</a:t>
+            </a:fld>
+            <a:endParaRPr lang="fr-BE"/>
+          </a:p>
+        </p:txBody>
+      </p:sp>
+    </p:spTree>
+    <p:extLst>
+      <p:ext uri="{BB962C8B-B14F-4D97-AF65-F5344CB8AC3E}">
+        <p14:creationId xmlns:p14="http://schemas.microsoft.com/office/powerpoint/2010/main" val="18556854"/>
+      </p:ext>
+    </p:extLst>
+  </p:cSld>
+  <p:clrMapOvr>
+    <a:masterClrMapping/>
+  </p:clrMapOvr>
+</p:sldLayout>
+</file>
+
+<file path=ppt/slideLayouts/slideLayout16.xml><?xml version="1.0" encoding="utf-8"?>
+<p:sldLayout xmlns:a="http://schemas.openxmlformats.org/drawingml/2006/main" xmlns:r="http://schemas.openxmlformats.org/officeDocument/2006/relationships" xmlns:p="http://schemas.openxmlformats.org/presentationml/2006/main" type="twoTxTwoObj" preserve="1">
+  <p:cSld name="Comparaison">
+    <p:spTree>
+      <p:nvGrpSpPr>
+        <p:cNvPr id="1" name=""/>
+        <p:cNvGrpSpPr/>
+        <p:nvPr/>
+      </p:nvGrpSpPr>
+      <p:grpSpPr>
+        <a:xfrm>
+          <a:off x="0" y="0"/>
+          <a:ext cx="0" cy="0"/>
+          <a:chOff x="0" y="0"/>
+          <a:chExt cx="0" cy="0"/>
+        </a:xfrm>
+      </p:grpSpPr>
+      <p:sp>
+        <p:nvSpPr>
+          <p:cNvPr id="2" name="Titre 1">
+            <a:extLst>
+              <a:ext uri="{FF2B5EF4-FFF2-40B4-BE49-F238E27FC236}">
+                <a16:creationId xmlns:a16="http://schemas.microsoft.com/office/drawing/2014/main" id="{DA6836BD-F401-4517-AF36-39EDDC06BBD7}"/>
+              </a:ext>
+            </a:extLst>
+          </p:cNvPr>
+          <p:cNvSpPr>
+            <a:spLocks noGrp="1"/>
+          </p:cNvSpPr>
+          <p:nvPr>
+            <p:ph type="title"/>
+          </p:nvPr>
+        </p:nvSpPr>
+        <p:spPr>
+          <a:xfrm>
+            <a:off x="839788" y="365125"/>
+            <a:ext cx="10515600" cy="1325563"/>
+          </a:xfrm>
+        </p:spPr>
+        <p:txBody>
+          <a:bodyPr/>
+          <a:lstStyle/>
+          <a:p>
+            <a:r>
+              <a:rPr lang="fr-FR"/>
+              <a:t>Modifiez le style du titre</a:t>
+            </a:r>
+            <a:endParaRPr lang="fr-BE"/>
+          </a:p>
+        </p:txBody>
+      </p:sp>
+      <p:sp>
+        <p:nvSpPr>
+          <p:cNvPr id="3" name="Espace réservé du texte 2">
+            <a:extLst>
+              <a:ext uri="{FF2B5EF4-FFF2-40B4-BE49-F238E27FC236}">
+                <a16:creationId xmlns:a16="http://schemas.microsoft.com/office/drawing/2014/main" id="{CB5BB316-1C15-4250-9AAE-0E95DA9DE57B}"/>
+              </a:ext>
+            </a:extLst>
+          </p:cNvPr>
+          <p:cNvSpPr>
+            <a:spLocks noGrp="1"/>
+          </p:cNvSpPr>
+          <p:nvPr>
+            <p:ph type="body" idx="1"/>
+          </p:nvPr>
+        </p:nvSpPr>
+        <p:spPr>
+          <a:xfrm>
+            <a:off x="839788" y="1681163"/>
+            <a:ext cx="5157787" cy="823912"/>
+          </a:xfrm>
+        </p:spPr>
+        <p:txBody>
+          <a:bodyPr anchor="b"/>
+          <a:lstStyle>
+            <a:lvl1pPr marL="0" indent="0">
+              <a:buNone/>
+              <a:defRPr sz="2400" b="1"/>
+            </a:lvl1pPr>
+            <a:lvl2pPr marL="457200" indent="0">
+              <a:buNone/>
+              <a:defRPr sz="2000" b="1"/>
+            </a:lvl2pPr>
+            <a:lvl3pPr marL="914400" indent="0">
+              <a:buNone/>
+              <a:defRPr sz="1800" b="1"/>
+            </a:lvl3pPr>
+            <a:lvl4pPr marL="1371600" indent="0">
+              <a:buNone/>
+              <a:defRPr sz="1600" b="1"/>
+            </a:lvl4pPr>
+            <a:lvl5pPr marL="1828800" indent="0">
+              <a:buNone/>
+              <a:defRPr sz="1600" b="1"/>
+            </a:lvl5pPr>
+            <a:lvl6pPr marL="2286000" indent="0">
+              <a:buNone/>
+              <a:defRPr sz="1600" b="1"/>
+            </a:lvl6pPr>
+            <a:lvl7pPr marL="2743200" indent="0">
+              <a:buNone/>
+              <a:defRPr sz="1600" b="1"/>
+            </a:lvl7pPr>
+            <a:lvl8pPr marL="3200400" indent="0">
+              <a:buNone/>
+              <a:defRPr sz="1600" b="1"/>
+            </a:lvl8pPr>
+            <a:lvl9pPr marL="3657600" indent="0">
+              <a:buNone/>
+              <a:defRPr sz="1600" b="1"/>
+            </a:lvl9pPr>
+          </a:lstStyle>
+          <a:p>
+            <a:pPr lvl="0"/>
+            <a:r>
+              <a:rPr lang="fr-FR"/>
+              <a:t>Cliquez pour modifier les styles du texte du masque</a:t>
+            </a:r>
+          </a:p>
+        </p:txBody>
+      </p:sp>
+      <p:sp>
+        <p:nvSpPr>
+          <p:cNvPr id="4" name="Espace réservé du contenu 3">
+            <a:extLst>
+              <a:ext uri="{FF2B5EF4-FFF2-40B4-BE49-F238E27FC236}">
+                <a16:creationId xmlns:a16="http://schemas.microsoft.com/office/drawing/2014/main" id="{EBF92D83-E415-4AF7-A265-28E2700949CD}"/>
+              </a:ext>
+            </a:extLst>
+          </p:cNvPr>
+          <p:cNvSpPr>
+            <a:spLocks noGrp="1"/>
+          </p:cNvSpPr>
+          <p:nvPr>
+            <p:ph sz="half" idx="2"/>
+          </p:nvPr>
+        </p:nvSpPr>
+        <p:spPr>
+          <a:xfrm>
+            <a:off x="839788" y="2505075"/>
+            <a:ext cx="5157787" cy="3684588"/>
+          </a:xfrm>
+        </p:spPr>
+        <p:txBody>
+          <a:bodyPr/>
+          <a:lstStyle/>
+          <a:p>
+            <a:pPr lvl="0"/>
+            <a:r>
+              <a:rPr lang="fr-FR"/>
+              <a:t>Cliquez pour modifier les styles du texte du masque</a:t>
+            </a:r>
+          </a:p>
+          <a:p>
+            <a:pPr lvl="1"/>
+            <a:r>
+              <a:rPr lang="fr-FR"/>
+              <a:t>Deuxième niveau</a:t>
+            </a:r>
+          </a:p>
+          <a:p>
+            <a:pPr lvl="2"/>
+            <a:r>
+              <a:rPr lang="fr-FR"/>
+              <a:t>Troisième niveau</a:t>
+            </a:r>
+          </a:p>
+          <a:p>
+            <a:pPr lvl="3"/>
+            <a:r>
+              <a:rPr lang="fr-FR"/>
+              <a:t>Quatrième niveau</a:t>
+            </a:r>
+          </a:p>
+          <a:p>
+            <a:pPr lvl="4"/>
+            <a:r>
+              <a:rPr lang="fr-FR"/>
+              <a:t>Cinquième niveau</a:t>
+            </a:r>
+            <a:endParaRPr lang="fr-BE"/>
+          </a:p>
+        </p:txBody>
+      </p:sp>
+      <p:sp>
+        <p:nvSpPr>
+          <p:cNvPr id="5" name="Espace réservé du texte 4">
+            <a:extLst>
+              <a:ext uri="{FF2B5EF4-FFF2-40B4-BE49-F238E27FC236}">
+                <a16:creationId xmlns:a16="http://schemas.microsoft.com/office/drawing/2014/main" id="{5CAFDA64-5064-4BF6-B35C-3D7CC8862266}"/>
+              </a:ext>
+            </a:extLst>
+          </p:cNvPr>
+          <p:cNvSpPr>
+            <a:spLocks noGrp="1"/>
+          </p:cNvSpPr>
+          <p:nvPr>
+            <p:ph type="body" sz="quarter" idx="3"/>
+          </p:nvPr>
+        </p:nvSpPr>
+        <p:spPr>
+          <a:xfrm>
+            <a:off x="6172200" y="1681163"/>
+            <a:ext cx="5183188" cy="823912"/>
+          </a:xfrm>
+        </p:spPr>
+        <p:txBody>
+          <a:bodyPr anchor="b"/>
+          <a:lstStyle>
+            <a:lvl1pPr marL="0" indent="0">
+              <a:buNone/>
+              <a:defRPr sz="2400" b="1"/>
+            </a:lvl1pPr>
+            <a:lvl2pPr marL="457200" indent="0">
+              <a:buNone/>
+              <a:defRPr sz="2000" b="1"/>
+            </a:lvl2pPr>
+            <a:lvl3pPr marL="914400" indent="0">
+              <a:buNone/>
+              <a:defRPr sz="1800" b="1"/>
+            </a:lvl3pPr>
+            <a:lvl4pPr marL="1371600" indent="0">
+              <a:buNone/>
+              <a:defRPr sz="1600" b="1"/>
+            </a:lvl4pPr>
+            <a:lvl5pPr marL="1828800" indent="0">
+              <a:buNone/>
+              <a:defRPr sz="1600" b="1"/>
+            </a:lvl5pPr>
+            <a:lvl6pPr marL="2286000" indent="0">
+              <a:buNone/>
+              <a:defRPr sz="1600" b="1"/>
+            </a:lvl6pPr>
+            <a:lvl7pPr marL="2743200" indent="0">
+              <a:buNone/>
+              <a:defRPr sz="1600" b="1"/>
+            </a:lvl7pPr>
+            <a:lvl8pPr marL="3200400" indent="0">
+              <a:buNone/>
+              <a:defRPr sz="1600" b="1"/>
+            </a:lvl8pPr>
+            <a:lvl9pPr marL="3657600" indent="0">
+              <a:buNone/>
+              <a:defRPr sz="1600" b="1"/>
+            </a:lvl9pPr>
+          </a:lstStyle>
+          <a:p>
+            <a:pPr lvl="0"/>
+            <a:r>
+              <a:rPr lang="fr-FR"/>
+              <a:t>Cliquez pour modifier les styles du texte du masque</a:t>
+            </a:r>
+          </a:p>
+        </p:txBody>
+      </p:sp>
+      <p:sp>
+        <p:nvSpPr>
+          <p:cNvPr id="6" name="Espace réservé du contenu 5">
+            <a:extLst>
+              <a:ext uri="{FF2B5EF4-FFF2-40B4-BE49-F238E27FC236}">
+                <a16:creationId xmlns:a16="http://schemas.microsoft.com/office/drawing/2014/main" id="{215C3483-683B-4CE0-B782-460FF6D6C02A}"/>
+              </a:ext>
+            </a:extLst>
+          </p:cNvPr>
+          <p:cNvSpPr>
+            <a:spLocks noGrp="1"/>
+          </p:cNvSpPr>
+          <p:nvPr>
+            <p:ph sz="quarter" idx="4"/>
+          </p:nvPr>
+        </p:nvSpPr>
+        <p:spPr>
+          <a:xfrm>
+            <a:off x="6172200" y="2505075"/>
+            <a:ext cx="5183188" cy="3684588"/>
+          </a:xfrm>
+        </p:spPr>
+        <p:txBody>
+          <a:bodyPr/>
+          <a:lstStyle/>
+          <a:p>
+            <a:pPr lvl="0"/>
+            <a:r>
+              <a:rPr lang="fr-FR"/>
+              <a:t>Cliquez pour modifier les styles du texte du masque</a:t>
+            </a:r>
+          </a:p>
+          <a:p>
+            <a:pPr lvl="1"/>
+            <a:r>
+              <a:rPr lang="fr-FR"/>
+              <a:t>Deuxième niveau</a:t>
+            </a:r>
+          </a:p>
+          <a:p>
+            <a:pPr lvl="2"/>
+            <a:r>
+              <a:rPr lang="fr-FR"/>
+              <a:t>Troisième niveau</a:t>
+            </a:r>
+          </a:p>
+          <a:p>
+            <a:pPr lvl="3"/>
+            <a:r>
+              <a:rPr lang="fr-FR"/>
+              <a:t>Quatrième niveau</a:t>
+            </a:r>
+          </a:p>
+          <a:p>
+            <a:pPr lvl="4"/>
+            <a:r>
+              <a:rPr lang="fr-FR"/>
+              <a:t>Cinquième niveau</a:t>
+            </a:r>
+            <a:endParaRPr lang="fr-BE"/>
+          </a:p>
+        </p:txBody>
+      </p:sp>
+      <p:sp>
+        <p:nvSpPr>
+          <p:cNvPr id="7" name="Espace réservé de la date 6">
+            <a:extLst>
+              <a:ext uri="{FF2B5EF4-FFF2-40B4-BE49-F238E27FC236}">
+                <a16:creationId xmlns:a16="http://schemas.microsoft.com/office/drawing/2014/main" id="{CA4888F8-6B41-4ED4-8CD5-B47842BAC5C5}"/>
+              </a:ext>
+            </a:extLst>
+          </p:cNvPr>
+          <p:cNvSpPr>
+            <a:spLocks noGrp="1"/>
+          </p:cNvSpPr>
+          <p:nvPr>
+            <p:ph type="dt" sz="half" idx="10"/>
+          </p:nvPr>
+        </p:nvSpPr>
+        <p:spPr/>
+        <p:txBody>
+          <a:bodyPr/>
+          <a:lstStyle/>
+          <a:p>
+            <a:fld id="{5369D69D-74C9-44C2-AA09-BF23A02BA6D3}" type="datetimeFigureOut">
+              <a:rPr lang="fr-BE" smtClean="0"/>
+              <a:t>16-02-21</a:t>
+            </a:fld>
+            <a:endParaRPr lang="fr-BE"/>
+          </a:p>
+        </p:txBody>
+      </p:sp>
+      <p:sp>
+        <p:nvSpPr>
+          <p:cNvPr id="8" name="Espace réservé du pied de page 7">
+            <a:extLst>
+              <a:ext uri="{FF2B5EF4-FFF2-40B4-BE49-F238E27FC236}">
+                <a16:creationId xmlns:a16="http://schemas.microsoft.com/office/drawing/2014/main" id="{26B07887-30DE-4688-A185-667DCCDC76D4}"/>
+              </a:ext>
+            </a:extLst>
+          </p:cNvPr>
+          <p:cNvSpPr>
+            <a:spLocks noGrp="1"/>
+          </p:cNvSpPr>
+          <p:nvPr>
+            <p:ph type="ftr" sz="quarter" idx="11"/>
+          </p:nvPr>
+        </p:nvSpPr>
+        <p:spPr/>
+        <p:txBody>
+          <a:bodyPr/>
+          <a:lstStyle/>
+          <a:p>
+            <a:endParaRPr lang="fr-BE"/>
+          </a:p>
+        </p:txBody>
+      </p:sp>
+      <p:sp>
+        <p:nvSpPr>
+          <p:cNvPr id="9" name="Espace réservé du numéro de diapositive 8">
+            <a:extLst>
+              <a:ext uri="{FF2B5EF4-FFF2-40B4-BE49-F238E27FC236}">
+                <a16:creationId xmlns:a16="http://schemas.microsoft.com/office/drawing/2014/main" id="{E0B1CA40-9039-455F-997E-4A33A761BAD8}"/>
+              </a:ext>
+            </a:extLst>
+          </p:cNvPr>
+          <p:cNvSpPr>
+            <a:spLocks noGrp="1"/>
+          </p:cNvSpPr>
+          <p:nvPr>
+            <p:ph type="sldNum" sz="quarter" idx="12"/>
+          </p:nvPr>
+        </p:nvSpPr>
+        <p:spPr/>
+        <p:txBody>
+          <a:bodyPr/>
+          <a:lstStyle/>
+          <a:p>
+            <a:fld id="{FA63FA72-A6E3-460C-89F6-BD7F786B0D07}" type="slidenum">
+              <a:rPr lang="fr-BE" smtClean="0"/>
+              <a:t>‹N°›</a:t>
+            </a:fld>
+            <a:endParaRPr lang="fr-BE"/>
+          </a:p>
+        </p:txBody>
+      </p:sp>
+    </p:spTree>
+    <p:extLst>
+      <p:ext uri="{BB962C8B-B14F-4D97-AF65-F5344CB8AC3E}">
+        <p14:creationId xmlns:p14="http://schemas.microsoft.com/office/powerpoint/2010/main" val="1259654748"/>
+      </p:ext>
+    </p:extLst>
+  </p:cSld>
+  <p:clrMapOvr>
+    <a:masterClrMapping/>
+  </p:clrMapOvr>
+</p:sldLayout>
+</file>
+
+<file path=ppt/slideLayouts/slideLayout17.xml><?xml version="1.0" encoding="utf-8"?>
+<p:sldLayout xmlns:a="http://schemas.openxmlformats.org/drawingml/2006/main" xmlns:r="http://schemas.openxmlformats.org/officeDocument/2006/relationships" xmlns:p="http://schemas.openxmlformats.org/presentationml/2006/main" type="titleOnly" preserve="1">
+  <p:cSld name="Titre seul">
+    <p:spTree>
+      <p:nvGrpSpPr>
+        <p:cNvPr id="1" name=""/>
+        <p:cNvGrpSpPr/>
+        <p:nvPr/>
+      </p:nvGrpSpPr>
+      <p:grpSpPr>
+        <a:xfrm>
+          <a:off x="0" y="0"/>
+          <a:ext cx="0" cy="0"/>
+          <a:chOff x="0" y="0"/>
+          <a:chExt cx="0" cy="0"/>
+        </a:xfrm>
+      </p:grpSpPr>
+      <p:sp>
+        <p:nvSpPr>
+          <p:cNvPr id="2" name="Titre 1">
+            <a:extLst>
+              <a:ext uri="{FF2B5EF4-FFF2-40B4-BE49-F238E27FC236}">
+                <a16:creationId xmlns:a16="http://schemas.microsoft.com/office/drawing/2014/main" id="{0C352E2D-8F6F-4792-8E1B-A7198F92B69B}"/>
+              </a:ext>
+            </a:extLst>
+          </p:cNvPr>
+          <p:cNvSpPr>
+            <a:spLocks noGrp="1"/>
+          </p:cNvSpPr>
+          <p:nvPr>
+            <p:ph type="title"/>
+          </p:nvPr>
+        </p:nvSpPr>
+        <p:spPr/>
+        <p:txBody>
+          <a:bodyPr/>
+          <a:lstStyle/>
+          <a:p>
+            <a:r>
+              <a:rPr lang="fr-FR"/>
+              <a:t>Modifiez le style du titre</a:t>
+            </a:r>
+            <a:endParaRPr lang="fr-BE"/>
+          </a:p>
+        </p:txBody>
+      </p:sp>
+      <p:sp>
+        <p:nvSpPr>
+          <p:cNvPr id="3" name="Espace réservé de la date 2">
+            <a:extLst>
+              <a:ext uri="{FF2B5EF4-FFF2-40B4-BE49-F238E27FC236}">
+                <a16:creationId xmlns:a16="http://schemas.microsoft.com/office/drawing/2014/main" id="{7D2555B5-8962-46E1-A97E-8F8B3CF1953D}"/>
+              </a:ext>
+            </a:extLst>
+          </p:cNvPr>
+          <p:cNvSpPr>
+            <a:spLocks noGrp="1"/>
+          </p:cNvSpPr>
+          <p:nvPr>
+            <p:ph type="dt" sz="half" idx="10"/>
+          </p:nvPr>
+        </p:nvSpPr>
+        <p:spPr/>
+        <p:txBody>
+          <a:bodyPr/>
+          <a:lstStyle/>
+          <a:p>
+            <a:fld id="{5369D69D-74C9-44C2-AA09-BF23A02BA6D3}" type="datetimeFigureOut">
+              <a:rPr lang="fr-BE" smtClean="0"/>
+              <a:t>16-02-21</a:t>
+            </a:fld>
+            <a:endParaRPr lang="fr-BE"/>
+          </a:p>
+        </p:txBody>
+      </p:sp>
+      <p:sp>
+        <p:nvSpPr>
+          <p:cNvPr id="4" name="Espace réservé du pied de page 3">
+            <a:extLst>
+              <a:ext uri="{FF2B5EF4-FFF2-40B4-BE49-F238E27FC236}">
+                <a16:creationId xmlns:a16="http://schemas.microsoft.com/office/drawing/2014/main" id="{C6A7184A-D2E1-487D-859C-7AAA0401A74E}"/>
+              </a:ext>
+            </a:extLst>
+          </p:cNvPr>
+          <p:cNvSpPr>
+            <a:spLocks noGrp="1"/>
+          </p:cNvSpPr>
+          <p:nvPr>
+            <p:ph type="ftr" sz="quarter" idx="11"/>
+          </p:nvPr>
+        </p:nvSpPr>
+        <p:spPr/>
+        <p:txBody>
+          <a:bodyPr/>
+          <a:lstStyle/>
+          <a:p>
+            <a:endParaRPr lang="fr-BE"/>
+          </a:p>
+        </p:txBody>
+      </p:sp>
+      <p:sp>
+        <p:nvSpPr>
+          <p:cNvPr id="5" name="Espace réservé du numéro de diapositive 4">
+            <a:extLst>
+              <a:ext uri="{FF2B5EF4-FFF2-40B4-BE49-F238E27FC236}">
+                <a16:creationId xmlns:a16="http://schemas.microsoft.com/office/drawing/2014/main" id="{6A7068DB-A418-462F-AA15-656035728B20}"/>
+              </a:ext>
+            </a:extLst>
+          </p:cNvPr>
+          <p:cNvSpPr>
+            <a:spLocks noGrp="1"/>
+          </p:cNvSpPr>
+          <p:nvPr>
+            <p:ph type="sldNum" sz="quarter" idx="12"/>
+          </p:nvPr>
+        </p:nvSpPr>
+        <p:spPr/>
+        <p:txBody>
+          <a:bodyPr/>
+          <a:lstStyle/>
+          <a:p>
+            <a:fld id="{FA63FA72-A6E3-460C-89F6-BD7F786B0D07}" type="slidenum">
+              <a:rPr lang="fr-BE" smtClean="0"/>
+              <a:t>‹N°›</a:t>
+            </a:fld>
+            <a:endParaRPr lang="fr-BE"/>
+          </a:p>
+        </p:txBody>
+      </p:sp>
+    </p:spTree>
+    <p:extLst>
+      <p:ext uri="{BB962C8B-B14F-4D97-AF65-F5344CB8AC3E}">
+        <p14:creationId xmlns:p14="http://schemas.microsoft.com/office/powerpoint/2010/main" val="2590933808"/>
+      </p:ext>
+    </p:extLst>
+  </p:cSld>
+  <p:clrMapOvr>
+    <a:masterClrMapping/>
+  </p:clrMapOvr>
+</p:sldLayout>
+</file>
+
+<file path=ppt/slideLayouts/slideLayout18.xml><?xml version="1.0" encoding="utf-8"?>
+<p:sldLayout xmlns:a="http://schemas.openxmlformats.org/drawingml/2006/main" xmlns:r="http://schemas.openxmlformats.org/officeDocument/2006/relationships" xmlns:p="http://schemas.openxmlformats.org/presentationml/2006/main" type="blank" preserve="1">
+  <p:cSld name="Vide">
+    <p:spTree>
+      <p:nvGrpSpPr>
+        <p:cNvPr id="1" name=""/>
+        <p:cNvGrpSpPr/>
+        <p:nvPr/>
+      </p:nvGrpSpPr>
+      <p:grpSpPr>
+        <a:xfrm>
+          <a:off x="0" y="0"/>
+          <a:ext cx="0" cy="0"/>
+          <a:chOff x="0" y="0"/>
+          <a:chExt cx="0" cy="0"/>
+        </a:xfrm>
+      </p:grpSpPr>
+      <p:sp>
+        <p:nvSpPr>
+          <p:cNvPr id="2" name="Espace réservé de la date 1">
+            <a:extLst>
+              <a:ext uri="{FF2B5EF4-FFF2-40B4-BE49-F238E27FC236}">
+                <a16:creationId xmlns:a16="http://schemas.microsoft.com/office/drawing/2014/main" id="{A5847894-3781-45DF-8ABA-9E2CBFD2EF66}"/>
+              </a:ext>
+            </a:extLst>
+          </p:cNvPr>
+          <p:cNvSpPr>
+            <a:spLocks noGrp="1"/>
+          </p:cNvSpPr>
+          <p:nvPr>
+            <p:ph type="dt" sz="half" idx="10"/>
+          </p:nvPr>
+        </p:nvSpPr>
+        <p:spPr/>
+        <p:txBody>
+          <a:bodyPr/>
+          <a:lstStyle/>
+          <a:p>
+            <a:fld id="{5369D69D-74C9-44C2-AA09-BF23A02BA6D3}" type="datetimeFigureOut">
+              <a:rPr lang="fr-BE" smtClean="0"/>
+              <a:t>16-02-21</a:t>
+            </a:fld>
+            <a:endParaRPr lang="fr-BE"/>
+          </a:p>
+        </p:txBody>
+      </p:sp>
+      <p:sp>
+        <p:nvSpPr>
+          <p:cNvPr id="3" name="Espace réservé du pied de page 2">
+            <a:extLst>
+              <a:ext uri="{FF2B5EF4-FFF2-40B4-BE49-F238E27FC236}">
+                <a16:creationId xmlns:a16="http://schemas.microsoft.com/office/drawing/2014/main" id="{04B5D98E-676E-4605-8B3A-9425EFA9A06E}"/>
+              </a:ext>
+            </a:extLst>
+          </p:cNvPr>
+          <p:cNvSpPr>
+            <a:spLocks noGrp="1"/>
+          </p:cNvSpPr>
+          <p:nvPr>
+            <p:ph type="ftr" sz="quarter" idx="11"/>
+          </p:nvPr>
+        </p:nvSpPr>
+        <p:spPr/>
+        <p:txBody>
+          <a:bodyPr/>
+          <a:lstStyle/>
+          <a:p>
+            <a:endParaRPr lang="fr-BE"/>
+          </a:p>
+        </p:txBody>
+      </p:sp>
+      <p:sp>
+        <p:nvSpPr>
+          <p:cNvPr id="4" name="Espace réservé du numéro de diapositive 3">
+            <a:extLst>
+              <a:ext uri="{FF2B5EF4-FFF2-40B4-BE49-F238E27FC236}">
+                <a16:creationId xmlns:a16="http://schemas.microsoft.com/office/drawing/2014/main" id="{D4A70261-4BFA-4008-B351-DF7DA2CA55F0}"/>
+              </a:ext>
+            </a:extLst>
+          </p:cNvPr>
+          <p:cNvSpPr>
+            <a:spLocks noGrp="1"/>
+          </p:cNvSpPr>
+          <p:nvPr>
+            <p:ph type="sldNum" sz="quarter" idx="12"/>
+          </p:nvPr>
+        </p:nvSpPr>
+        <p:spPr/>
+        <p:txBody>
+          <a:bodyPr/>
+          <a:lstStyle/>
+          <a:p>
+            <a:fld id="{FA63FA72-A6E3-460C-89F6-BD7F786B0D07}" type="slidenum">
+              <a:rPr lang="fr-BE" smtClean="0"/>
+              <a:t>‹N°›</a:t>
+            </a:fld>
+            <a:endParaRPr lang="fr-BE"/>
+          </a:p>
+        </p:txBody>
+      </p:sp>
+    </p:spTree>
+    <p:extLst>
+      <p:ext uri="{BB962C8B-B14F-4D97-AF65-F5344CB8AC3E}">
+        <p14:creationId xmlns:p14="http://schemas.microsoft.com/office/powerpoint/2010/main" val="2102659670"/>
+      </p:ext>
+    </p:extLst>
+  </p:cSld>
+  <p:clrMapOvr>
+    <a:masterClrMapping/>
+  </p:clrMapOvr>
+</p:sldLayout>
+</file>
+
+<file path=ppt/slideLayouts/slideLayout19.xml><?xml version="1.0" encoding="utf-8"?>
+<p:sldLayout xmlns:a="http://schemas.openxmlformats.org/drawingml/2006/main" xmlns:r="http://schemas.openxmlformats.org/officeDocument/2006/relationships" xmlns:p="http://schemas.openxmlformats.org/presentationml/2006/main" type="objTx" preserve="1">
+  <p:cSld name="Contenu avec légende">
+    <p:spTree>
+      <p:nvGrpSpPr>
+        <p:cNvPr id="1" name=""/>
+        <p:cNvGrpSpPr/>
+        <p:nvPr/>
+      </p:nvGrpSpPr>
+      <p:grpSpPr>
+        <a:xfrm>
+          <a:off x="0" y="0"/>
+          <a:ext cx="0" cy="0"/>
+          <a:chOff x="0" y="0"/>
+          <a:chExt cx="0" cy="0"/>
+        </a:xfrm>
+      </p:grpSpPr>
+      <p:sp>
+        <p:nvSpPr>
+          <p:cNvPr id="2" name="Titre 1">
+            <a:extLst>
+              <a:ext uri="{FF2B5EF4-FFF2-40B4-BE49-F238E27FC236}">
+                <a16:creationId xmlns:a16="http://schemas.microsoft.com/office/drawing/2014/main" id="{9E970942-CFB4-4E96-9E9C-A393A274B254}"/>
+              </a:ext>
+            </a:extLst>
+          </p:cNvPr>
+          <p:cNvSpPr>
+            <a:spLocks noGrp="1"/>
+          </p:cNvSpPr>
+          <p:nvPr>
+            <p:ph type="title"/>
+          </p:nvPr>
+        </p:nvSpPr>
+        <p:spPr>
+          <a:xfrm>
+            <a:off x="839788" y="457200"/>
+            <a:ext cx="3932237" cy="1600200"/>
+          </a:xfrm>
+        </p:spPr>
+        <p:txBody>
+          <a:bodyPr anchor="b"/>
+          <a:lstStyle>
+            <a:lvl1pPr>
+              <a:defRPr sz="3200"/>
+            </a:lvl1pPr>
+          </a:lstStyle>
+          <a:p>
+            <a:r>
+              <a:rPr lang="fr-FR"/>
+              <a:t>Modifiez le style du titre</a:t>
+            </a:r>
+            <a:endParaRPr lang="fr-BE"/>
+          </a:p>
+        </p:txBody>
+      </p:sp>
+      <p:sp>
+        <p:nvSpPr>
+          <p:cNvPr id="3" name="Espace réservé du contenu 2">
+            <a:extLst>
+              <a:ext uri="{FF2B5EF4-FFF2-40B4-BE49-F238E27FC236}">
+                <a16:creationId xmlns:a16="http://schemas.microsoft.com/office/drawing/2014/main" id="{69F36F34-7AB2-4749-B2DE-85F2EBCB409F}"/>
+              </a:ext>
+            </a:extLst>
+          </p:cNvPr>
+          <p:cNvSpPr>
+            <a:spLocks noGrp="1"/>
+          </p:cNvSpPr>
+          <p:nvPr>
+            <p:ph idx="1"/>
+          </p:nvPr>
+        </p:nvSpPr>
+        <p:spPr>
+          <a:xfrm>
+            <a:off x="5183188" y="987425"/>
+            <a:ext cx="6172200" cy="4873625"/>
+          </a:xfrm>
+        </p:spPr>
+        <p:txBody>
+          <a:bodyPr/>
+          <a:lstStyle>
+            <a:lvl1pPr>
+              <a:defRPr sz="3200"/>
+            </a:lvl1pPr>
+            <a:lvl2pPr>
+              <a:defRPr sz="2800"/>
+            </a:lvl2pPr>
+            <a:lvl3pPr>
+              <a:defRPr sz="2400"/>
+            </a:lvl3pPr>
+            <a:lvl4pPr>
+              <a:defRPr sz="2000"/>
+            </a:lvl4pPr>
+            <a:lvl5pPr>
+              <a:defRPr sz="2000"/>
+            </a:lvl5pPr>
+            <a:lvl6pPr>
+              <a:defRPr sz="2000"/>
+            </a:lvl6pPr>
+            <a:lvl7pPr>
+              <a:defRPr sz="2000"/>
+            </a:lvl7pPr>
+            <a:lvl8pPr>
+              <a:defRPr sz="2000"/>
+            </a:lvl8pPr>
+            <a:lvl9pPr>
+              <a:defRPr sz="2000"/>
+            </a:lvl9pPr>
+          </a:lstStyle>
+          <a:p>
+            <a:pPr lvl="0"/>
+            <a:r>
+              <a:rPr lang="fr-FR"/>
+              <a:t>Cliquez pour modifier les styles du texte du masque</a:t>
+            </a:r>
+          </a:p>
+          <a:p>
+            <a:pPr lvl="1"/>
+            <a:r>
+              <a:rPr lang="fr-FR"/>
+              <a:t>Deuxième niveau</a:t>
+            </a:r>
+          </a:p>
+          <a:p>
+            <a:pPr lvl="2"/>
+            <a:r>
+              <a:rPr lang="fr-FR"/>
+              <a:t>Troisième niveau</a:t>
+            </a:r>
+          </a:p>
+          <a:p>
+            <a:pPr lvl="3"/>
+            <a:r>
+              <a:rPr lang="fr-FR"/>
+              <a:t>Quatrième niveau</a:t>
+            </a:r>
+          </a:p>
+          <a:p>
+            <a:pPr lvl="4"/>
+            <a:r>
+              <a:rPr lang="fr-FR"/>
+              <a:t>Cinquième niveau</a:t>
+            </a:r>
+            <a:endParaRPr lang="fr-BE"/>
+          </a:p>
+        </p:txBody>
+      </p:sp>
+      <p:sp>
+        <p:nvSpPr>
+          <p:cNvPr id="4" name="Espace réservé du texte 3">
+            <a:extLst>
+              <a:ext uri="{FF2B5EF4-FFF2-40B4-BE49-F238E27FC236}">
+                <a16:creationId xmlns:a16="http://schemas.microsoft.com/office/drawing/2014/main" id="{14B977A9-9A39-4D53-B05C-A8FF7CA0601E}"/>
+              </a:ext>
+            </a:extLst>
+          </p:cNvPr>
+          <p:cNvSpPr>
+            <a:spLocks noGrp="1"/>
+          </p:cNvSpPr>
+          <p:nvPr>
+            <p:ph type="body" sz="half" idx="2"/>
+          </p:nvPr>
+        </p:nvSpPr>
+        <p:spPr>
+          <a:xfrm>
+            <a:off x="839788" y="2057400"/>
+            <a:ext cx="3932237" cy="3811588"/>
+          </a:xfrm>
+        </p:spPr>
+        <p:txBody>
+          <a:bodyPr/>
+          <a:lstStyle>
+            <a:lvl1pPr marL="0" indent="0">
+              <a:buNone/>
+              <a:defRPr sz="1600"/>
+            </a:lvl1pPr>
+            <a:lvl2pPr marL="457200" indent="0">
+              <a:buNone/>
+              <a:defRPr sz="1400"/>
+            </a:lvl2pPr>
+            <a:lvl3pPr marL="914400" indent="0">
+              <a:buNone/>
+              <a:defRPr sz="1200"/>
+            </a:lvl3pPr>
+            <a:lvl4pPr marL="1371600" indent="0">
+              <a:buNone/>
+              <a:defRPr sz="1000"/>
+            </a:lvl4pPr>
+            <a:lvl5pPr marL="1828800" indent="0">
+              <a:buNone/>
+              <a:defRPr sz="1000"/>
+            </a:lvl5pPr>
+            <a:lvl6pPr marL="2286000" indent="0">
+              <a:buNone/>
+              <a:defRPr sz="1000"/>
+            </a:lvl6pPr>
+            <a:lvl7pPr marL="2743200" indent="0">
+              <a:buNone/>
+              <a:defRPr sz="1000"/>
+            </a:lvl7pPr>
+            <a:lvl8pPr marL="3200400" indent="0">
+              <a:buNone/>
+              <a:defRPr sz="1000"/>
+            </a:lvl8pPr>
+            <a:lvl9pPr marL="3657600" indent="0">
+              <a:buNone/>
+              <a:defRPr sz="1000"/>
+            </a:lvl9pPr>
+          </a:lstStyle>
+          <a:p>
+            <a:pPr lvl="0"/>
+            <a:r>
+              <a:rPr lang="fr-FR"/>
+              <a:t>Cliquez pour modifier les styles du texte du masque</a:t>
+            </a:r>
+          </a:p>
+        </p:txBody>
+      </p:sp>
+      <p:sp>
+        <p:nvSpPr>
+          <p:cNvPr id="5" name="Espace réservé de la date 4">
+            <a:extLst>
+              <a:ext uri="{FF2B5EF4-FFF2-40B4-BE49-F238E27FC236}">
+                <a16:creationId xmlns:a16="http://schemas.microsoft.com/office/drawing/2014/main" id="{CB05FE43-C3BB-4B6B-8DF5-058051E2B562}"/>
+              </a:ext>
+            </a:extLst>
+          </p:cNvPr>
+          <p:cNvSpPr>
+            <a:spLocks noGrp="1"/>
+          </p:cNvSpPr>
+          <p:nvPr>
+            <p:ph type="dt" sz="half" idx="10"/>
+          </p:nvPr>
+        </p:nvSpPr>
+        <p:spPr/>
+        <p:txBody>
+          <a:bodyPr/>
+          <a:lstStyle/>
+          <a:p>
+            <a:fld id="{5369D69D-74C9-44C2-AA09-BF23A02BA6D3}" type="datetimeFigureOut">
+              <a:rPr lang="fr-BE" smtClean="0"/>
+              <a:t>16-02-21</a:t>
+            </a:fld>
+            <a:endParaRPr lang="fr-BE"/>
+          </a:p>
+        </p:txBody>
+      </p:sp>
+      <p:sp>
+        <p:nvSpPr>
+          <p:cNvPr id="6" name="Espace réservé du pied de page 5">
+            <a:extLst>
+              <a:ext uri="{FF2B5EF4-FFF2-40B4-BE49-F238E27FC236}">
+                <a16:creationId xmlns:a16="http://schemas.microsoft.com/office/drawing/2014/main" id="{7FB94A88-DD3B-4804-90A7-5CE5549BFA09}"/>
+              </a:ext>
+            </a:extLst>
+          </p:cNvPr>
+          <p:cNvSpPr>
+            <a:spLocks noGrp="1"/>
+          </p:cNvSpPr>
+          <p:nvPr>
+            <p:ph type="ftr" sz="quarter" idx="11"/>
+          </p:nvPr>
+        </p:nvSpPr>
+        <p:spPr/>
+        <p:txBody>
+          <a:bodyPr/>
+          <a:lstStyle/>
+          <a:p>
+            <a:endParaRPr lang="fr-BE"/>
+          </a:p>
+        </p:txBody>
+      </p:sp>
+      <p:sp>
+        <p:nvSpPr>
+          <p:cNvPr id="7" name="Espace réservé du numéro de diapositive 6">
+            <a:extLst>
+              <a:ext uri="{FF2B5EF4-FFF2-40B4-BE49-F238E27FC236}">
+                <a16:creationId xmlns:a16="http://schemas.microsoft.com/office/drawing/2014/main" id="{5779E8B2-EE9A-4114-8D0F-D6CE172F27EE}"/>
+              </a:ext>
+            </a:extLst>
+          </p:cNvPr>
+          <p:cNvSpPr>
+            <a:spLocks noGrp="1"/>
+          </p:cNvSpPr>
+          <p:nvPr>
+            <p:ph type="sldNum" sz="quarter" idx="12"/>
+          </p:nvPr>
+        </p:nvSpPr>
+        <p:spPr/>
+        <p:txBody>
+          <a:bodyPr/>
+          <a:lstStyle/>
+          <a:p>
+            <a:fld id="{FA63FA72-A6E3-460C-89F6-BD7F786B0D07}" type="slidenum">
+              <a:rPr lang="fr-BE" smtClean="0"/>
+              <a:t>‹N°›</a:t>
+            </a:fld>
+            <a:endParaRPr lang="fr-BE"/>
+          </a:p>
+        </p:txBody>
+      </p:sp>
+    </p:spTree>
+    <p:extLst>
+      <p:ext uri="{BB962C8B-B14F-4D97-AF65-F5344CB8AC3E}">
+        <p14:creationId xmlns:p14="http://schemas.microsoft.com/office/powerpoint/2010/main" val="1824321272"/>
       </p:ext>
     </p:extLst>
   </p:cSld>
@@ -768,7 +2719,7 @@
           <a:p>
             <a:fld id="{638941B0-F4D5-4460-BCAD-F7E2B41A8257}" type="datetimeFigureOut">
               <a:rPr lang="de-DE" smtClean="0"/>
-              <a:t>04.02.2021</a:t>
+              <a:t>16.02.2021</a:t>
             </a:fld>
             <a:endParaRPr lang="de-DE"/>
           </a:p>
@@ -820,6 +2771,705 @@
     <p:extLst>
       <p:ext uri="{BB962C8B-B14F-4D97-AF65-F5344CB8AC3E}">
         <p14:creationId xmlns:p14="http://schemas.microsoft.com/office/powerpoint/2010/main" val="3126772572"/>
+      </p:ext>
+    </p:extLst>
+  </p:cSld>
+  <p:clrMapOvr>
+    <a:masterClrMapping/>
+  </p:clrMapOvr>
+</p:sldLayout>
+</file>
+
+<file path=ppt/slideLayouts/slideLayout20.xml><?xml version="1.0" encoding="utf-8"?>
+<p:sldLayout xmlns:a="http://schemas.openxmlformats.org/drawingml/2006/main" xmlns:r="http://schemas.openxmlformats.org/officeDocument/2006/relationships" xmlns:p="http://schemas.openxmlformats.org/presentationml/2006/main" type="picTx" preserve="1">
+  <p:cSld name="Image avec légende">
+    <p:spTree>
+      <p:nvGrpSpPr>
+        <p:cNvPr id="1" name=""/>
+        <p:cNvGrpSpPr/>
+        <p:nvPr/>
+      </p:nvGrpSpPr>
+      <p:grpSpPr>
+        <a:xfrm>
+          <a:off x="0" y="0"/>
+          <a:ext cx="0" cy="0"/>
+          <a:chOff x="0" y="0"/>
+          <a:chExt cx="0" cy="0"/>
+        </a:xfrm>
+      </p:grpSpPr>
+      <p:sp>
+        <p:nvSpPr>
+          <p:cNvPr id="2" name="Titre 1">
+            <a:extLst>
+              <a:ext uri="{FF2B5EF4-FFF2-40B4-BE49-F238E27FC236}">
+                <a16:creationId xmlns:a16="http://schemas.microsoft.com/office/drawing/2014/main" id="{C61E8B30-6894-47F7-BDD7-0E0422D3D545}"/>
+              </a:ext>
+            </a:extLst>
+          </p:cNvPr>
+          <p:cNvSpPr>
+            <a:spLocks noGrp="1"/>
+          </p:cNvSpPr>
+          <p:nvPr>
+            <p:ph type="title"/>
+          </p:nvPr>
+        </p:nvSpPr>
+        <p:spPr>
+          <a:xfrm>
+            <a:off x="839788" y="457200"/>
+            <a:ext cx="3932237" cy="1600200"/>
+          </a:xfrm>
+        </p:spPr>
+        <p:txBody>
+          <a:bodyPr anchor="b"/>
+          <a:lstStyle>
+            <a:lvl1pPr>
+              <a:defRPr sz="3200"/>
+            </a:lvl1pPr>
+          </a:lstStyle>
+          <a:p>
+            <a:r>
+              <a:rPr lang="fr-FR"/>
+              <a:t>Modifiez le style du titre</a:t>
+            </a:r>
+            <a:endParaRPr lang="fr-BE"/>
+          </a:p>
+        </p:txBody>
+      </p:sp>
+      <p:sp>
+        <p:nvSpPr>
+          <p:cNvPr id="3" name="Espace réservé pour une image  2">
+            <a:extLst>
+              <a:ext uri="{FF2B5EF4-FFF2-40B4-BE49-F238E27FC236}">
+                <a16:creationId xmlns:a16="http://schemas.microsoft.com/office/drawing/2014/main" id="{4DE783BD-636A-4333-B812-8E8BEDEA1983}"/>
+              </a:ext>
+            </a:extLst>
+          </p:cNvPr>
+          <p:cNvSpPr>
+            <a:spLocks noGrp="1"/>
+          </p:cNvSpPr>
+          <p:nvPr>
+            <p:ph type="pic" idx="1"/>
+          </p:nvPr>
+        </p:nvSpPr>
+        <p:spPr>
+          <a:xfrm>
+            <a:off x="5183188" y="987425"/>
+            <a:ext cx="6172200" cy="4873625"/>
+          </a:xfrm>
+        </p:spPr>
+        <p:txBody>
+          <a:bodyPr/>
+          <a:lstStyle>
+            <a:lvl1pPr marL="0" indent="0">
+              <a:buNone/>
+              <a:defRPr sz="3200"/>
+            </a:lvl1pPr>
+            <a:lvl2pPr marL="457200" indent="0">
+              <a:buNone/>
+              <a:defRPr sz="2800"/>
+            </a:lvl2pPr>
+            <a:lvl3pPr marL="914400" indent="0">
+              <a:buNone/>
+              <a:defRPr sz="2400"/>
+            </a:lvl3pPr>
+            <a:lvl4pPr marL="1371600" indent="0">
+              <a:buNone/>
+              <a:defRPr sz="2000"/>
+            </a:lvl4pPr>
+            <a:lvl5pPr marL="1828800" indent="0">
+              <a:buNone/>
+              <a:defRPr sz="2000"/>
+            </a:lvl5pPr>
+            <a:lvl6pPr marL="2286000" indent="0">
+              <a:buNone/>
+              <a:defRPr sz="2000"/>
+            </a:lvl6pPr>
+            <a:lvl7pPr marL="2743200" indent="0">
+              <a:buNone/>
+              <a:defRPr sz="2000"/>
+            </a:lvl7pPr>
+            <a:lvl8pPr marL="3200400" indent="0">
+              <a:buNone/>
+              <a:defRPr sz="2000"/>
+            </a:lvl8pPr>
+            <a:lvl9pPr marL="3657600" indent="0">
+              <a:buNone/>
+              <a:defRPr sz="2000"/>
+            </a:lvl9pPr>
+          </a:lstStyle>
+          <a:p>
+            <a:endParaRPr lang="fr-BE"/>
+          </a:p>
+        </p:txBody>
+      </p:sp>
+      <p:sp>
+        <p:nvSpPr>
+          <p:cNvPr id="4" name="Espace réservé du texte 3">
+            <a:extLst>
+              <a:ext uri="{FF2B5EF4-FFF2-40B4-BE49-F238E27FC236}">
+                <a16:creationId xmlns:a16="http://schemas.microsoft.com/office/drawing/2014/main" id="{A567C389-8517-41EB-8AA0-BDC405624EF7}"/>
+              </a:ext>
+            </a:extLst>
+          </p:cNvPr>
+          <p:cNvSpPr>
+            <a:spLocks noGrp="1"/>
+          </p:cNvSpPr>
+          <p:nvPr>
+            <p:ph type="body" sz="half" idx="2"/>
+          </p:nvPr>
+        </p:nvSpPr>
+        <p:spPr>
+          <a:xfrm>
+            <a:off x="839788" y="2057400"/>
+            <a:ext cx="3932237" cy="3811588"/>
+          </a:xfrm>
+        </p:spPr>
+        <p:txBody>
+          <a:bodyPr/>
+          <a:lstStyle>
+            <a:lvl1pPr marL="0" indent="0">
+              <a:buNone/>
+              <a:defRPr sz="1600"/>
+            </a:lvl1pPr>
+            <a:lvl2pPr marL="457200" indent="0">
+              <a:buNone/>
+              <a:defRPr sz="1400"/>
+            </a:lvl2pPr>
+            <a:lvl3pPr marL="914400" indent="0">
+              <a:buNone/>
+              <a:defRPr sz="1200"/>
+            </a:lvl3pPr>
+            <a:lvl4pPr marL="1371600" indent="0">
+              <a:buNone/>
+              <a:defRPr sz="1000"/>
+            </a:lvl4pPr>
+            <a:lvl5pPr marL="1828800" indent="0">
+              <a:buNone/>
+              <a:defRPr sz="1000"/>
+            </a:lvl5pPr>
+            <a:lvl6pPr marL="2286000" indent="0">
+              <a:buNone/>
+              <a:defRPr sz="1000"/>
+            </a:lvl6pPr>
+            <a:lvl7pPr marL="2743200" indent="0">
+              <a:buNone/>
+              <a:defRPr sz="1000"/>
+            </a:lvl7pPr>
+            <a:lvl8pPr marL="3200400" indent="0">
+              <a:buNone/>
+              <a:defRPr sz="1000"/>
+            </a:lvl8pPr>
+            <a:lvl9pPr marL="3657600" indent="0">
+              <a:buNone/>
+              <a:defRPr sz="1000"/>
+            </a:lvl9pPr>
+          </a:lstStyle>
+          <a:p>
+            <a:pPr lvl="0"/>
+            <a:r>
+              <a:rPr lang="fr-FR"/>
+              <a:t>Cliquez pour modifier les styles du texte du masque</a:t>
+            </a:r>
+          </a:p>
+        </p:txBody>
+      </p:sp>
+      <p:sp>
+        <p:nvSpPr>
+          <p:cNvPr id="5" name="Espace réservé de la date 4">
+            <a:extLst>
+              <a:ext uri="{FF2B5EF4-FFF2-40B4-BE49-F238E27FC236}">
+                <a16:creationId xmlns:a16="http://schemas.microsoft.com/office/drawing/2014/main" id="{CAD6DBCA-212F-4B67-9482-CBF02DD478AC}"/>
+              </a:ext>
+            </a:extLst>
+          </p:cNvPr>
+          <p:cNvSpPr>
+            <a:spLocks noGrp="1"/>
+          </p:cNvSpPr>
+          <p:nvPr>
+            <p:ph type="dt" sz="half" idx="10"/>
+          </p:nvPr>
+        </p:nvSpPr>
+        <p:spPr/>
+        <p:txBody>
+          <a:bodyPr/>
+          <a:lstStyle/>
+          <a:p>
+            <a:fld id="{5369D69D-74C9-44C2-AA09-BF23A02BA6D3}" type="datetimeFigureOut">
+              <a:rPr lang="fr-BE" smtClean="0"/>
+              <a:t>16-02-21</a:t>
+            </a:fld>
+            <a:endParaRPr lang="fr-BE"/>
+          </a:p>
+        </p:txBody>
+      </p:sp>
+      <p:sp>
+        <p:nvSpPr>
+          <p:cNvPr id="6" name="Espace réservé du pied de page 5">
+            <a:extLst>
+              <a:ext uri="{FF2B5EF4-FFF2-40B4-BE49-F238E27FC236}">
+                <a16:creationId xmlns:a16="http://schemas.microsoft.com/office/drawing/2014/main" id="{D9A89B46-9CDF-46CD-9022-62B6406BC58D}"/>
+              </a:ext>
+            </a:extLst>
+          </p:cNvPr>
+          <p:cNvSpPr>
+            <a:spLocks noGrp="1"/>
+          </p:cNvSpPr>
+          <p:nvPr>
+            <p:ph type="ftr" sz="quarter" idx="11"/>
+          </p:nvPr>
+        </p:nvSpPr>
+        <p:spPr/>
+        <p:txBody>
+          <a:bodyPr/>
+          <a:lstStyle/>
+          <a:p>
+            <a:endParaRPr lang="fr-BE"/>
+          </a:p>
+        </p:txBody>
+      </p:sp>
+      <p:sp>
+        <p:nvSpPr>
+          <p:cNvPr id="7" name="Espace réservé du numéro de diapositive 6">
+            <a:extLst>
+              <a:ext uri="{FF2B5EF4-FFF2-40B4-BE49-F238E27FC236}">
+                <a16:creationId xmlns:a16="http://schemas.microsoft.com/office/drawing/2014/main" id="{AE9B12D6-004F-4196-BBD0-4F8A6E49B170}"/>
+              </a:ext>
+            </a:extLst>
+          </p:cNvPr>
+          <p:cNvSpPr>
+            <a:spLocks noGrp="1"/>
+          </p:cNvSpPr>
+          <p:nvPr>
+            <p:ph type="sldNum" sz="quarter" idx="12"/>
+          </p:nvPr>
+        </p:nvSpPr>
+        <p:spPr/>
+        <p:txBody>
+          <a:bodyPr/>
+          <a:lstStyle/>
+          <a:p>
+            <a:fld id="{FA63FA72-A6E3-460C-89F6-BD7F786B0D07}" type="slidenum">
+              <a:rPr lang="fr-BE" smtClean="0"/>
+              <a:t>‹N°›</a:t>
+            </a:fld>
+            <a:endParaRPr lang="fr-BE"/>
+          </a:p>
+        </p:txBody>
+      </p:sp>
+    </p:spTree>
+    <p:extLst>
+      <p:ext uri="{BB962C8B-B14F-4D97-AF65-F5344CB8AC3E}">
+        <p14:creationId xmlns:p14="http://schemas.microsoft.com/office/powerpoint/2010/main" val="2922381704"/>
+      </p:ext>
+    </p:extLst>
+  </p:cSld>
+  <p:clrMapOvr>
+    <a:masterClrMapping/>
+  </p:clrMapOvr>
+</p:sldLayout>
+</file>
+
+<file path=ppt/slideLayouts/slideLayout21.xml><?xml version="1.0" encoding="utf-8"?>
+<p:sldLayout xmlns:a="http://schemas.openxmlformats.org/drawingml/2006/main" xmlns:r="http://schemas.openxmlformats.org/officeDocument/2006/relationships" xmlns:p="http://schemas.openxmlformats.org/presentationml/2006/main" type="vertTx" preserve="1">
+  <p:cSld name="Titre et texte vertical">
+    <p:spTree>
+      <p:nvGrpSpPr>
+        <p:cNvPr id="1" name=""/>
+        <p:cNvGrpSpPr/>
+        <p:nvPr/>
+      </p:nvGrpSpPr>
+      <p:grpSpPr>
+        <a:xfrm>
+          <a:off x="0" y="0"/>
+          <a:ext cx="0" cy="0"/>
+          <a:chOff x="0" y="0"/>
+          <a:chExt cx="0" cy="0"/>
+        </a:xfrm>
+      </p:grpSpPr>
+      <p:sp>
+        <p:nvSpPr>
+          <p:cNvPr id="2" name="Titre 1">
+            <a:extLst>
+              <a:ext uri="{FF2B5EF4-FFF2-40B4-BE49-F238E27FC236}">
+                <a16:creationId xmlns:a16="http://schemas.microsoft.com/office/drawing/2014/main" id="{7A52B95B-878A-4513-B164-B21F5151A425}"/>
+              </a:ext>
+            </a:extLst>
+          </p:cNvPr>
+          <p:cNvSpPr>
+            <a:spLocks noGrp="1"/>
+          </p:cNvSpPr>
+          <p:nvPr>
+            <p:ph type="title"/>
+          </p:nvPr>
+        </p:nvSpPr>
+        <p:spPr/>
+        <p:txBody>
+          <a:bodyPr/>
+          <a:lstStyle/>
+          <a:p>
+            <a:r>
+              <a:rPr lang="fr-FR"/>
+              <a:t>Modifiez le style du titre</a:t>
+            </a:r>
+            <a:endParaRPr lang="fr-BE"/>
+          </a:p>
+        </p:txBody>
+      </p:sp>
+      <p:sp>
+        <p:nvSpPr>
+          <p:cNvPr id="3" name="Espace réservé du texte vertical 2">
+            <a:extLst>
+              <a:ext uri="{FF2B5EF4-FFF2-40B4-BE49-F238E27FC236}">
+                <a16:creationId xmlns:a16="http://schemas.microsoft.com/office/drawing/2014/main" id="{E4259E64-FF09-4341-8E34-5AC500C724A7}"/>
+              </a:ext>
+            </a:extLst>
+          </p:cNvPr>
+          <p:cNvSpPr>
+            <a:spLocks noGrp="1"/>
+          </p:cNvSpPr>
+          <p:nvPr>
+            <p:ph type="body" orient="vert" idx="1"/>
+          </p:nvPr>
+        </p:nvSpPr>
+        <p:spPr/>
+        <p:txBody>
+          <a:bodyPr vert="eaVert"/>
+          <a:lstStyle/>
+          <a:p>
+            <a:pPr lvl="0"/>
+            <a:r>
+              <a:rPr lang="fr-FR"/>
+              <a:t>Cliquez pour modifier les styles du texte du masque</a:t>
+            </a:r>
+          </a:p>
+          <a:p>
+            <a:pPr lvl="1"/>
+            <a:r>
+              <a:rPr lang="fr-FR"/>
+              <a:t>Deuxième niveau</a:t>
+            </a:r>
+          </a:p>
+          <a:p>
+            <a:pPr lvl="2"/>
+            <a:r>
+              <a:rPr lang="fr-FR"/>
+              <a:t>Troisième niveau</a:t>
+            </a:r>
+          </a:p>
+          <a:p>
+            <a:pPr lvl="3"/>
+            <a:r>
+              <a:rPr lang="fr-FR"/>
+              <a:t>Quatrième niveau</a:t>
+            </a:r>
+          </a:p>
+          <a:p>
+            <a:pPr lvl="4"/>
+            <a:r>
+              <a:rPr lang="fr-FR"/>
+              <a:t>Cinquième niveau</a:t>
+            </a:r>
+            <a:endParaRPr lang="fr-BE"/>
+          </a:p>
+        </p:txBody>
+      </p:sp>
+      <p:sp>
+        <p:nvSpPr>
+          <p:cNvPr id="4" name="Espace réservé de la date 3">
+            <a:extLst>
+              <a:ext uri="{FF2B5EF4-FFF2-40B4-BE49-F238E27FC236}">
+                <a16:creationId xmlns:a16="http://schemas.microsoft.com/office/drawing/2014/main" id="{634EA4E8-F9AC-4D8A-9D26-8360F6CBE9C4}"/>
+              </a:ext>
+            </a:extLst>
+          </p:cNvPr>
+          <p:cNvSpPr>
+            <a:spLocks noGrp="1"/>
+          </p:cNvSpPr>
+          <p:nvPr>
+            <p:ph type="dt" sz="half" idx="10"/>
+          </p:nvPr>
+        </p:nvSpPr>
+        <p:spPr/>
+        <p:txBody>
+          <a:bodyPr/>
+          <a:lstStyle/>
+          <a:p>
+            <a:fld id="{5369D69D-74C9-44C2-AA09-BF23A02BA6D3}" type="datetimeFigureOut">
+              <a:rPr lang="fr-BE" smtClean="0"/>
+              <a:t>16-02-21</a:t>
+            </a:fld>
+            <a:endParaRPr lang="fr-BE"/>
+          </a:p>
+        </p:txBody>
+      </p:sp>
+      <p:sp>
+        <p:nvSpPr>
+          <p:cNvPr id="5" name="Espace réservé du pied de page 4">
+            <a:extLst>
+              <a:ext uri="{FF2B5EF4-FFF2-40B4-BE49-F238E27FC236}">
+                <a16:creationId xmlns:a16="http://schemas.microsoft.com/office/drawing/2014/main" id="{9CD1B975-F174-406C-B5A6-0D5E499EA448}"/>
+              </a:ext>
+            </a:extLst>
+          </p:cNvPr>
+          <p:cNvSpPr>
+            <a:spLocks noGrp="1"/>
+          </p:cNvSpPr>
+          <p:nvPr>
+            <p:ph type="ftr" sz="quarter" idx="11"/>
+          </p:nvPr>
+        </p:nvSpPr>
+        <p:spPr/>
+        <p:txBody>
+          <a:bodyPr/>
+          <a:lstStyle/>
+          <a:p>
+            <a:endParaRPr lang="fr-BE"/>
+          </a:p>
+        </p:txBody>
+      </p:sp>
+      <p:sp>
+        <p:nvSpPr>
+          <p:cNvPr id="6" name="Espace réservé du numéro de diapositive 5">
+            <a:extLst>
+              <a:ext uri="{FF2B5EF4-FFF2-40B4-BE49-F238E27FC236}">
+                <a16:creationId xmlns:a16="http://schemas.microsoft.com/office/drawing/2014/main" id="{79A58EB1-544F-4093-AABC-3E600462703A}"/>
+              </a:ext>
+            </a:extLst>
+          </p:cNvPr>
+          <p:cNvSpPr>
+            <a:spLocks noGrp="1"/>
+          </p:cNvSpPr>
+          <p:nvPr>
+            <p:ph type="sldNum" sz="quarter" idx="12"/>
+          </p:nvPr>
+        </p:nvSpPr>
+        <p:spPr/>
+        <p:txBody>
+          <a:bodyPr/>
+          <a:lstStyle/>
+          <a:p>
+            <a:fld id="{FA63FA72-A6E3-460C-89F6-BD7F786B0D07}" type="slidenum">
+              <a:rPr lang="fr-BE" smtClean="0"/>
+              <a:t>‹N°›</a:t>
+            </a:fld>
+            <a:endParaRPr lang="fr-BE"/>
+          </a:p>
+        </p:txBody>
+      </p:sp>
+    </p:spTree>
+    <p:extLst>
+      <p:ext uri="{BB962C8B-B14F-4D97-AF65-F5344CB8AC3E}">
+        <p14:creationId xmlns:p14="http://schemas.microsoft.com/office/powerpoint/2010/main" val="693069821"/>
+      </p:ext>
+    </p:extLst>
+  </p:cSld>
+  <p:clrMapOvr>
+    <a:masterClrMapping/>
+  </p:clrMapOvr>
+</p:sldLayout>
+</file>
+
+<file path=ppt/slideLayouts/slideLayout22.xml><?xml version="1.0" encoding="utf-8"?>
+<p:sldLayout xmlns:a="http://schemas.openxmlformats.org/drawingml/2006/main" xmlns:r="http://schemas.openxmlformats.org/officeDocument/2006/relationships" xmlns:p="http://schemas.openxmlformats.org/presentationml/2006/main" type="vertTitleAndTx" preserve="1">
+  <p:cSld name="Titre vertical et texte">
+    <p:spTree>
+      <p:nvGrpSpPr>
+        <p:cNvPr id="1" name=""/>
+        <p:cNvGrpSpPr/>
+        <p:nvPr/>
+      </p:nvGrpSpPr>
+      <p:grpSpPr>
+        <a:xfrm>
+          <a:off x="0" y="0"/>
+          <a:ext cx="0" cy="0"/>
+          <a:chOff x="0" y="0"/>
+          <a:chExt cx="0" cy="0"/>
+        </a:xfrm>
+      </p:grpSpPr>
+      <p:sp>
+        <p:nvSpPr>
+          <p:cNvPr id="2" name="Titre vertical 1">
+            <a:extLst>
+              <a:ext uri="{FF2B5EF4-FFF2-40B4-BE49-F238E27FC236}">
+                <a16:creationId xmlns:a16="http://schemas.microsoft.com/office/drawing/2014/main" id="{B9589BCB-C683-44D5-B8DA-68F25835CAC0}"/>
+              </a:ext>
+            </a:extLst>
+          </p:cNvPr>
+          <p:cNvSpPr>
+            <a:spLocks noGrp="1"/>
+          </p:cNvSpPr>
+          <p:nvPr>
+            <p:ph type="title" orient="vert"/>
+          </p:nvPr>
+        </p:nvSpPr>
+        <p:spPr>
+          <a:xfrm>
+            <a:off x="8724900" y="365125"/>
+            <a:ext cx="2628900" cy="5811838"/>
+          </a:xfrm>
+        </p:spPr>
+        <p:txBody>
+          <a:bodyPr vert="eaVert"/>
+          <a:lstStyle/>
+          <a:p>
+            <a:r>
+              <a:rPr lang="fr-FR"/>
+              <a:t>Modifiez le style du titre</a:t>
+            </a:r>
+            <a:endParaRPr lang="fr-BE"/>
+          </a:p>
+        </p:txBody>
+      </p:sp>
+      <p:sp>
+        <p:nvSpPr>
+          <p:cNvPr id="3" name="Espace réservé du texte vertical 2">
+            <a:extLst>
+              <a:ext uri="{FF2B5EF4-FFF2-40B4-BE49-F238E27FC236}">
+                <a16:creationId xmlns:a16="http://schemas.microsoft.com/office/drawing/2014/main" id="{978CA968-83C8-439A-8DCE-F4DCE4B29D5E}"/>
+              </a:ext>
+            </a:extLst>
+          </p:cNvPr>
+          <p:cNvSpPr>
+            <a:spLocks noGrp="1"/>
+          </p:cNvSpPr>
+          <p:nvPr>
+            <p:ph type="body" orient="vert" idx="1"/>
+          </p:nvPr>
+        </p:nvSpPr>
+        <p:spPr>
+          <a:xfrm>
+            <a:off x="838200" y="365125"/>
+            <a:ext cx="7734300" cy="5811838"/>
+          </a:xfrm>
+        </p:spPr>
+        <p:txBody>
+          <a:bodyPr vert="eaVert"/>
+          <a:lstStyle/>
+          <a:p>
+            <a:pPr lvl="0"/>
+            <a:r>
+              <a:rPr lang="fr-FR"/>
+              <a:t>Cliquez pour modifier les styles du texte du masque</a:t>
+            </a:r>
+          </a:p>
+          <a:p>
+            <a:pPr lvl="1"/>
+            <a:r>
+              <a:rPr lang="fr-FR"/>
+              <a:t>Deuxième niveau</a:t>
+            </a:r>
+          </a:p>
+          <a:p>
+            <a:pPr lvl="2"/>
+            <a:r>
+              <a:rPr lang="fr-FR"/>
+              <a:t>Troisième niveau</a:t>
+            </a:r>
+          </a:p>
+          <a:p>
+            <a:pPr lvl="3"/>
+            <a:r>
+              <a:rPr lang="fr-FR"/>
+              <a:t>Quatrième niveau</a:t>
+            </a:r>
+          </a:p>
+          <a:p>
+            <a:pPr lvl="4"/>
+            <a:r>
+              <a:rPr lang="fr-FR"/>
+              <a:t>Cinquième niveau</a:t>
+            </a:r>
+            <a:endParaRPr lang="fr-BE"/>
+          </a:p>
+        </p:txBody>
+      </p:sp>
+      <p:sp>
+        <p:nvSpPr>
+          <p:cNvPr id="4" name="Espace réservé de la date 3">
+            <a:extLst>
+              <a:ext uri="{FF2B5EF4-FFF2-40B4-BE49-F238E27FC236}">
+                <a16:creationId xmlns:a16="http://schemas.microsoft.com/office/drawing/2014/main" id="{DAA402EC-76EB-4BD6-80B3-7F42CFDB2404}"/>
+              </a:ext>
+            </a:extLst>
+          </p:cNvPr>
+          <p:cNvSpPr>
+            <a:spLocks noGrp="1"/>
+          </p:cNvSpPr>
+          <p:nvPr>
+            <p:ph type="dt" sz="half" idx="10"/>
+          </p:nvPr>
+        </p:nvSpPr>
+        <p:spPr/>
+        <p:txBody>
+          <a:bodyPr/>
+          <a:lstStyle/>
+          <a:p>
+            <a:fld id="{5369D69D-74C9-44C2-AA09-BF23A02BA6D3}" type="datetimeFigureOut">
+              <a:rPr lang="fr-BE" smtClean="0"/>
+              <a:t>16-02-21</a:t>
+            </a:fld>
+            <a:endParaRPr lang="fr-BE"/>
+          </a:p>
+        </p:txBody>
+      </p:sp>
+      <p:sp>
+        <p:nvSpPr>
+          <p:cNvPr id="5" name="Espace réservé du pied de page 4">
+            <a:extLst>
+              <a:ext uri="{FF2B5EF4-FFF2-40B4-BE49-F238E27FC236}">
+                <a16:creationId xmlns:a16="http://schemas.microsoft.com/office/drawing/2014/main" id="{03B89095-F22E-498E-8892-990AB59E9DF8}"/>
+              </a:ext>
+            </a:extLst>
+          </p:cNvPr>
+          <p:cNvSpPr>
+            <a:spLocks noGrp="1"/>
+          </p:cNvSpPr>
+          <p:nvPr>
+            <p:ph type="ftr" sz="quarter" idx="11"/>
+          </p:nvPr>
+        </p:nvSpPr>
+        <p:spPr/>
+        <p:txBody>
+          <a:bodyPr/>
+          <a:lstStyle/>
+          <a:p>
+            <a:endParaRPr lang="fr-BE"/>
+          </a:p>
+        </p:txBody>
+      </p:sp>
+      <p:sp>
+        <p:nvSpPr>
+          <p:cNvPr id="6" name="Espace réservé du numéro de diapositive 5">
+            <a:extLst>
+              <a:ext uri="{FF2B5EF4-FFF2-40B4-BE49-F238E27FC236}">
+                <a16:creationId xmlns:a16="http://schemas.microsoft.com/office/drawing/2014/main" id="{77B768B3-3B1C-4048-9AB8-AF64507CA8C1}"/>
+              </a:ext>
+            </a:extLst>
+          </p:cNvPr>
+          <p:cNvSpPr>
+            <a:spLocks noGrp="1"/>
+          </p:cNvSpPr>
+          <p:nvPr>
+            <p:ph type="sldNum" sz="quarter" idx="12"/>
+          </p:nvPr>
+        </p:nvSpPr>
+        <p:spPr/>
+        <p:txBody>
+          <a:bodyPr/>
+          <a:lstStyle/>
+          <a:p>
+            <a:fld id="{FA63FA72-A6E3-460C-89F6-BD7F786B0D07}" type="slidenum">
+              <a:rPr lang="fr-BE" smtClean="0"/>
+              <a:t>‹N°›</a:t>
+            </a:fld>
+            <a:endParaRPr lang="fr-BE"/>
+          </a:p>
+        </p:txBody>
+      </p:sp>
+    </p:spTree>
+    <p:extLst>
+      <p:ext uri="{BB962C8B-B14F-4D97-AF65-F5344CB8AC3E}">
+        <p14:creationId xmlns:p14="http://schemas.microsoft.com/office/powerpoint/2010/main" val="673742437"/>
       </p:ext>
     </p:extLst>
   </p:cSld>
@@ -1014,7 +3664,7 @@
           <a:p>
             <a:fld id="{638941B0-F4D5-4460-BCAD-F7E2B41A8257}" type="datetimeFigureOut">
               <a:rPr lang="de-DE" smtClean="0"/>
-              <a:t>04.02.2021</a:t>
+              <a:t>16.02.2021</a:t>
             </a:fld>
             <a:endParaRPr lang="de-DE"/>
           </a:p>
@@ -1246,7 +3896,7 @@
           <a:p>
             <a:fld id="{638941B0-F4D5-4460-BCAD-F7E2B41A8257}" type="datetimeFigureOut">
               <a:rPr lang="de-DE" smtClean="0"/>
-              <a:t>04.02.2021</a:t>
+              <a:t>16.02.2021</a:t>
             </a:fld>
             <a:endParaRPr lang="de-DE"/>
           </a:p>
@@ -1613,7 +4263,7 @@
           <a:p>
             <a:fld id="{638941B0-F4D5-4460-BCAD-F7E2B41A8257}" type="datetimeFigureOut">
               <a:rPr lang="de-DE" smtClean="0"/>
-              <a:t>04.02.2021</a:t>
+              <a:t>16.02.2021</a:t>
             </a:fld>
             <a:endParaRPr lang="de-DE"/>
           </a:p>
@@ -1731,7 +4381,7 @@
           <a:p>
             <a:fld id="{638941B0-F4D5-4460-BCAD-F7E2B41A8257}" type="datetimeFigureOut">
               <a:rPr lang="de-DE" smtClean="0"/>
-              <a:t>04.02.2021</a:t>
+              <a:t>16.02.2021</a:t>
             </a:fld>
             <a:endParaRPr lang="de-DE"/>
           </a:p>
@@ -1826,7 +4476,7 @@
           <a:p>
             <a:fld id="{638941B0-F4D5-4460-BCAD-F7E2B41A8257}" type="datetimeFigureOut">
               <a:rPr lang="de-DE" smtClean="0"/>
-              <a:t>04.02.2021</a:t>
+              <a:t>16.02.2021</a:t>
             </a:fld>
             <a:endParaRPr lang="de-DE"/>
           </a:p>
@@ -2103,7 +4753,7 @@
           <a:p>
             <a:fld id="{638941B0-F4D5-4460-BCAD-F7E2B41A8257}" type="datetimeFigureOut">
               <a:rPr lang="de-DE" smtClean="0"/>
-              <a:t>04.02.2021</a:t>
+              <a:t>16.02.2021</a:t>
             </a:fld>
             <a:endParaRPr lang="de-DE"/>
           </a:p>
@@ -2356,7 +5006,7 @@
           <a:p>
             <a:fld id="{638941B0-F4D5-4460-BCAD-F7E2B41A8257}" type="datetimeFigureOut">
               <a:rPr lang="de-DE" smtClean="0"/>
-              <a:t>04.02.2021</a:t>
+              <a:t>16.02.2021</a:t>
             </a:fld>
             <a:endParaRPr lang="de-DE"/>
           </a:p>
@@ -2569,7 +5219,7 @@
           <a:p>
             <a:fld id="{638941B0-F4D5-4460-BCAD-F7E2B41A8257}" type="datetimeFigureOut">
               <a:rPr lang="de-DE" smtClean="0"/>
-              <a:t>04.02.2021</a:t>
+              <a:t>16.02.2021</a:t>
             </a:fld>
             <a:endParaRPr lang="de-DE"/>
           </a:p>
@@ -2957,6 +5607,576 @@
 </p:sldMaster>
 </file>
 
+<file path=ppt/slideMasters/slideMaster2.xml><?xml version="1.0" encoding="utf-8"?>
+<p:sldMaster xmlns:a="http://schemas.openxmlformats.org/drawingml/2006/main" xmlns:r="http://schemas.openxmlformats.org/officeDocument/2006/relationships" xmlns:p="http://schemas.openxmlformats.org/presentationml/2006/main">
+  <p:cSld>
+    <p:bg>
+      <p:bgRef idx="1001">
+        <a:schemeClr val="bg1"/>
+      </p:bgRef>
+    </p:bg>
+    <p:spTree>
+      <p:nvGrpSpPr>
+        <p:cNvPr id="1" name=""/>
+        <p:cNvGrpSpPr/>
+        <p:nvPr/>
+      </p:nvGrpSpPr>
+      <p:grpSpPr>
+        <a:xfrm>
+          <a:off x="0" y="0"/>
+          <a:ext cx="0" cy="0"/>
+          <a:chOff x="0" y="0"/>
+          <a:chExt cx="0" cy="0"/>
+        </a:xfrm>
+      </p:grpSpPr>
+      <p:sp>
+        <p:nvSpPr>
+          <p:cNvPr id="2" name="Espace réservé du titre 1">
+            <a:extLst>
+              <a:ext uri="{FF2B5EF4-FFF2-40B4-BE49-F238E27FC236}">
+                <a16:creationId xmlns:a16="http://schemas.microsoft.com/office/drawing/2014/main" id="{F94032E7-DA8B-4815-B0A9-271C1538BCCE}"/>
+              </a:ext>
+            </a:extLst>
+          </p:cNvPr>
+          <p:cNvSpPr>
+            <a:spLocks noGrp="1"/>
+          </p:cNvSpPr>
+          <p:nvPr>
+            <p:ph type="title"/>
+          </p:nvPr>
+        </p:nvSpPr>
+        <p:spPr>
+          <a:xfrm>
+            <a:off x="838200" y="365125"/>
+            <a:ext cx="10515600" cy="1325563"/>
+          </a:xfrm>
+          <a:prstGeom prst="rect">
+            <a:avLst/>
+          </a:prstGeom>
+        </p:spPr>
+        <p:txBody>
+          <a:bodyPr vert="horz" lIns="91440" tIns="45720" rIns="91440" bIns="45720" rtlCol="0" anchor="ctr">
+            <a:normAutofit/>
+          </a:bodyPr>
+          <a:lstStyle/>
+          <a:p>
+            <a:r>
+              <a:rPr lang="fr-FR"/>
+              <a:t>Modifiez le style du titre</a:t>
+            </a:r>
+            <a:endParaRPr lang="fr-BE"/>
+          </a:p>
+        </p:txBody>
+      </p:sp>
+      <p:sp>
+        <p:nvSpPr>
+          <p:cNvPr id="3" name="Espace réservé du texte 2">
+            <a:extLst>
+              <a:ext uri="{FF2B5EF4-FFF2-40B4-BE49-F238E27FC236}">
+                <a16:creationId xmlns:a16="http://schemas.microsoft.com/office/drawing/2014/main" id="{8894082D-7FCC-4F4F-A76A-0D2615594846}"/>
+              </a:ext>
+            </a:extLst>
+          </p:cNvPr>
+          <p:cNvSpPr>
+            <a:spLocks noGrp="1"/>
+          </p:cNvSpPr>
+          <p:nvPr>
+            <p:ph type="body" idx="1"/>
+          </p:nvPr>
+        </p:nvSpPr>
+        <p:spPr>
+          <a:xfrm>
+            <a:off x="838200" y="1825625"/>
+            <a:ext cx="10515600" cy="4351338"/>
+          </a:xfrm>
+          <a:prstGeom prst="rect">
+            <a:avLst/>
+          </a:prstGeom>
+        </p:spPr>
+        <p:txBody>
+          <a:bodyPr vert="horz" lIns="91440" tIns="45720" rIns="91440" bIns="45720" rtlCol="0">
+            <a:normAutofit/>
+          </a:bodyPr>
+          <a:lstStyle/>
+          <a:p>
+            <a:pPr lvl="0"/>
+            <a:r>
+              <a:rPr lang="fr-FR"/>
+              <a:t>Cliquez pour modifier les styles du texte du masque</a:t>
+            </a:r>
+          </a:p>
+          <a:p>
+            <a:pPr lvl="1"/>
+            <a:r>
+              <a:rPr lang="fr-FR"/>
+              <a:t>Deuxième niveau</a:t>
+            </a:r>
+          </a:p>
+          <a:p>
+            <a:pPr lvl="2"/>
+            <a:r>
+              <a:rPr lang="fr-FR"/>
+              <a:t>Troisième niveau</a:t>
+            </a:r>
+          </a:p>
+          <a:p>
+            <a:pPr lvl="3"/>
+            <a:r>
+              <a:rPr lang="fr-FR"/>
+              <a:t>Quatrième niveau</a:t>
+            </a:r>
+          </a:p>
+          <a:p>
+            <a:pPr lvl="4"/>
+            <a:r>
+              <a:rPr lang="fr-FR"/>
+              <a:t>Cinquième niveau</a:t>
+            </a:r>
+            <a:endParaRPr lang="fr-BE"/>
+          </a:p>
+        </p:txBody>
+      </p:sp>
+      <p:sp>
+        <p:nvSpPr>
+          <p:cNvPr id="4" name="Espace réservé de la date 3">
+            <a:extLst>
+              <a:ext uri="{FF2B5EF4-FFF2-40B4-BE49-F238E27FC236}">
+                <a16:creationId xmlns:a16="http://schemas.microsoft.com/office/drawing/2014/main" id="{59DC59F8-067E-4FAF-BCA5-FCA5C0414769}"/>
+              </a:ext>
+            </a:extLst>
+          </p:cNvPr>
+          <p:cNvSpPr>
+            <a:spLocks noGrp="1"/>
+          </p:cNvSpPr>
+          <p:nvPr>
+            <p:ph type="dt" sz="half" idx="2"/>
+          </p:nvPr>
+        </p:nvSpPr>
+        <p:spPr>
+          <a:xfrm>
+            <a:off x="838200" y="6356350"/>
+            <a:ext cx="2743200" cy="365125"/>
+          </a:xfrm>
+          <a:prstGeom prst="rect">
+            <a:avLst/>
+          </a:prstGeom>
+        </p:spPr>
+        <p:txBody>
+          <a:bodyPr vert="horz" lIns="91440" tIns="45720" rIns="91440" bIns="45720" rtlCol="0" anchor="ctr"/>
+          <a:lstStyle>
+            <a:lvl1pPr algn="l">
+              <a:defRPr sz="1200">
+                <a:solidFill>
+                  <a:schemeClr val="tx1">
+                    <a:tint val="75000"/>
+                  </a:schemeClr>
+                </a:solidFill>
+              </a:defRPr>
+            </a:lvl1pPr>
+          </a:lstStyle>
+          <a:p>
+            <a:fld id="{5369D69D-74C9-44C2-AA09-BF23A02BA6D3}" type="datetimeFigureOut">
+              <a:rPr lang="fr-BE" smtClean="0"/>
+              <a:t>16-02-21</a:t>
+            </a:fld>
+            <a:endParaRPr lang="fr-BE"/>
+          </a:p>
+        </p:txBody>
+      </p:sp>
+      <p:sp>
+        <p:nvSpPr>
+          <p:cNvPr id="5" name="Espace réservé du pied de page 4">
+            <a:extLst>
+              <a:ext uri="{FF2B5EF4-FFF2-40B4-BE49-F238E27FC236}">
+                <a16:creationId xmlns:a16="http://schemas.microsoft.com/office/drawing/2014/main" id="{FA0CFA7A-0D56-4D7E-B0A4-B0A10C55B2FE}"/>
+              </a:ext>
+            </a:extLst>
+          </p:cNvPr>
+          <p:cNvSpPr>
+            <a:spLocks noGrp="1"/>
+          </p:cNvSpPr>
+          <p:nvPr>
+            <p:ph type="ftr" sz="quarter" idx="3"/>
+          </p:nvPr>
+        </p:nvSpPr>
+        <p:spPr>
+          <a:xfrm>
+            <a:off x="4038600" y="6356350"/>
+            <a:ext cx="4114800" cy="365125"/>
+          </a:xfrm>
+          <a:prstGeom prst="rect">
+            <a:avLst/>
+          </a:prstGeom>
+        </p:spPr>
+        <p:txBody>
+          <a:bodyPr vert="horz" lIns="91440" tIns="45720" rIns="91440" bIns="45720" rtlCol="0" anchor="ctr"/>
+          <a:lstStyle>
+            <a:lvl1pPr algn="ctr">
+              <a:defRPr sz="1200">
+                <a:solidFill>
+                  <a:schemeClr val="tx1">
+                    <a:tint val="75000"/>
+                  </a:schemeClr>
+                </a:solidFill>
+              </a:defRPr>
+            </a:lvl1pPr>
+          </a:lstStyle>
+          <a:p>
+            <a:endParaRPr lang="fr-BE"/>
+          </a:p>
+        </p:txBody>
+      </p:sp>
+      <p:sp>
+        <p:nvSpPr>
+          <p:cNvPr id="6" name="Espace réservé du numéro de diapositive 5">
+            <a:extLst>
+              <a:ext uri="{FF2B5EF4-FFF2-40B4-BE49-F238E27FC236}">
+                <a16:creationId xmlns:a16="http://schemas.microsoft.com/office/drawing/2014/main" id="{642F31C3-F8E7-4E2B-8090-DCFD65D97172}"/>
+              </a:ext>
+            </a:extLst>
+          </p:cNvPr>
+          <p:cNvSpPr>
+            <a:spLocks noGrp="1"/>
+          </p:cNvSpPr>
+          <p:nvPr>
+            <p:ph type="sldNum" sz="quarter" idx="4"/>
+          </p:nvPr>
+        </p:nvSpPr>
+        <p:spPr>
+          <a:xfrm>
+            <a:off x="8610600" y="6356350"/>
+            <a:ext cx="2743200" cy="365125"/>
+          </a:xfrm>
+          <a:prstGeom prst="rect">
+            <a:avLst/>
+          </a:prstGeom>
+        </p:spPr>
+        <p:txBody>
+          <a:bodyPr vert="horz" lIns="91440" tIns="45720" rIns="91440" bIns="45720" rtlCol="0" anchor="ctr"/>
+          <a:lstStyle>
+            <a:lvl1pPr algn="r">
+              <a:defRPr sz="1200">
+                <a:solidFill>
+                  <a:schemeClr val="tx1">
+                    <a:tint val="75000"/>
+                  </a:schemeClr>
+                </a:solidFill>
+              </a:defRPr>
+            </a:lvl1pPr>
+          </a:lstStyle>
+          <a:p>
+            <a:fld id="{FA63FA72-A6E3-460C-89F6-BD7F786B0D07}" type="slidenum">
+              <a:rPr lang="fr-BE" smtClean="0"/>
+              <a:t>‹N°›</a:t>
+            </a:fld>
+            <a:endParaRPr lang="fr-BE"/>
+          </a:p>
+        </p:txBody>
+      </p:sp>
+    </p:spTree>
+    <p:extLst>
+      <p:ext uri="{BB962C8B-B14F-4D97-AF65-F5344CB8AC3E}">
+        <p14:creationId xmlns:p14="http://schemas.microsoft.com/office/powerpoint/2010/main" val="511158554"/>
+      </p:ext>
+    </p:extLst>
+  </p:cSld>
+  <p:clrMap bg1="lt1" tx1="dk1" bg2="lt2" tx2="dk2" accent1="accent1" accent2="accent2" accent3="accent3" accent4="accent4" accent5="accent5" accent6="accent6" hlink="hlink" folHlink="folHlink"/>
+  <p:sldLayoutIdLst>
+    <p:sldLayoutId id="2147483673" r:id="rId1"/>
+    <p:sldLayoutId id="2147483674" r:id="rId2"/>
+    <p:sldLayoutId id="2147483675" r:id="rId3"/>
+    <p:sldLayoutId id="2147483676" r:id="rId4"/>
+    <p:sldLayoutId id="2147483677" r:id="rId5"/>
+    <p:sldLayoutId id="2147483678" r:id="rId6"/>
+    <p:sldLayoutId id="2147483679" r:id="rId7"/>
+    <p:sldLayoutId id="2147483680" r:id="rId8"/>
+    <p:sldLayoutId id="2147483681" r:id="rId9"/>
+    <p:sldLayoutId id="2147483682" r:id="rId10"/>
+    <p:sldLayoutId id="2147483683" r:id="rId11"/>
+  </p:sldLayoutIdLst>
+  <p:txStyles>
+    <p:titleStyle>
+      <a:lvl1pPr algn="l" defTabSz="914400" rtl="0" eaLnBrk="1" latinLnBrk="0" hangingPunct="1">
+        <a:lnSpc>
+          <a:spcPct val="90000"/>
+        </a:lnSpc>
+        <a:spcBef>
+          <a:spcPct val="0"/>
+        </a:spcBef>
+        <a:buNone/>
+        <a:defRPr sz="4400" kern="1200">
+          <a:solidFill>
+            <a:schemeClr val="tx1"/>
+          </a:solidFill>
+          <a:latin typeface="+mj-lt"/>
+          <a:ea typeface="+mj-ea"/>
+          <a:cs typeface="+mj-cs"/>
+        </a:defRPr>
+      </a:lvl1pPr>
+    </p:titleStyle>
+    <p:bodyStyle>
+      <a:lvl1pPr marL="228600" indent="-228600" algn="l" defTabSz="914400" rtl="0" eaLnBrk="1" latinLnBrk="0" hangingPunct="1">
+        <a:lnSpc>
+          <a:spcPct val="90000"/>
+        </a:lnSpc>
+        <a:spcBef>
+          <a:spcPts val="1000"/>
+        </a:spcBef>
+        <a:buFont typeface="Arial" panose="020B0604020202020204" pitchFamily="34" charset="0"/>
+        <a:buChar char="•"/>
+        <a:defRPr sz="2800" kern="1200">
+          <a:solidFill>
+            <a:schemeClr val="tx1"/>
+          </a:solidFill>
+          <a:latin typeface="+mn-lt"/>
+          <a:ea typeface="+mn-ea"/>
+          <a:cs typeface="+mn-cs"/>
+        </a:defRPr>
+      </a:lvl1pPr>
+      <a:lvl2pPr marL="685800" indent="-228600" algn="l" defTabSz="914400" rtl="0" eaLnBrk="1" latinLnBrk="0" hangingPunct="1">
+        <a:lnSpc>
+          <a:spcPct val="90000"/>
+        </a:lnSpc>
+        <a:spcBef>
+          <a:spcPts val="500"/>
+        </a:spcBef>
+        <a:buFont typeface="Arial" panose="020B0604020202020204" pitchFamily="34" charset="0"/>
+        <a:buChar char="•"/>
+        <a:defRPr sz="2400" kern="1200">
+          <a:solidFill>
+            <a:schemeClr val="tx1"/>
+          </a:solidFill>
+          <a:latin typeface="+mn-lt"/>
+          <a:ea typeface="+mn-ea"/>
+          <a:cs typeface="+mn-cs"/>
+        </a:defRPr>
+      </a:lvl2pPr>
+      <a:lvl3pPr marL="1143000" indent="-228600" algn="l" defTabSz="914400" rtl="0" eaLnBrk="1" latinLnBrk="0" hangingPunct="1">
+        <a:lnSpc>
+          <a:spcPct val="90000"/>
+        </a:lnSpc>
+        <a:spcBef>
+          <a:spcPts val="500"/>
+        </a:spcBef>
+        <a:buFont typeface="Arial" panose="020B0604020202020204" pitchFamily="34" charset="0"/>
+        <a:buChar char="•"/>
+        <a:defRPr sz="2000" kern="1200">
+          <a:solidFill>
+            <a:schemeClr val="tx1"/>
+          </a:solidFill>
+          <a:latin typeface="+mn-lt"/>
+          <a:ea typeface="+mn-ea"/>
+          <a:cs typeface="+mn-cs"/>
+        </a:defRPr>
+      </a:lvl3pPr>
+      <a:lvl4pPr marL="1600200" indent="-228600" algn="l" defTabSz="914400" rtl="0" eaLnBrk="1" latinLnBrk="0" hangingPunct="1">
+        <a:lnSpc>
+          <a:spcPct val="90000"/>
+        </a:lnSpc>
+        <a:spcBef>
+          <a:spcPts val="500"/>
+        </a:spcBef>
+        <a:buFont typeface="Arial" panose="020B0604020202020204" pitchFamily="34" charset="0"/>
+        <a:buChar char="•"/>
+        <a:defRPr sz="1800" kern="1200">
+          <a:solidFill>
+            <a:schemeClr val="tx1"/>
+          </a:solidFill>
+          <a:latin typeface="+mn-lt"/>
+          <a:ea typeface="+mn-ea"/>
+          <a:cs typeface="+mn-cs"/>
+        </a:defRPr>
+      </a:lvl4pPr>
+      <a:lvl5pPr marL="2057400" indent="-228600" algn="l" defTabSz="914400" rtl="0" eaLnBrk="1" latinLnBrk="0" hangingPunct="1">
+        <a:lnSpc>
+          <a:spcPct val="90000"/>
+        </a:lnSpc>
+        <a:spcBef>
+          <a:spcPts val="500"/>
+        </a:spcBef>
+        <a:buFont typeface="Arial" panose="020B0604020202020204" pitchFamily="34" charset="0"/>
+        <a:buChar char="•"/>
+        <a:defRPr sz="1800" kern="1200">
+          <a:solidFill>
+            <a:schemeClr val="tx1"/>
+          </a:solidFill>
+          <a:latin typeface="+mn-lt"/>
+          <a:ea typeface="+mn-ea"/>
+          <a:cs typeface="+mn-cs"/>
+        </a:defRPr>
+      </a:lvl5pPr>
+      <a:lvl6pPr marL="2514600" indent="-228600" algn="l" defTabSz="914400" rtl="0" eaLnBrk="1" latinLnBrk="0" hangingPunct="1">
+        <a:lnSpc>
+          <a:spcPct val="90000"/>
+        </a:lnSpc>
+        <a:spcBef>
+          <a:spcPts val="500"/>
+        </a:spcBef>
+        <a:buFont typeface="Arial" panose="020B0604020202020204" pitchFamily="34" charset="0"/>
+        <a:buChar char="•"/>
+        <a:defRPr sz="1800" kern="1200">
+          <a:solidFill>
+            <a:schemeClr val="tx1"/>
+          </a:solidFill>
+          <a:latin typeface="+mn-lt"/>
+          <a:ea typeface="+mn-ea"/>
+          <a:cs typeface="+mn-cs"/>
+        </a:defRPr>
+      </a:lvl6pPr>
+      <a:lvl7pPr marL="2971800" indent="-228600" algn="l" defTabSz="914400" rtl="0" eaLnBrk="1" latinLnBrk="0" hangingPunct="1">
+        <a:lnSpc>
+          <a:spcPct val="90000"/>
+        </a:lnSpc>
+        <a:spcBef>
+          <a:spcPts val="500"/>
+        </a:spcBef>
+        <a:buFont typeface="Arial" panose="020B0604020202020204" pitchFamily="34" charset="0"/>
+        <a:buChar char="•"/>
+        <a:defRPr sz="1800" kern="1200">
+          <a:solidFill>
+            <a:schemeClr val="tx1"/>
+          </a:solidFill>
+          <a:latin typeface="+mn-lt"/>
+          <a:ea typeface="+mn-ea"/>
+          <a:cs typeface="+mn-cs"/>
+        </a:defRPr>
+      </a:lvl7pPr>
+      <a:lvl8pPr marL="3429000" indent="-228600" algn="l" defTabSz="914400" rtl="0" eaLnBrk="1" latinLnBrk="0" hangingPunct="1">
+        <a:lnSpc>
+          <a:spcPct val="90000"/>
+        </a:lnSpc>
+        <a:spcBef>
+          <a:spcPts val="500"/>
+        </a:spcBef>
+        <a:buFont typeface="Arial" panose="020B0604020202020204" pitchFamily="34" charset="0"/>
+        <a:buChar char="•"/>
+        <a:defRPr sz="1800" kern="1200">
+          <a:solidFill>
+            <a:schemeClr val="tx1"/>
+          </a:solidFill>
+          <a:latin typeface="+mn-lt"/>
+          <a:ea typeface="+mn-ea"/>
+          <a:cs typeface="+mn-cs"/>
+        </a:defRPr>
+      </a:lvl8pPr>
+      <a:lvl9pPr marL="3886200" indent="-228600" algn="l" defTabSz="914400" rtl="0" eaLnBrk="1" latinLnBrk="0" hangingPunct="1">
+        <a:lnSpc>
+          <a:spcPct val="90000"/>
+        </a:lnSpc>
+        <a:spcBef>
+          <a:spcPts val="500"/>
+        </a:spcBef>
+        <a:buFont typeface="Arial" panose="020B0604020202020204" pitchFamily="34" charset="0"/>
+        <a:buChar char="•"/>
+        <a:defRPr sz="1800" kern="1200">
+          <a:solidFill>
+            <a:schemeClr val="tx1"/>
+          </a:solidFill>
+          <a:latin typeface="+mn-lt"/>
+          <a:ea typeface="+mn-ea"/>
+          <a:cs typeface="+mn-cs"/>
+        </a:defRPr>
+      </a:lvl9pPr>
+    </p:bodyStyle>
+    <p:otherStyle>
+      <a:defPPr>
+        <a:defRPr lang="fr-FR"/>
+      </a:defPPr>
+      <a:lvl1pPr marL="0" algn="l" defTabSz="914400" rtl="0" eaLnBrk="1" latinLnBrk="0" hangingPunct="1">
+        <a:defRPr sz="1800" kern="1200">
+          <a:solidFill>
+            <a:schemeClr val="tx1"/>
+          </a:solidFill>
+          <a:latin typeface="+mn-lt"/>
+          <a:ea typeface="+mn-ea"/>
+          <a:cs typeface="+mn-cs"/>
+        </a:defRPr>
+      </a:lvl1pPr>
+      <a:lvl2pPr marL="457200" algn="l" defTabSz="914400" rtl="0" eaLnBrk="1" latinLnBrk="0" hangingPunct="1">
+        <a:defRPr sz="1800" kern="1200">
+          <a:solidFill>
+            <a:schemeClr val="tx1"/>
+          </a:solidFill>
+          <a:latin typeface="+mn-lt"/>
+          <a:ea typeface="+mn-ea"/>
+          <a:cs typeface="+mn-cs"/>
+        </a:defRPr>
+      </a:lvl2pPr>
+      <a:lvl3pPr marL="914400" algn="l" defTabSz="914400" rtl="0" eaLnBrk="1" latinLnBrk="0" hangingPunct="1">
+        <a:defRPr sz="1800" kern="1200">
+          <a:solidFill>
+            <a:schemeClr val="tx1"/>
+          </a:solidFill>
+          <a:latin typeface="+mn-lt"/>
+          <a:ea typeface="+mn-ea"/>
+          <a:cs typeface="+mn-cs"/>
+        </a:defRPr>
+      </a:lvl3pPr>
+      <a:lvl4pPr marL="1371600" algn="l" defTabSz="914400" rtl="0" eaLnBrk="1" latinLnBrk="0" hangingPunct="1">
+        <a:defRPr sz="1800" kern="1200">
+          <a:solidFill>
+            <a:schemeClr val="tx1"/>
+          </a:solidFill>
+          <a:latin typeface="+mn-lt"/>
+          <a:ea typeface="+mn-ea"/>
+          <a:cs typeface="+mn-cs"/>
+        </a:defRPr>
+      </a:lvl4pPr>
+      <a:lvl5pPr marL="1828800" algn="l" defTabSz="914400" rtl="0" eaLnBrk="1" latinLnBrk="0" hangingPunct="1">
+        <a:defRPr sz="1800" kern="1200">
+          <a:solidFill>
+            <a:schemeClr val="tx1"/>
+          </a:solidFill>
+          <a:latin typeface="+mn-lt"/>
+          <a:ea typeface="+mn-ea"/>
+          <a:cs typeface="+mn-cs"/>
+        </a:defRPr>
+      </a:lvl5pPr>
+      <a:lvl6pPr marL="2286000" algn="l" defTabSz="914400" rtl="0" eaLnBrk="1" latinLnBrk="0" hangingPunct="1">
+        <a:defRPr sz="1800" kern="1200">
+          <a:solidFill>
+            <a:schemeClr val="tx1"/>
+          </a:solidFill>
+          <a:latin typeface="+mn-lt"/>
+          <a:ea typeface="+mn-ea"/>
+          <a:cs typeface="+mn-cs"/>
+        </a:defRPr>
+      </a:lvl6pPr>
+      <a:lvl7pPr marL="2743200" algn="l" defTabSz="914400" rtl="0" eaLnBrk="1" latinLnBrk="0" hangingPunct="1">
+        <a:defRPr sz="1800" kern="1200">
+          <a:solidFill>
+            <a:schemeClr val="tx1"/>
+          </a:solidFill>
+          <a:latin typeface="+mn-lt"/>
+          <a:ea typeface="+mn-ea"/>
+          <a:cs typeface="+mn-cs"/>
+        </a:defRPr>
+      </a:lvl7pPr>
+      <a:lvl8pPr marL="3200400" algn="l" defTabSz="914400" rtl="0" eaLnBrk="1" latinLnBrk="0" hangingPunct="1">
+        <a:defRPr sz="1800" kern="1200">
+          <a:solidFill>
+            <a:schemeClr val="tx1"/>
+          </a:solidFill>
+          <a:latin typeface="+mn-lt"/>
+          <a:ea typeface="+mn-ea"/>
+          <a:cs typeface="+mn-cs"/>
+        </a:defRPr>
+      </a:lvl8pPr>
+      <a:lvl9pPr marL="3657600" algn="l" defTabSz="914400" rtl="0" eaLnBrk="1" latinLnBrk="0" hangingPunct="1">
+        <a:defRPr sz="1800" kern="1200">
+          <a:solidFill>
+            <a:schemeClr val="tx1"/>
+          </a:solidFill>
+          <a:latin typeface="+mn-lt"/>
+          <a:ea typeface="+mn-ea"/>
+          <a:cs typeface="+mn-cs"/>
+        </a:defRPr>
+      </a:lvl9pPr>
+    </p:otherStyle>
+  </p:txStyles>
+</p:sldMaster>
+</file>
+
 <file path=ppt/slides/slide1.xml><?xml version="1.0" encoding="utf-8"?>
 <p:sld xmlns:a="http://schemas.openxmlformats.org/drawingml/2006/main" xmlns:r="http://schemas.openxmlformats.org/officeDocument/2006/relationships" xmlns:p="http://schemas.openxmlformats.org/presentationml/2006/main">
   <p:cSld>
@@ -4677,6 +7897,1527 @@
 </file>
 
 <file path=ppt/slides/slide6.xml><?xml version="1.0" encoding="utf-8"?>
+<p:sld xmlns:a="http://schemas.openxmlformats.org/drawingml/2006/main" xmlns:r="http://schemas.openxmlformats.org/officeDocument/2006/relationships" xmlns:p="http://schemas.openxmlformats.org/presentationml/2006/main">
+  <p:cSld>
+    <p:spTree>
+      <p:nvGrpSpPr>
+        <p:cNvPr id="1" name=""/>
+        <p:cNvGrpSpPr/>
+        <p:nvPr/>
+      </p:nvGrpSpPr>
+      <p:grpSpPr>
+        <a:xfrm>
+          <a:off x="0" y="0"/>
+          <a:ext cx="0" cy="0"/>
+          <a:chOff x="0" y="0"/>
+          <a:chExt cx="0" cy="0"/>
+        </a:xfrm>
+      </p:grpSpPr>
+      <p:sp>
+        <p:nvSpPr>
+          <p:cNvPr id="2" name="Titre 1">
+            <a:extLst>
+              <a:ext uri="{FF2B5EF4-FFF2-40B4-BE49-F238E27FC236}">
+                <a16:creationId xmlns:a16="http://schemas.microsoft.com/office/drawing/2014/main" id="{0200D8C1-DEE2-47C6-9BB3-A0CD6FB9EADD}"/>
+              </a:ext>
+            </a:extLst>
+          </p:cNvPr>
+          <p:cNvSpPr>
+            <a:spLocks noGrp="1"/>
+          </p:cNvSpPr>
+          <p:nvPr>
+            <p:ph type="ctrTitle"/>
+          </p:nvPr>
+        </p:nvSpPr>
+        <p:spPr>
+          <a:xfrm>
+            <a:off x="823291" y="241409"/>
+            <a:ext cx="7620000" cy="746194"/>
+          </a:xfrm>
+        </p:spPr>
+        <p:txBody>
+          <a:bodyPr>
+            <a:normAutofit/>
+          </a:bodyPr>
+          <a:lstStyle/>
+          <a:p>
+            <a:pPr algn="l"/>
+            <a:r>
+              <a:rPr lang="fr-BE" sz="4000" dirty="0"/>
+              <a:t>Notre cas</a:t>
+            </a:r>
+          </a:p>
+        </p:txBody>
+      </p:sp>
+      <p:sp>
+        <p:nvSpPr>
+          <p:cNvPr id="4" name="ZoneTexte 3">
+            <a:extLst>
+              <a:ext uri="{FF2B5EF4-FFF2-40B4-BE49-F238E27FC236}">
+                <a16:creationId xmlns:a16="http://schemas.microsoft.com/office/drawing/2014/main" id="{522793D8-7412-4C69-AE6A-4036C9942F56}"/>
+              </a:ext>
+            </a:extLst>
+          </p:cNvPr>
+          <p:cNvSpPr txBox="1"/>
+          <p:nvPr/>
+        </p:nvSpPr>
+        <p:spPr>
+          <a:xfrm>
+            <a:off x="0" y="2706833"/>
+            <a:ext cx="1232453" cy="369332"/>
+          </a:xfrm>
+          <a:prstGeom prst="rect">
+            <a:avLst/>
+          </a:prstGeom>
+          <a:noFill/>
+        </p:spPr>
+        <p:txBody>
+          <a:bodyPr wrap="square" rtlCol="0">
+            <a:spAutoFit/>
+          </a:bodyPr>
+          <a:lstStyle/>
+          <a:p>
+            <a:pPr marL="0" marR="0" lvl="0" indent="0" algn="l" defTabSz="914400" rtl="0" eaLnBrk="1" fontAlgn="auto" latinLnBrk="0" hangingPunct="1">
+              <a:lnSpc>
+                <a:spcPct val="100000"/>
+              </a:lnSpc>
+              <a:spcBef>
+                <a:spcPts val="0"/>
+              </a:spcBef>
+              <a:spcAft>
+                <a:spcPts val="0"/>
+              </a:spcAft>
+              <a:buClrTx/>
+              <a:buSzTx/>
+              <a:buFontTx/>
+              <a:buNone/>
+              <a:tabLst/>
+              <a:defRPr/>
+            </a:pPr>
+            <a:r>
+              <a:rPr kumimoji="0" lang="fr-BE" sz="1800" b="0" i="0" u="none" strike="noStrike" kern="1200" cap="none" spc="0" normalizeH="0" baseline="0" noProof="0" dirty="0">
+                <a:ln>
+                  <a:noFill/>
+                </a:ln>
+                <a:solidFill>
+                  <a:prstClr val="black"/>
+                </a:solidFill>
+                <a:effectLst/>
+                <a:uLnTx/>
+                <a:uFillTx/>
+                <a:latin typeface="Calibri" panose="020F0502020204030204"/>
+                <a:ea typeface="+mn-ea"/>
+                <a:cs typeface="+mn-cs"/>
+              </a:rPr>
+              <a:t>FX</a:t>
+            </a:r>
+          </a:p>
+        </p:txBody>
+      </p:sp>
+      <p:cxnSp>
+        <p:nvCxnSpPr>
+          <p:cNvPr id="6" name="Connecteur droit avec flèche 5">
+            <a:extLst>
+              <a:ext uri="{FF2B5EF4-FFF2-40B4-BE49-F238E27FC236}">
+                <a16:creationId xmlns:a16="http://schemas.microsoft.com/office/drawing/2014/main" id="{501CE1BF-2316-4034-8B75-E36E34EEFDB3}"/>
+              </a:ext>
+            </a:extLst>
+          </p:cNvPr>
+          <p:cNvCxnSpPr/>
+          <p:nvPr/>
+        </p:nvCxnSpPr>
+        <p:spPr>
+          <a:xfrm flipV="1">
+            <a:off x="616227" y="2295151"/>
+            <a:ext cx="914400" cy="596348"/>
+          </a:xfrm>
+          <a:prstGeom prst="straightConnector1">
+            <a:avLst/>
+          </a:prstGeom>
+          <a:ln>
+            <a:tailEnd type="triangle"/>
+          </a:ln>
+        </p:spPr>
+        <p:style>
+          <a:lnRef idx="1">
+            <a:schemeClr val="dk1"/>
+          </a:lnRef>
+          <a:fillRef idx="0">
+            <a:schemeClr val="dk1"/>
+          </a:fillRef>
+          <a:effectRef idx="0">
+            <a:schemeClr val="dk1"/>
+          </a:effectRef>
+          <a:fontRef idx="minor">
+            <a:schemeClr val="tx1"/>
+          </a:fontRef>
+        </p:style>
+      </p:cxnSp>
+      <p:cxnSp>
+        <p:nvCxnSpPr>
+          <p:cNvPr id="7" name="Connecteur droit avec flèche 6">
+            <a:extLst>
+              <a:ext uri="{FF2B5EF4-FFF2-40B4-BE49-F238E27FC236}">
+                <a16:creationId xmlns:a16="http://schemas.microsoft.com/office/drawing/2014/main" id="{F172B69B-CEE1-42A1-9972-45B5F8BB583D}"/>
+              </a:ext>
+            </a:extLst>
+          </p:cNvPr>
+          <p:cNvCxnSpPr>
+            <a:cxnSpLocks/>
+          </p:cNvCxnSpPr>
+          <p:nvPr/>
+        </p:nvCxnSpPr>
+        <p:spPr>
+          <a:xfrm>
+            <a:off x="616227" y="2884874"/>
+            <a:ext cx="914400" cy="548236"/>
+          </a:xfrm>
+          <a:prstGeom prst="straightConnector1">
+            <a:avLst/>
+          </a:prstGeom>
+          <a:ln>
+            <a:tailEnd type="triangle"/>
+          </a:ln>
+        </p:spPr>
+        <p:style>
+          <a:lnRef idx="1">
+            <a:schemeClr val="dk1"/>
+          </a:lnRef>
+          <a:fillRef idx="0">
+            <a:schemeClr val="dk1"/>
+          </a:fillRef>
+          <a:effectRef idx="0">
+            <a:schemeClr val="dk1"/>
+          </a:effectRef>
+          <a:fontRef idx="minor">
+            <a:schemeClr val="tx1"/>
+          </a:fontRef>
+        </p:style>
+      </p:cxnSp>
+      <p:sp>
+        <p:nvSpPr>
+          <p:cNvPr id="9" name="ZoneTexte 8">
+            <a:extLst>
+              <a:ext uri="{FF2B5EF4-FFF2-40B4-BE49-F238E27FC236}">
+                <a16:creationId xmlns:a16="http://schemas.microsoft.com/office/drawing/2014/main" id="{5771C7B9-4A43-4EE9-9F4D-665697AD5653}"/>
+              </a:ext>
+            </a:extLst>
+          </p:cNvPr>
+          <p:cNvSpPr txBox="1"/>
+          <p:nvPr/>
+        </p:nvSpPr>
+        <p:spPr>
+          <a:xfrm>
+            <a:off x="1808922" y="1977099"/>
+            <a:ext cx="1789044" cy="646331"/>
+          </a:xfrm>
+          <a:prstGeom prst="rect">
+            <a:avLst/>
+          </a:prstGeom>
+          <a:noFill/>
+        </p:spPr>
+        <p:txBody>
+          <a:bodyPr wrap="square" rtlCol="0">
+            <a:spAutoFit/>
+          </a:bodyPr>
+          <a:lstStyle/>
+          <a:p>
+            <a:pPr marL="285750" marR="0" lvl="0" indent="-285750" algn="l" defTabSz="914400" rtl="0" eaLnBrk="1" fontAlgn="auto" latinLnBrk="0" hangingPunct="1">
+              <a:lnSpc>
+                <a:spcPct val="100000"/>
+              </a:lnSpc>
+              <a:spcBef>
+                <a:spcPts val="0"/>
+              </a:spcBef>
+              <a:spcAft>
+                <a:spcPts val="0"/>
+              </a:spcAft>
+              <a:buClrTx/>
+              <a:buSzTx/>
+              <a:buFont typeface="Arial" panose="020B0604020202020204" pitchFamily="34" charset="0"/>
+              <a:buChar char="•"/>
+              <a:tabLst/>
+              <a:defRPr/>
+            </a:pPr>
+            <a:r>
+              <a:rPr kumimoji="0" lang="fr-BE" sz="1800" b="0" i="0" u="none" strike="noStrike" kern="1200" cap="none" spc="0" normalizeH="0" baseline="0" noProof="0" dirty="0">
+                <a:ln>
+                  <a:noFill/>
+                </a:ln>
+                <a:solidFill>
+                  <a:prstClr val="black"/>
+                </a:solidFill>
+                <a:effectLst/>
+                <a:uLnTx/>
+                <a:uFillTx/>
+                <a:latin typeface="Calibri" panose="020F0502020204030204"/>
+                <a:ea typeface="+mn-ea"/>
+                <a:cs typeface="+mn-cs"/>
+              </a:rPr>
+              <a:t>Position</a:t>
+            </a:r>
+          </a:p>
+          <a:p>
+            <a:pPr marL="285750" marR="0" lvl="0" indent="-285750" algn="l" defTabSz="914400" rtl="0" eaLnBrk="1" fontAlgn="auto" latinLnBrk="0" hangingPunct="1">
+              <a:lnSpc>
+                <a:spcPct val="100000"/>
+              </a:lnSpc>
+              <a:spcBef>
+                <a:spcPts val="0"/>
+              </a:spcBef>
+              <a:spcAft>
+                <a:spcPts val="0"/>
+              </a:spcAft>
+              <a:buClrTx/>
+              <a:buSzTx/>
+              <a:buFont typeface="Arial" panose="020B0604020202020204" pitchFamily="34" charset="0"/>
+              <a:buChar char="•"/>
+              <a:tabLst/>
+              <a:defRPr/>
+            </a:pPr>
+            <a:r>
+              <a:rPr kumimoji="0" lang="fr-BE" sz="1800" b="0" i="0" u="none" strike="noStrike" kern="1200" cap="none" spc="0" normalizeH="0" baseline="0" noProof="0" dirty="0">
+                <a:ln>
+                  <a:noFill/>
+                </a:ln>
+                <a:solidFill>
+                  <a:prstClr val="black"/>
+                </a:solidFill>
+                <a:effectLst/>
+                <a:uLnTx/>
+                <a:uFillTx/>
+                <a:latin typeface="Calibri" panose="020F0502020204030204"/>
+                <a:ea typeface="+mn-ea"/>
+                <a:cs typeface="+mn-cs"/>
+              </a:rPr>
+              <a:t>Vitesse</a:t>
+            </a:r>
+          </a:p>
+        </p:txBody>
+      </p:sp>
+      <p:sp>
+        <p:nvSpPr>
+          <p:cNvPr id="10" name="ZoneTexte 9">
+            <a:extLst>
+              <a:ext uri="{FF2B5EF4-FFF2-40B4-BE49-F238E27FC236}">
+                <a16:creationId xmlns:a16="http://schemas.microsoft.com/office/drawing/2014/main" id="{6C629290-9575-454E-BCC8-73EFBC77D8CD}"/>
+              </a:ext>
+            </a:extLst>
+          </p:cNvPr>
+          <p:cNvSpPr txBox="1"/>
+          <p:nvPr/>
+        </p:nvSpPr>
+        <p:spPr>
+          <a:xfrm>
+            <a:off x="1808922" y="3248444"/>
+            <a:ext cx="1497496" cy="369332"/>
+          </a:xfrm>
+          <a:prstGeom prst="rect">
+            <a:avLst/>
+          </a:prstGeom>
+          <a:noFill/>
+        </p:spPr>
+        <p:txBody>
+          <a:bodyPr wrap="square" rtlCol="0">
+            <a:spAutoFit/>
+          </a:bodyPr>
+          <a:lstStyle/>
+          <a:p>
+            <a:pPr marL="285750" marR="0" lvl="0" indent="-285750" algn="l" defTabSz="914400" rtl="0" eaLnBrk="1" fontAlgn="auto" latinLnBrk="0" hangingPunct="1">
+              <a:lnSpc>
+                <a:spcPct val="100000"/>
+              </a:lnSpc>
+              <a:spcBef>
+                <a:spcPts val="0"/>
+              </a:spcBef>
+              <a:spcAft>
+                <a:spcPts val="0"/>
+              </a:spcAft>
+              <a:buClrTx/>
+              <a:buSzTx/>
+              <a:buFont typeface="Arial" panose="020B0604020202020204" pitchFamily="34" charset="0"/>
+              <a:buChar char="•"/>
+              <a:tabLst/>
+              <a:defRPr/>
+            </a:pPr>
+            <a:r>
+              <a:rPr kumimoji="0" lang="fr-BE" sz="1800" b="0" i="0" u="none" strike="noStrike" kern="1200" cap="none" spc="0" normalizeH="0" baseline="0" noProof="0" dirty="0">
+                <a:ln>
+                  <a:noFill/>
+                </a:ln>
+                <a:solidFill>
+                  <a:prstClr val="black"/>
+                </a:solidFill>
+                <a:effectLst/>
+                <a:uLnTx/>
+                <a:uFillTx/>
+                <a:latin typeface="Calibri" panose="020F0502020204030204"/>
+                <a:ea typeface="+mn-ea"/>
+                <a:cs typeface="+mn-cs"/>
+              </a:rPr>
+              <a:t>Frames</a:t>
+            </a:r>
+          </a:p>
+        </p:txBody>
+      </p:sp>
+      <p:sp>
+        <p:nvSpPr>
+          <p:cNvPr id="11" name="ZoneTexte 10">
+            <a:extLst>
+              <a:ext uri="{FF2B5EF4-FFF2-40B4-BE49-F238E27FC236}">
+                <a16:creationId xmlns:a16="http://schemas.microsoft.com/office/drawing/2014/main" id="{E0D41928-EDCD-42F6-8049-5C950B21A49D}"/>
+              </a:ext>
+            </a:extLst>
+          </p:cNvPr>
+          <p:cNvSpPr txBox="1"/>
+          <p:nvPr/>
+        </p:nvSpPr>
+        <p:spPr>
+          <a:xfrm rot="19718952">
+            <a:off x="545858" y="2168815"/>
+            <a:ext cx="881948" cy="369332"/>
+          </a:xfrm>
+          <a:prstGeom prst="rect">
+            <a:avLst/>
+          </a:prstGeom>
+          <a:noFill/>
+        </p:spPr>
+        <p:txBody>
+          <a:bodyPr wrap="square" rtlCol="0">
+            <a:spAutoFit/>
+          </a:bodyPr>
+          <a:lstStyle/>
+          <a:p>
+            <a:pPr marL="0" marR="0" lvl="0" indent="0" algn="l" defTabSz="914400" rtl="0" eaLnBrk="1" fontAlgn="auto" latinLnBrk="0" hangingPunct="1">
+              <a:lnSpc>
+                <a:spcPct val="100000"/>
+              </a:lnSpc>
+              <a:spcBef>
+                <a:spcPts val="0"/>
+              </a:spcBef>
+              <a:spcAft>
+                <a:spcPts val="0"/>
+              </a:spcAft>
+              <a:buClrTx/>
+              <a:buSzTx/>
+              <a:buFontTx/>
+              <a:buNone/>
+              <a:tabLst/>
+              <a:defRPr/>
+            </a:pPr>
+            <a:r>
+              <a:rPr kumimoji="0" lang="fr-BE" sz="1800" b="0" i="0" u="none" strike="noStrike" kern="1200" cap="none" spc="0" normalizeH="0" baseline="0" noProof="0" dirty="0">
+                <a:ln>
+                  <a:noFill/>
+                </a:ln>
+                <a:solidFill>
+                  <a:prstClr val="black"/>
+                </a:solidFill>
+                <a:effectLst/>
+                <a:uLnTx/>
+                <a:uFillTx/>
+                <a:latin typeface="Calibri" panose="020F0502020204030204"/>
+                <a:ea typeface="+mn-ea"/>
+                <a:cs typeface="+mn-cs"/>
+              </a:rPr>
+              <a:t>radar</a:t>
+            </a:r>
+          </a:p>
+        </p:txBody>
+      </p:sp>
+      <p:sp>
+        <p:nvSpPr>
+          <p:cNvPr id="12" name="ZoneTexte 11">
+            <a:extLst>
+              <a:ext uri="{FF2B5EF4-FFF2-40B4-BE49-F238E27FC236}">
+                <a16:creationId xmlns:a16="http://schemas.microsoft.com/office/drawing/2014/main" id="{B4349DB0-9A05-47DD-92C2-7E381BAAEE67}"/>
+              </a:ext>
+            </a:extLst>
+          </p:cNvPr>
+          <p:cNvSpPr txBox="1"/>
+          <p:nvPr/>
+        </p:nvSpPr>
+        <p:spPr>
+          <a:xfrm rot="2010561">
+            <a:off x="568810" y="3145670"/>
+            <a:ext cx="914400" cy="369332"/>
+          </a:xfrm>
+          <a:prstGeom prst="rect">
+            <a:avLst/>
+          </a:prstGeom>
+          <a:noFill/>
+        </p:spPr>
+        <p:txBody>
+          <a:bodyPr wrap="square" rtlCol="0">
+            <a:spAutoFit/>
+          </a:bodyPr>
+          <a:lstStyle/>
+          <a:p>
+            <a:pPr marL="0" marR="0" lvl="0" indent="0" algn="l" defTabSz="914400" rtl="0" eaLnBrk="1" fontAlgn="auto" latinLnBrk="0" hangingPunct="1">
+              <a:lnSpc>
+                <a:spcPct val="100000"/>
+              </a:lnSpc>
+              <a:spcBef>
+                <a:spcPts val="0"/>
+              </a:spcBef>
+              <a:spcAft>
+                <a:spcPts val="0"/>
+              </a:spcAft>
+              <a:buClrTx/>
+              <a:buSzTx/>
+              <a:buFontTx/>
+              <a:buNone/>
+              <a:tabLst/>
+              <a:defRPr/>
+            </a:pPr>
+            <a:r>
+              <a:rPr kumimoji="0" lang="fr-BE" sz="1800" b="0" i="0" u="none" strike="noStrike" kern="1200" cap="none" spc="0" normalizeH="0" baseline="0" noProof="0" dirty="0">
+                <a:ln>
+                  <a:noFill/>
+                </a:ln>
+                <a:solidFill>
+                  <a:prstClr val="black"/>
+                </a:solidFill>
+                <a:effectLst/>
+                <a:uLnTx/>
+                <a:uFillTx/>
+                <a:latin typeface="Calibri" panose="020F0502020204030204"/>
+                <a:ea typeface="+mn-ea"/>
+                <a:cs typeface="+mn-cs"/>
+              </a:rPr>
+              <a:t>caméra</a:t>
+            </a:r>
+          </a:p>
+        </p:txBody>
+      </p:sp>
+      <p:cxnSp>
+        <p:nvCxnSpPr>
+          <p:cNvPr id="14" name="Connecteur droit avec flèche 13">
+            <a:extLst>
+              <a:ext uri="{FF2B5EF4-FFF2-40B4-BE49-F238E27FC236}">
+                <a16:creationId xmlns:a16="http://schemas.microsoft.com/office/drawing/2014/main" id="{3B3B7059-A8E9-4273-86A8-3F61801B8C3D}"/>
+              </a:ext>
+            </a:extLst>
+          </p:cNvPr>
+          <p:cNvCxnSpPr>
+            <a:cxnSpLocks/>
+          </p:cNvCxnSpPr>
+          <p:nvPr/>
+        </p:nvCxnSpPr>
+        <p:spPr>
+          <a:xfrm>
+            <a:off x="3306418" y="2295151"/>
+            <a:ext cx="1364974" cy="7669"/>
+          </a:xfrm>
+          <a:prstGeom prst="straightConnector1">
+            <a:avLst/>
+          </a:prstGeom>
+          <a:ln>
+            <a:tailEnd type="triangle"/>
+          </a:ln>
+        </p:spPr>
+        <p:style>
+          <a:lnRef idx="1">
+            <a:schemeClr val="dk1"/>
+          </a:lnRef>
+          <a:fillRef idx="0">
+            <a:schemeClr val="dk1"/>
+          </a:fillRef>
+          <a:effectRef idx="0">
+            <a:schemeClr val="dk1"/>
+          </a:effectRef>
+          <a:fontRef idx="minor">
+            <a:schemeClr val="tx1"/>
+          </a:fontRef>
+        </p:style>
+      </p:cxnSp>
+      <p:cxnSp>
+        <p:nvCxnSpPr>
+          <p:cNvPr id="15" name="Connecteur droit avec flèche 14">
+            <a:extLst>
+              <a:ext uri="{FF2B5EF4-FFF2-40B4-BE49-F238E27FC236}">
+                <a16:creationId xmlns:a16="http://schemas.microsoft.com/office/drawing/2014/main" id="{D19584F9-DCD2-460A-AE54-D2D9901F2F58}"/>
+              </a:ext>
+            </a:extLst>
+          </p:cNvPr>
+          <p:cNvCxnSpPr/>
+          <p:nvPr/>
+        </p:nvCxnSpPr>
+        <p:spPr>
+          <a:xfrm>
+            <a:off x="3306418" y="3438007"/>
+            <a:ext cx="1364974" cy="0"/>
+          </a:xfrm>
+          <a:prstGeom prst="straightConnector1">
+            <a:avLst/>
+          </a:prstGeom>
+          <a:ln>
+            <a:tailEnd type="triangle"/>
+          </a:ln>
+        </p:spPr>
+        <p:style>
+          <a:lnRef idx="1">
+            <a:schemeClr val="dk1"/>
+          </a:lnRef>
+          <a:fillRef idx="0">
+            <a:schemeClr val="dk1"/>
+          </a:fillRef>
+          <a:effectRef idx="0">
+            <a:schemeClr val="dk1"/>
+          </a:effectRef>
+          <a:fontRef idx="minor">
+            <a:schemeClr val="tx1"/>
+          </a:fontRef>
+        </p:style>
+      </p:cxnSp>
+      <p:sp>
+        <p:nvSpPr>
+          <p:cNvPr id="17" name="ZoneTexte 16">
+            <a:extLst>
+              <a:ext uri="{FF2B5EF4-FFF2-40B4-BE49-F238E27FC236}">
+                <a16:creationId xmlns:a16="http://schemas.microsoft.com/office/drawing/2014/main" id="{1B74F4C4-BBB8-4742-BBEA-8A1B64C848F4}"/>
+              </a:ext>
+            </a:extLst>
+          </p:cNvPr>
+          <p:cNvSpPr txBox="1"/>
+          <p:nvPr/>
+        </p:nvSpPr>
+        <p:spPr>
+          <a:xfrm>
+            <a:off x="3438940" y="1656489"/>
+            <a:ext cx="1232452" cy="646331"/>
+          </a:xfrm>
+          <a:prstGeom prst="rect">
+            <a:avLst/>
+          </a:prstGeom>
+          <a:noFill/>
+        </p:spPr>
+        <p:txBody>
+          <a:bodyPr wrap="square" rtlCol="0">
+            <a:spAutoFit/>
+          </a:bodyPr>
+          <a:lstStyle/>
+          <a:p>
+            <a:pPr marL="0" marR="0" lvl="0" indent="0" algn="l" defTabSz="914400" rtl="0" eaLnBrk="1" fontAlgn="auto" latinLnBrk="0" hangingPunct="1">
+              <a:lnSpc>
+                <a:spcPct val="100000"/>
+              </a:lnSpc>
+              <a:spcBef>
+                <a:spcPts val="0"/>
+              </a:spcBef>
+              <a:spcAft>
+                <a:spcPts val="0"/>
+              </a:spcAft>
+              <a:buClrTx/>
+              <a:buSzTx/>
+              <a:buFontTx/>
+              <a:buNone/>
+              <a:tabLst/>
+              <a:defRPr/>
+            </a:pPr>
+            <a:r>
+              <a:rPr kumimoji="0" lang="fr-BE" sz="1800" b="0" i="0" u="none" strike="noStrike" kern="1200" cap="none" spc="0" normalizeH="0" baseline="0" noProof="0" dirty="0">
+                <a:ln>
+                  <a:noFill/>
+                </a:ln>
+                <a:solidFill>
+                  <a:prstClr val="black"/>
+                </a:solidFill>
+                <a:effectLst/>
+                <a:uLnTx/>
+                <a:uFillTx/>
+                <a:latin typeface="Calibri" panose="020F0502020204030204"/>
+                <a:ea typeface="+mn-ea"/>
+                <a:cs typeface="+mn-cs"/>
+              </a:rPr>
+              <a:t>Extraction de (</a:t>
+            </a:r>
+            <a:r>
+              <a:rPr kumimoji="0" lang="fr-BE" sz="1800" b="0" i="0" u="none" strike="noStrike" kern="1200" cap="none" spc="0" normalizeH="0" baseline="0" noProof="0" dirty="0" err="1">
+                <a:ln>
+                  <a:noFill/>
+                </a:ln>
+                <a:solidFill>
+                  <a:prstClr val="black"/>
+                </a:solidFill>
+                <a:effectLst/>
+                <a:uLnTx/>
+                <a:uFillTx/>
+                <a:latin typeface="Calibri" panose="020F0502020204030204"/>
+                <a:ea typeface="+mn-ea"/>
+                <a:cs typeface="+mn-cs"/>
+              </a:rPr>
+              <a:t>d,v</a:t>
+            </a:r>
+            <a:r>
+              <a:rPr kumimoji="0" lang="fr-BE" sz="1800" b="0" i="0" u="none" strike="noStrike" kern="1200" cap="none" spc="0" normalizeH="0" baseline="0" noProof="0" dirty="0">
+                <a:ln>
+                  <a:noFill/>
+                </a:ln>
+                <a:solidFill>
+                  <a:prstClr val="black"/>
+                </a:solidFill>
+                <a:effectLst/>
+                <a:uLnTx/>
+                <a:uFillTx/>
+                <a:latin typeface="Calibri" panose="020F0502020204030204"/>
+                <a:ea typeface="+mn-ea"/>
+                <a:cs typeface="+mn-cs"/>
+              </a:rPr>
+              <a:t>)</a:t>
+            </a:r>
+          </a:p>
+        </p:txBody>
+      </p:sp>
+      <p:sp>
+        <p:nvSpPr>
+          <p:cNvPr id="18" name="ZoneTexte 17">
+            <a:extLst>
+              <a:ext uri="{FF2B5EF4-FFF2-40B4-BE49-F238E27FC236}">
+                <a16:creationId xmlns:a16="http://schemas.microsoft.com/office/drawing/2014/main" id="{0E285BC0-D837-41CB-B760-DE17493A6B83}"/>
+              </a:ext>
+            </a:extLst>
+          </p:cNvPr>
+          <p:cNvSpPr txBox="1"/>
+          <p:nvPr/>
+        </p:nvSpPr>
+        <p:spPr>
+          <a:xfrm flipH="1">
+            <a:off x="3431648" y="2796788"/>
+            <a:ext cx="1514395" cy="646331"/>
+          </a:xfrm>
+          <a:prstGeom prst="rect">
+            <a:avLst/>
+          </a:prstGeom>
+          <a:noFill/>
+        </p:spPr>
+        <p:txBody>
+          <a:bodyPr wrap="square" rtlCol="0">
+            <a:spAutoFit/>
+          </a:bodyPr>
+          <a:lstStyle/>
+          <a:p>
+            <a:pPr marL="0" marR="0" lvl="0" indent="0" algn="l" defTabSz="914400" rtl="0" eaLnBrk="1" fontAlgn="auto" latinLnBrk="0" hangingPunct="1">
+              <a:lnSpc>
+                <a:spcPct val="100000"/>
+              </a:lnSpc>
+              <a:spcBef>
+                <a:spcPts val="0"/>
+              </a:spcBef>
+              <a:spcAft>
+                <a:spcPts val="0"/>
+              </a:spcAft>
+              <a:buClrTx/>
+              <a:buSzTx/>
+              <a:buFontTx/>
+              <a:buNone/>
+              <a:tabLst/>
+              <a:defRPr/>
+            </a:pPr>
+            <a:r>
+              <a:rPr kumimoji="0" lang="fr-BE" sz="1800" b="0" i="0" u="none" strike="noStrike" kern="1200" cap="none" spc="0" normalizeH="0" baseline="0" noProof="0" dirty="0">
+                <a:ln>
+                  <a:noFill/>
+                </a:ln>
+                <a:solidFill>
+                  <a:prstClr val="black"/>
+                </a:solidFill>
+                <a:effectLst/>
+                <a:uLnTx/>
+                <a:uFillTx/>
+                <a:latin typeface="Calibri" panose="020F0502020204030204"/>
+                <a:ea typeface="+mn-ea"/>
+                <a:cs typeface="+mn-cs"/>
+              </a:rPr>
+              <a:t>Extraction de (</a:t>
+            </a:r>
+            <a:r>
+              <a:rPr kumimoji="0" lang="fr-BE" sz="1800" b="0" i="0" u="none" strike="noStrike" kern="1200" cap="none" spc="0" normalizeH="0" baseline="0" noProof="0" dirty="0" err="1">
+                <a:ln>
+                  <a:noFill/>
+                </a:ln>
+                <a:solidFill>
+                  <a:prstClr val="black"/>
+                </a:solidFill>
+                <a:effectLst/>
+                <a:uLnTx/>
+                <a:uFillTx/>
+                <a:latin typeface="Calibri" panose="020F0502020204030204"/>
+                <a:ea typeface="+mn-ea"/>
+                <a:cs typeface="+mn-cs"/>
+              </a:rPr>
+              <a:t>theta</a:t>
+            </a:r>
+            <a:r>
+              <a:rPr kumimoji="0" lang="fr-BE" sz="1800" b="0" i="0" u="none" strike="noStrike" kern="1200" cap="none" spc="0" normalizeH="0" baseline="0" noProof="0" dirty="0">
+                <a:ln>
+                  <a:noFill/>
+                </a:ln>
+                <a:solidFill>
+                  <a:prstClr val="black"/>
+                </a:solidFill>
+                <a:effectLst/>
+                <a:uLnTx/>
+                <a:uFillTx/>
+                <a:latin typeface="Calibri" panose="020F0502020204030204"/>
+                <a:ea typeface="+mn-ea"/>
+                <a:cs typeface="+mn-cs"/>
+              </a:rPr>
+              <a:t>, phi)</a:t>
+            </a:r>
+          </a:p>
+        </p:txBody>
+      </p:sp>
+      <p:sp>
+        <p:nvSpPr>
+          <p:cNvPr id="19" name="ZoneTexte 18">
+            <a:extLst>
+              <a:ext uri="{FF2B5EF4-FFF2-40B4-BE49-F238E27FC236}">
+                <a16:creationId xmlns:a16="http://schemas.microsoft.com/office/drawing/2014/main" id="{B0F44A7F-7243-46F0-AE81-2D86F1A30663}"/>
+              </a:ext>
+            </a:extLst>
+          </p:cNvPr>
+          <p:cNvSpPr txBox="1"/>
+          <p:nvPr/>
+        </p:nvSpPr>
+        <p:spPr>
+          <a:xfrm>
+            <a:off x="4946043" y="3153229"/>
+            <a:ext cx="2375783" cy="646331"/>
+          </a:xfrm>
+          <a:prstGeom prst="rect">
+            <a:avLst/>
+          </a:prstGeom>
+          <a:noFill/>
+        </p:spPr>
+        <p:txBody>
+          <a:bodyPr wrap="square" rtlCol="0">
+            <a:spAutoFit/>
+          </a:bodyPr>
+          <a:lstStyle/>
+          <a:p>
+            <a:pPr marL="0" marR="0" lvl="0" indent="0" algn="l" defTabSz="914400" rtl="0" eaLnBrk="1" fontAlgn="auto" latinLnBrk="0" hangingPunct="1">
+              <a:lnSpc>
+                <a:spcPct val="100000"/>
+              </a:lnSpc>
+              <a:spcBef>
+                <a:spcPts val="0"/>
+              </a:spcBef>
+              <a:spcAft>
+                <a:spcPts val="0"/>
+              </a:spcAft>
+              <a:buClrTx/>
+              <a:buSzTx/>
+              <a:buFontTx/>
+              <a:buNone/>
+              <a:tabLst/>
+              <a:defRPr/>
+            </a:pPr>
+            <a:r>
+              <a:rPr kumimoji="0" lang="fr-BE" sz="1800" b="0" i="0" u="none" strike="noStrike" kern="1200" cap="none" spc="0" normalizeH="0" baseline="0" noProof="0" dirty="0">
+                <a:ln>
+                  <a:noFill/>
+                </a:ln>
+                <a:solidFill>
+                  <a:prstClr val="black"/>
+                </a:solidFill>
+                <a:effectLst/>
+                <a:uLnTx/>
+                <a:uFillTx/>
+                <a:latin typeface="Calibri" panose="020F0502020204030204"/>
+                <a:ea typeface="+mn-ea"/>
+                <a:cs typeface="+mn-cs"/>
+              </a:rPr>
+              <a:t>Update de (</a:t>
+            </a:r>
+            <a:r>
+              <a:rPr kumimoji="0" lang="fr-BE" sz="1800" b="0" i="0" u="none" strike="noStrike" kern="1200" cap="none" spc="0" normalizeH="0" baseline="0" noProof="0" dirty="0" err="1">
+                <a:ln>
+                  <a:noFill/>
+                </a:ln>
+                <a:solidFill>
+                  <a:prstClr val="black"/>
+                </a:solidFill>
+                <a:effectLst/>
+                <a:uLnTx/>
+                <a:uFillTx/>
+                <a:latin typeface="Calibri" panose="020F0502020204030204"/>
+                <a:ea typeface="+mn-ea"/>
+                <a:cs typeface="+mn-cs"/>
+              </a:rPr>
+              <a:t>theta</a:t>
+            </a:r>
+            <a:r>
+              <a:rPr kumimoji="0" lang="fr-BE" sz="1800" b="0" i="0" u="none" strike="noStrike" kern="1200" cap="none" spc="0" normalizeH="0" baseline="0" noProof="0" dirty="0">
+                <a:ln>
+                  <a:noFill/>
+                </a:ln>
+                <a:solidFill>
+                  <a:prstClr val="black"/>
+                </a:solidFill>
+                <a:effectLst/>
+                <a:uLnTx/>
+                <a:uFillTx/>
+                <a:latin typeface="Calibri" panose="020F0502020204030204"/>
+                <a:ea typeface="+mn-ea"/>
+                <a:cs typeface="+mn-cs"/>
+              </a:rPr>
+              <a:t>, phi)</a:t>
+            </a:r>
+          </a:p>
+          <a:p>
+            <a:pPr marL="0" marR="0" lvl="0" indent="0" algn="l" defTabSz="914400" rtl="0" eaLnBrk="1" fontAlgn="auto" latinLnBrk="0" hangingPunct="1">
+              <a:lnSpc>
+                <a:spcPct val="100000"/>
+              </a:lnSpc>
+              <a:spcBef>
+                <a:spcPts val="0"/>
+              </a:spcBef>
+              <a:spcAft>
+                <a:spcPts val="0"/>
+              </a:spcAft>
+              <a:buClrTx/>
+              <a:buSzTx/>
+              <a:buFontTx/>
+              <a:buNone/>
+              <a:tabLst/>
+              <a:defRPr/>
+            </a:pPr>
+            <a:r>
+              <a:rPr kumimoji="0" lang="fr-BE" sz="1800" b="0" i="0" u="none" strike="noStrike" kern="1200" cap="none" spc="0" normalizeH="0" baseline="0" noProof="0" dirty="0">
+                <a:ln>
+                  <a:noFill/>
+                </a:ln>
+                <a:solidFill>
+                  <a:prstClr val="black"/>
+                </a:solidFill>
+                <a:effectLst/>
+                <a:uLnTx/>
+                <a:uFillTx/>
+                <a:latin typeface="Calibri" panose="020F0502020204030204"/>
+                <a:ea typeface="+mn-ea"/>
+                <a:cs typeface="+mn-cs"/>
+              </a:rPr>
+              <a:t>via la simu radar</a:t>
+            </a:r>
+          </a:p>
+        </p:txBody>
+      </p:sp>
+      <p:cxnSp>
+        <p:nvCxnSpPr>
+          <p:cNvPr id="21" name="Connecteur droit avec flèche 20">
+            <a:extLst>
+              <a:ext uri="{FF2B5EF4-FFF2-40B4-BE49-F238E27FC236}">
+                <a16:creationId xmlns:a16="http://schemas.microsoft.com/office/drawing/2014/main" id="{B270F251-8B00-4E3E-800D-AD602B84DD3C}"/>
+              </a:ext>
+            </a:extLst>
+          </p:cNvPr>
+          <p:cNvCxnSpPr>
+            <a:cxnSpLocks/>
+          </p:cNvCxnSpPr>
+          <p:nvPr/>
+        </p:nvCxnSpPr>
+        <p:spPr>
+          <a:xfrm>
+            <a:off x="7321826" y="3429000"/>
+            <a:ext cx="742122" cy="4111"/>
+          </a:xfrm>
+          <a:prstGeom prst="straightConnector1">
+            <a:avLst/>
+          </a:prstGeom>
+          <a:ln>
+            <a:tailEnd type="triangle"/>
+          </a:ln>
+        </p:spPr>
+        <p:style>
+          <a:lnRef idx="1">
+            <a:schemeClr val="dk1"/>
+          </a:lnRef>
+          <a:fillRef idx="0">
+            <a:schemeClr val="dk1"/>
+          </a:fillRef>
+          <a:effectRef idx="0">
+            <a:schemeClr val="dk1"/>
+          </a:effectRef>
+          <a:fontRef idx="minor">
+            <a:schemeClr val="tx1"/>
+          </a:fontRef>
+        </p:style>
+      </p:cxnSp>
+      <p:sp>
+        <p:nvSpPr>
+          <p:cNvPr id="23" name="ZoneTexte 22">
+            <a:extLst>
+              <a:ext uri="{FF2B5EF4-FFF2-40B4-BE49-F238E27FC236}">
+                <a16:creationId xmlns:a16="http://schemas.microsoft.com/office/drawing/2014/main" id="{C717708A-1526-443F-B806-9FD9F9106DFE}"/>
+              </a:ext>
+            </a:extLst>
+          </p:cNvPr>
+          <p:cNvSpPr txBox="1"/>
+          <p:nvPr/>
+        </p:nvSpPr>
+        <p:spPr>
+          <a:xfrm>
+            <a:off x="8232994" y="2632794"/>
+            <a:ext cx="1476065" cy="369332"/>
+          </a:xfrm>
+          <a:prstGeom prst="rect">
+            <a:avLst/>
+          </a:prstGeom>
+          <a:noFill/>
+        </p:spPr>
+        <p:txBody>
+          <a:bodyPr wrap="square" rtlCol="0">
+            <a:spAutoFit/>
+          </a:bodyPr>
+          <a:lstStyle/>
+          <a:p>
+            <a:pPr marL="0" marR="0" lvl="0" indent="0" algn="l" defTabSz="914400" rtl="0" eaLnBrk="1" fontAlgn="auto" latinLnBrk="0" hangingPunct="1">
+              <a:lnSpc>
+                <a:spcPct val="100000"/>
+              </a:lnSpc>
+              <a:spcBef>
+                <a:spcPts val="0"/>
+              </a:spcBef>
+              <a:spcAft>
+                <a:spcPts val="0"/>
+              </a:spcAft>
+              <a:buClrTx/>
+              <a:buSzTx/>
+              <a:buFontTx/>
+              <a:buNone/>
+              <a:tabLst/>
+              <a:defRPr/>
+            </a:pPr>
+            <a:r>
+              <a:rPr lang="fr-BE" dirty="0">
+                <a:solidFill>
+                  <a:prstClr val="black"/>
+                </a:solidFill>
+                <a:latin typeface="Calibri" panose="020F0502020204030204"/>
+              </a:rPr>
+              <a:t>Transformers</a:t>
+            </a:r>
+            <a:endParaRPr kumimoji="0" lang="fr-BE" sz="1800" b="0" i="0" u="none" strike="noStrike" kern="1200" cap="none" spc="0" normalizeH="0" baseline="0" noProof="0" dirty="0">
+              <a:ln>
+                <a:noFill/>
+              </a:ln>
+              <a:solidFill>
+                <a:prstClr val="black"/>
+              </a:solidFill>
+              <a:effectLst/>
+              <a:uLnTx/>
+              <a:uFillTx/>
+              <a:latin typeface="Calibri" panose="020F0502020204030204"/>
+              <a:ea typeface="+mn-ea"/>
+              <a:cs typeface="+mn-cs"/>
+            </a:endParaRPr>
+          </a:p>
+        </p:txBody>
+      </p:sp>
+      <p:cxnSp>
+        <p:nvCxnSpPr>
+          <p:cNvPr id="24" name="Connecteur droit avec flèche 23">
+            <a:extLst>
+              <a:ext uri="{FF2B5EF4-FFF2-40B4-BE49-F238E27FC236}">
+                <a16:creationId xmlns:a16="http://schemas.microsoft.com/office/drawing/2014/main" id="{2E7D5389-038F-4DD0-9F8B-05CB7294C991}"/>
+              </a:ext>
+            </a:extLst>
+          </p:cNvPr>
+          <p:cNvCxnSpPr>
+            <a:cxnSpLocks/>
+          </p:cNvCxnSpPr>
+          <p:nvPr/>
+        </p:nvCxnSpPr>
+        <p:spPr>
+          <a:xfrm flipV="1">
+            <a:off x="8063948" y="3153229"/>
+            <a:ext cx="282162" cy="282855"/>
+          </a:xfrm>
+          <a:prstGeom prst="straightConnector1">
+            <a:avLst/>
+          </a:prstGeom>
+          <a:ln>
+            <a:tailEnd type="triangle"/>
+          </a:ln>
+        </p:spPr>
+        <p:style>
+          <a:lnRef idx="1">
+            <a:schemeClr val="dk1"/>
+          </a:lnRef>
+          <a:fillRef idx="0">
+            <a:schemeClr val="dk1"/>
+          </a:fillRef>
+          <a:effectRef idx="0">
+            <a:schemeClr val="dk1"/>
+          </a:effectRef>
+          <a:fontRef idx="minor">
+            <a:schemeClr val="tx1"/>
+          </a:fontRef>
+        </p:style>
+      </p:cxnSp>
+      <p:cxnSp>
+        <p:nvCxnSpPr>
+          <p:cNvPr id="25" name="Connecteur droit avec flèche 24">
+            <a:extLst>
+              <a:ext uri="{FF2B5EF4-FFF2-40B4-BE49-F238E27FC236}">
+                <a16:creationId xmlns:a16="http://schemas.microsoft.com/office/drawing/2014/main" id="{76183DE0-03C7-4128-939F-EDF18FA01485}"/>
+              </a:ext>
+            </a:extLst>
+          </p:cNvPr>
+          <p:cNvCxnSpPr>
+            <a:cxnSpLocks/>
+          </p:cNvCxnSpPr>
+          <p:nvPr/>
+        </p:nvCxnSpPr>
+        <p:spPr>
+          <a:xfrm>
+            <a:off x="8063948" y="2295151"/>
+            <a:ext cx="282162" cy="298174"/>
+          </a:xfrm>
+          <a:prstGeom prst="straightConnector1">
+            <a:avLst/>
+          </a:prstGeom>
+          <a:ln>
+            <a:tailEnd type="triangle"/>
+          </a:ln>
+        </p:spPr>
+        <p:style>
+          <a:lnRef idx="1">
+            <a:schemeClr val="dk1"/>
+          </a:lnRef>
+          <a:fillRef idx="0">
+            <a:schemeClr val="dk1"/>
+          </a:fillRef>
+          <a:effectRef idx="0">
+            <a:schemeClr val="dk1"/>
+          </a:effectRef>
+          <a:fontRef idx="minor">
+            <a:schemeClr val="tx1"/>
+          </a:fontRef>
+        </p:style>
+      </p:cxnSp>
+      <p:cxnSp>
+        <p:nvCxnSpPr>
+          <p:cNvPr id="29" name="Connecteur droit avec flèche 28">
+            <a:extLst>
+              <a:ext uri="{FF2B5EF4-FFF2-40B4-BE49-F238E27FC236}">
+                <a16:creationId xmlns:a16="http://schemas.microsoft.com/office/drawing/2014/main" id="{E520D547-0469-4A66-8313-129232339641}"/>
+              </a:ext>
+            </a:extLst>
+          </p:cNvPr>
+          <p:cNvCxnSpPr>
+            <a:cxnSpLocks/>
+          </p:cNvCxnSpPr>
+          <p:nvPr/>
+        </p:nvCxnSpPr>
+        <p:spPr>
+          <a:xfrm flipV="1">
+            <a:off x="9636646" y="2827505"/>
+            <a:ext cx="348579" cy="9364"/>
+          </a:xfrm>
+          <a:prstGeom prst="straightConnector1">
+            <a:avLst/>
+          </a:prstGeom>
+          <a:ln>
+            <a:tailEnd type="triangle"/>
+          </a:ln>
+        </p:spPr>
+        <p:style>
+          <a:lnRef idx="1">
+            <a:schemeClr val="dk1"/>
+          </a:lnRef>
+          <a:fillRef idx="0">
+            <a:schemeClr val="dk1"/>
+          </a:fillRef>
+          <a:effectRef idx="0">
+            <a:schemeClr val="dk1"/>
+          </a:effectRef>
+          <a:fontRef idx="minor">
+            <a:schemeClr val="tx1"/>
+          </a:fontRef>
+        </p:style>
+      </p:cxnSp>
+      <p:sp>
+        <p:nvSpPr>
+          <p:cNvPr id="30" name="ZoneTexte 29">
+            <a:extLst>
+              <a:ext uri="{FF2B5EF4-FFF2-40B4-BE49-F238E27FC236}">
+                <a16:creationId xmlns:a16="http://schemas.microsoft.com/office/drawing/2014/main" id="{A41AE9BF-83DF-4B5D-9673-1807C35178D5}"/>
+              </a:ext>
+            </a:extLst>
+          </p:cNvPr>
+          <p:cNvSpPr txBox="1"/>
+          <p:nvPr/>
+        </p:nvSpPr>
+        <p:spPr>
+          <a:xfrm>
+            <a:off x="9985225" y="2623430"/>
+            <a:ext cx="2089425" cy="369332"/>
+          </a:xfrm>
+          <a:prstGeom prst="rect">
+            <a:avLst/>
+          </a:prstGeom>
+          <a:noFill/>
+        </p:spPr>
+        <p:txBody>
+          <a:bodyPr wrap="square" rtlCol="0">
+            <a:spAutoFit/>
+          </a:bodyPr>
+          <a:lstStyle/>
+          <a:p>
+            <a:pPr marL="0" marR="0" lvl="0" indent="0" algn="l" defTabSz="914400" rtl="0" eaLnBrk="1" fontAlgn="auto" latinLnBrk="0" hangingPunct="1">
+              <a:lnSpc>
+                <a:spcPct val="100000"/>
+              </a:lnSpc>
+              <a:spcBef>
+                <a:spcPts val="0"/>
+              </a:spcBef>
+              <a:spcAft>
+                <a:spcPts val="0"/>
+              </a:spcAft>
+              <a:buClrTx/>
+              <a:buSzTx/>
+              <a:buFontTx/>
+              <a:buNone/>
+              <a:tabLst/>
+              <a:defRPr/>
+            </a:pPr>
+            <a:r>
+              <a:rPr kumimoji="0" lang="fr-BE" sz="1800" b="0" i="0" u="none" strike="noStrike" kern="1200" cap="none" spc="0" normalizeH="0" baseline="0" noProof="0" dirty="0">
+                <a:ln>
+                  <a:noFill/>
+                </a:ln>
+                <a:solidFill>
+                  <a:prstClr val="black"/>
+                </a:solidFill>
+                <a:effectLst/>
+                <a:uLnTx/>
+                <a:uFillTx/>
+                <a:latin typeface="Calibri" panose="020F0502020204030204"/>
+                <a:ea typeface="+mn-ea"/>
+                <a:cs typeface="+mn-cs"/>
+              </a:rPr>
+              <a:t>New (</a:t>
+            </a:r>
+            <a:r>
+              <a:rPr kumimoji="0" lang="fr-BE" sz="1800" b="0" i="0" u="none" strike="noStrike" kern="1200" cap="none" spc="0" normalizeH="0" baseline="0" noProof="0" dirty="0" err="1">
+                <a:ln>
+                  <a:noFill/>
+                </a:ln>
+                <a:solidFill>
+                  <a:prstClr val="black"/>
+                </a:solidFill>
+                <a:effectLst/>
+                <a:uLnTx/>
+                <a:uFillTx/>
+                <a:latin typeface="Calibri" panose="020F0502020204030204"/>
+                <a:ea typeface="+mn-ea"/>
+                <a:cs typeface="+mn-cs"/>
+              </a:rPr>
+              <a:t>d,v</a:t>
+            </a:r>
+            <a:r>
+              <a:rPr kumimoji="0" lang="fr-BE" sz="1800" b="0" i="0" u="none" strike="noStrike" kern="1200" cap="none" spc="0" normalizeH="0" baseline="0" noProof="0" dirty="0">
+                <a:ln>
+                  <a:noFill/>
+                </a:ln>
+                <a:solidFill>
+                  <a:prstClr val="black"/>
+                </a:solidFill>
+                <a:effectLst/>
+                <a:uLnTx/>
+                <a:uFillTx/>
+                <a:latin typeface="Calibri" panose="020F0502020204030204"/>
+                <a:ea typeface="+mn-ea"/>
+                <a:cs typeface="+mn-cs"/>
+              </a:rPr>
+              <a:t>, </a:t>
+            </a:r>
+            <a:r>
+              <a:rPr kumimoji="0" lang="fr-BE" sz="1800" b="0" i="0" u="none" strike="noStrike" kern="1200" cap="none" spc="0" normalizeH="0" baseline="0" noProof="0" dirty="0" err="1">
+                <a:ln>
+                  <a:noFill/>
+                </a:ln>
+                <a:solidFill>
+                  <a:prstClr val="black"/>
+                </a:solidFill>
+                <a:effectLst/>
+                <a:uLnTx/>
+                <a:uFillTx/>
+                <a:latin typeface="Calibri" panose="020F0502020204030204"/>
+                <a:ea typeface="+mn-ea"/>
+                <a:cs typeface="+mn-cs"/>
+              </a:rPr>
+              <a:t>theta</a:t>
+            </a:r>
+            <a:r>
+              <a:rPr kumimoji="0" lang="fr-BE" sz="1800" b="0" i="0" u="none" strike="noStrike" kern="1200" cap="none" spc="0" normalizeH="0" baseline="0" noProof="0" dirty="0">
+                <a:ln>
+                  <a:noFill/>
+                </a:ln>
+                <a:solidFill>
+                  <a:prstClr val="black"/>
+                </a:solidFill>
+                <a:effectLst/>
+                <a:uLnTx/>
+                <a:uFillTx/>
+                <a:latin typeface="Calibri" panose="020F0502020204030204"/>
+                <a:ea typeface="+mn-ea"/>
+                <a:cs typeface="+mn-cs"/>
+              </a:rPr>
+              <a:t>, phi)</a:t>
+            </a:r>
+          </a:p>
+        </p:txBody>
+      </p:sp>
+      <p:sp>
+        <p:nvSpPr>
+          <p:cNvPr id="34" name="ZoneTexte 33">
+            <a:extLst>
+              <a:ext uri="{FF2B5EF4-FFF2-40B4-BE49-F238E27FC236}">
+                <a16:creationId xmlns:a16="http://schemas.microsoft.com/office/drawing/2014/main" id="{54599E31-52B0-4FA3-A3D7-544B0045CA6F}"/>
+              </a:ext>
+            </a:extLst>
+          </p:cNvPr>
+          <p:cNvSpPr txBox="1"/>
+          <p:nvPr/>
+        </p:nvSpPr>
+        <p:spPr>
+          <a:xfrm>
+            <a:off x="4946043" y="1946994"/>
+            <a:ext cx="2375783" cy="646331"/>
+          </a:xfrm>
+          <a:prstGeom prst="rect">
+            <a:avLst/>
+          </a:prstGeom>
+          <a:noFill/>
+        </p:spPr>
+        <p:txBody>
+          <a:bodyPr wrap="square" rtlCol="0">
+            <a:spAutoFit/>
+          </a:bodyPr>
+          <a:lstStyle/>
+          <a:p>
+            <a:pPr marL="0" marR="0" lvl="0" indent="0" algn="l" defTabSz="914400" rtl="0" eaLnBrk="1" fontAlgn="auto" latinLnBrk="0" hangingPunct="1">
+              <a:lnSpc>
+                <a:spcPct val="100000"/>
+              </a:lnSpc>
+              <a:spcBef>
+                <a:spcPts val="0"/>
+              </a:spcBef>
+              <a:spcAft>
+                <a:spcPts val="0"/>
+              </a:spcAft>
+              <a:buClrTx/>
+              <a:buSzTx/>
+              <a:buFontTx/>
+              <a:buNone/>
+              <a:tabLst/>
+              <a:defRPr/>
+            </a:pPr>
+            <a:r>
+              <a:rPr kumimoji="0" lang="fr-BE" sz="1800" b="0" i="0" u="none" strike="noStrike" kern="1200" cap="none" spc="0" normalizeH="0" baseline="0" noProof="0" dirty="0">
+                <a:ln>
+                  <a:noFill/>
+                </a:ln>
+                <a:solidFill>
+                  <a:prstClr val="black"/>
+                </a:solidFill>
+                <a:effectLst/>
+                <a:uLnTx/>
+                <a:uFillTx/>
+                <a:latin typeface="Calibri" panose="020F0502020204030204"/>
+                <a:ea typeface="+mn-ea"/>
+                <a:cs typeface="+mn-cs"/>
+              </a:rPr>
+              <a:t>Update de (</a:t>
+            </a:r>
+            <a:r>
+              <a:rPr kumimoji="0" lang="fr-BE" sz="1800" b="0" i="0" u="none" strike="noStrike" kern="1200" cap="none" spc="0" normalizeH="0" baseline="0" noProof="0" dirty="0" err="1">
+                <a:ln>
+                  <a:noFill/>
+                </a:ln>
+                <a:solidFill>
+                  <a:prstClr val="black"/>
+                </a:solidFill>
+                <a:effectLst/>
+                <a:uLnTx/>
+                <a:uFillTx/>
+                <a:latin typeface="Calibri" panose="020F0502020204030204"/>
+                <a:ea typeface="+mn-ea"/>
+                <a:cs typeface="+mn-cs"/>
+              </a:rPr>
+              <a:t>d,v</a:t>
+            </a:r>
+            <a:r>
+              <a:rPr kumimoji="0" lang="fr-BE" sz="1800" b="0" i="0" u="none" strike="noStrike" kern="1200" cap="none" spc="0" normalizeH="0" baseline="0" noProof="0" dirty="0">
+                <a:ln>
+                  <a:noFill/>
+                </a:ln>
+                <a:solidFill>
+                  <a:prstClr val="black"/>
+                </a:solidFill>
+                <a:effectLst/>
+                <a:uLnTx/>
+                <a:uFillTx/>
+                <a:latin typeface="Calibri" panose="020F0502020204030204"/>
+                <a:ea typeface="+mn-ea"/>
+                <a:cs typeface="+mn-cs"/>
+              </a:rPr>
+              <a:t>)</a:t>
+            </a:r>
+          </a:p>
+          <a:p>
+            <a:pPr marL="0" marR="0" lvl="0" indent="0" algn="l" defTabSz="914400" rtl="0" eaLnBrk="1" fontAlgn="auto" latinLnBrk="0" hangingPunct="1">
+              <a:lnSpc>
+                <a:spcPct val="100000"/>
+              </a:lnSpc>
+              <a:spcBef>
+                <a:spcPts val="0"/>
+              </a:spcBef>
+              <a:spcAft>
+                <a:spcPts val="0"/>
+              </a:spcAft>
+              <a:buClrTx/>
+              <a:buSzTx/>
+              <a:buFontTx/>
+              <a:buNone/>
+              <a:tabLst/>
+              <a:defRPr/>
+            </a:pPr>
+            <a:r>
+              <a:rPr kumimoji="0" lang="fr-BE" sz="1800" b="0" i="0" u="none" strike="noStrike" kern="1200" cap="none" spc="0" normalizeH="0" baseline="0" noProof="0" dirty="0">
+                <a:ln>
+                  <a:noFill/>
+                </a:ln>
+                <a:solidFill>
+                  <a:prstClr val="black"/>
+                </a:solidFill>
+                <a:effectLst/>
+                <a:uLnTx/>
+                <a:uFillTx/>
+                <a:latin typeface="Calibri" panose="020F0502020204030204"/>
+                <a:ea typeface="+mn-ea"/>
+                <a:cs typeface="+mn-cs"/>
+              </a:rPr>
+              <a:t>via la simu radar</a:t>
+            </a:r>
+          </a:p>
+        </p:txBody>
+      </p:sp>
+      <p:cxnSp>
+        <p:nvCxnSpPr>
+          <p:cNvPr id="35" name="Connecteur droit avec flèche 34">
+            <a:extLst>
+              <a:ext uri="{FF2B5EF4-FFF2-40B4-BE49-F238E27FC236}">
+                <a16:creationId xmlns:a16="http://schemas.microsoft.com/office/drawing/2014/main" id="{A8830182-112B-4671-B5A9-F7D664A1DDBE}"/>
+              </a:ext>
+            </a:extLst>
+          </p:cNvPr>
+          <p:cNvCxnSpPr>
+            <a:cxnSpLocks/>
+          </p:cNvCxnSpPr>
+          <p:nvPr/>
+        </p:nvCxnSpPr>
+        <p:spPr>
+          <a:xfrm flipV="1">
+            <a:off x="7218018" y="2314391"/>
+            <a:ext cx="845930" cy="10009"/>
+          </a:xfrm>
+          <a:prstGeom prst="straightConnector1">
+            <a:avLst/>
+          </a:prstGeom>
+          <a:ln>
+            <a:tailEnd type="triangle"/>
+          </a:ln>
+        </p:spPr>
+        <p:style>
+          <a:lnRef idx="1">
+            <a:schemeClr val="dk1"/>
+          </a:lnRef>
+          <a:fillRef idx="0">
+            <a:schemeClr val="dk1"/>
+          </a:fillRef>
+          <a:effectRef idx="0">
+            <a:schemeClr val="dk1"/>
+          </a:effectRef>
+          <a:fontRef idx="minor">
+            <a:schemeClr val="tx1"/>
+          </a:fontRef>
+        </p:style>
+      </p:cxnSp>
+      <p:sp>
+        <p:nvSpPr>
+          <p:cNvPr id="5" name="ZoneTexte 4">
+            <a:extLst>
+              <a:ext uri="{FF2B5EF4-FFF2-40B4-BE49-F238E27FC236}">
+                <a16:creationId xmlns:a16="http://schemas.microsoft.com/office/drawing/2014/main" id="{E30EDDF6-05E9-4E44-A5A8-A65C8BE65599}"/>
+              </a:ext>
+            </a:extLst>
+          </p:cNvPr>
+          <p:cNvSpPr txBox="1"/>
+          <p:nvPr/>
+        </p:nvSpPr>
+        <p:spPr>
+          <a:xfrm>
+            <a:off x="514162" y="4078514"/>
+            <a:ext cx="6350463" cy="646331"/>
+          </a:xfrm>
+          <a:prstGeom prst="rect">
+            <a:avLst/>
+          </a:prstGeom>
+          <a:noFill/>
+        </p:spPr>
+        <p:txBody>
+          <a:bodyPr wrap="square" rtlCol="0">
+            <a:spAutoFit/>
+          </a:bodyPr>
+          <a:lstStyle/>
+          <a:p>
+            <a:r>
+              <a:rPr lang="fr-BE" dirty="0"/>
+              <a:t>Input: Matrice N x 4 avec en colonne (</a:t>
+            </a:r>
+            <a:r>
+              <a:rPr lang="fr-BE" dirty="0" err="1"/>
+              <a:t>d,v,theta,phi</a:t>
+            </a:r>
+            <a:r>
+              <a:rPr lang="fr-BE" dirty="0"/>
+              <a:t>), pour N objets</a:t>
+            </a:r>
+          </a:p>
+          <a:p>
+            <a:r>
+              <a:rPr lang="fr-BE" dirty="0"/>
+              <a:t>Output: Vecteur (</a:t>
+            </a:r>
+            <a:r>
+              <a:rPr lang="fr-BE" dirty="0" err="1"/>
+              <a:t>d,v,theta,phi</a:t>
+            </a:r>
+            <a:r>
+              <a:rPr lang="fr-BE" dirty="0"/>
+              <a:t>)</a:t>
+            </a:r>
+          </a:p>
+        </p:txBody>
+      </p:sp>
+    </p:spTree>
+    <p:extLst>
+      <p:ext uri="{BB962C8B-B14F-4D97-AF65-F5344CB8AC3E}">
+        <p14:creationId xmlns:p14="http://schemas.microsoft.com/office/powerpoint/2010/main" val="2890305324"/>
+      </p:ext>
+    </p:extLst>
+  </p:cSld>
+  <p:clrMapOvr>
+    <a:masterClrMapping/>
+  </p:clrMapOvr>
+</p:sld>
+</file>
+
+<file path=ppt/slides/slide7.xml><?xml version="1.0" encoding="utf-8"?>
 <p:sld xmlns:a="http://schemas.openxmlformats.org/drawingml/2006/main" xmlns:r="http://schemas.openxmlformats.org/officeDocument/2006/relationships" xmlns:p="http://schemas.openxmlformats.org/presentationml/2006/main">
   <p:cSld>
     <p:spTree>
@@ -5089,4 +9830,299 @@
     </a:ext>
   </a:extLst>
 </a:theme>
+</file>
+
+<file path=ppt/theme/theme2.xml><?xml version="1.0" encoding="utf-8"?>
+<a:theme xmlns:a="http://schemas.openxmlformats.org/drawingml/2006/main" name="Thème Office">
+  <a:themeElements>
+    <a:clrScheme name="Office">
+      <a:dk1>
+        <a:sysClr val="windowText" lastClr="000000"/>
+      </a:dk1>
+      <a:lt1>
+        <a:sysClr val="window" lastClr="FFFFFF"/>
+      </a:lt1>
+      <a:dk2>
+        <a:srgbClr val="44546A"/>
+      </a:dk2>
+      <a:lt2>
+        <a:srgbClr val="E7E6E6"/>
+      </a:lt2>
+      <a:accent1>
+        <a:srgbClr val="4472C4"/>
+      </a:accent1>
+      <a:accent2>
+        <a:srgbClr val="ED7D31"/>
+      </a:accent2>
+      <a:accent3>
+        <a:srgbClr val="A5A5A5"/>
+      </a:accent3>
+      <a:accent4>
+        <a:srgbClr val="FFC000"/>
+      </a:accent4>
+      <a:accent5>
+        <a:srgbClr val="5B9BD5"/>
+      </a:accent5>
+      <a:accent6>
+        <a:srgbClr val="70AD47"/>
+      </a:accent6>
+      <a:hlink>
+        <a:srgbClr val="0563C1"/>
+      </a:hlink>
+      <a:folHlink>
+        <a:srgbClr val="954F72"/>
+      </a:folHlink>
+    </a:clrScheme>
+    <a:fontScheme name="Office">
+      <a:majorFont>
+        <a:latin typeface="Calibri Light" panose="020F0302020204030204"/>
+        <a:ea typeface=""/>
+        <a:cs typeface=""/>
+        <a:font script="Jpan" typeface="游ゴシック Light"/>
+        <a:font script="Hang" typeface="맑은 고딕"/>
+        <a:font script="Hans" typeface="等线 Light"/>
+        <a:font script="Hant" typeface="新細明體"/>
+        <a:font script="Arab" typeface="Times New Roman"/>
+        <a:font script="Hebr" typeface="Times New Roman"/>
+        <a:font script="Thai" typeface="Angsana New"/>
+        <a:font script="Ethi" typeface="Nyala"/>
+        <a:font script="Beng" typeface="Vrinda"/>
+        <a:font script="Gujr" typeface="Shruti"/>
+        <a:font script="Khmr" typeface="MoolBoran"/>
+        <a:font script="Knda" typeface="Tunga"/>
+        <a:font script="Guru" typeface="Raavi"/>
+        <a:font script="Cans" typeface="Euphemia"/>
+        <a:font script="Cher" typeface="Plantagenet Cherokee"/>
+        <a:font script="Yiii" typeface="Microsoft Yi Baiti"/>
+        <a:font script="Tibt" typeface="Microsoft Himalaya"/>
+        <a:font script="Thaa" typeface="MV Boli"/>
+        <a:font script="Deva" typeface="Mangal"/>
+        <a:font script="Telu" typeface="Gautami"/>
+        <a:font script="Taml" typeface="Latha"/>
+        <a:font script="Syrc" typeface="Estrangelo Edessa"/>
+        <a:font script="Orya" typeface="Kalinga"/>
+        <a:font script="Mlym" typeface="Kartika"/>
+        <a:font script="Laoo" typeface="DokChampa"/>
+        <a:font script="Sinh" typeface="Iskoola Pota"/>
+        <a:font script="Mong" typeface="Mongolian Baiti"/>
+        <a:font script="Viet" typeface="Times New Roman"/>
+        <a:font script="Uigh" typeface="Microsoft Uighur"/>
+        <a:font script="Geor" typeface="Sylfaen"/>
+        <a:font script="Armn" typeface="Arial"/>
+        <a:font script="Bugi" typeface="Leelawadee UI"/>
+        <a:font script="Bopo" typeface="Microsoft JhengHei"/>
+        <a:font script="Java" typeface="Javanese Text"/>
+        <a:font script="Lisu" typeface="Segoe UI"/>
+        <a:font script="Mymr" typeface="Myanmar Text"/>
+        <a:font script="Nkoo" typeface="Ebrima"/>
+        <a:font script="Olck" typeface="Nirmala UI"/>
+        <a:font script="Osma" typeface="Ebrima"/>
+        <a:font script="Phag" typeface="Phagspa"/>
+        <a:font script="Syrn" typeface="Estrangelo Edessa"/>
+        <a:font script="Syrj" typeface="Estrangelo Edessa"/>
+        <a:font script="Syre" typeface="Estrangelo Edessa"/>
+        <a:font script="Sora" typeface="Nirmala UI"/>
+        <a:font script="Tale" typeface="Microsoft Tai Le"/>
+        <a:font script="Talu" typeface="Microsoft New Tai Lue"/>
+        <a:font script="Tfng" typeface="Ebrima"/>
+      </a:majorFont>
+      <a:minorFont>
+        <a:latin typeface="Calibri" panose="020F0502020204030204"/>
+        <a:ea typeface=""/>
+        <a:cs typeface=""/>
+        <a:font script="Jpan" typeface="游ゴシック"/>
+        <a:font script="Hang" typeface="맑은 고딕"/>
+        <a:font script="Hans" typeface="等线"/>
+        <a:font script="Hant" typeface="新細明體"/>
+        <a:font script="Arab" typeface="Arial"/>
+        <a:font script="Hebr" typeface="Arial"/>
+        <a:font script="Thai" typeface="Cordia New"/>
+        <a:font script="Ethi" typeface="Nyala"/>
+        <a:font script="Beng" typeface="Vrinda"/>
+        <a:font script="Gujr" typeface="Shruti"/>
+        <a:font script="Khmr" typeface="DaunPenh"/>
+        <a:font script="Knda" typeface="Tunga"/>
+        <a:font script="Guru" typeface="Raavi"/>
+        <a:font script="Cans" typeface="Euphemia"/>
+        <a:font script="Cher" typeface="Plantagenet Cherokee"/>
+        <a:font script="Yiii" typeface="Microsoft Yi Baiti"/>
+        <a:font script="Tibt" typeface="Microsoft Himalaya"/>
+        <a:font script="Thaa" typeface="MV Boli"/>
+        <a:font script="Deva" typeface="Mangal"/>
+        <a:font script="Telu" typeface="Gautami"/>
+        <a:font script="Taml" typeface="Latha"/>
+        <a:font script="Syrc" typeface="Estrangelo Edessa"/>
+        <a:font script="Orya" typeface="Kalinga"/>
+        <a:font script="Mlym" typeface="Kartika"/>
+        <a:font script="Laoo" typeface="DokChampa"/>
+        <a:font script="Sinh" typeface="Iskoola Pota"/>
+        <a:font script="Mong" typeface="Mongolian Baiti"/>
+        <a:font script="Viet" typeface="Arial"/>
+        <a:font script="Uigh" typeface="Microsoft Uighur"/>
+        <a:font script="Geor" typeface="Sylfaen"/>
+        <a:font script="Armn" typeface="Arial"/>
+        <a:font script="Bugi" typeface="Leelawadee UI"/>
+        <a:font script="Bopo" typeface="Microsoft JhengHei"/>
+        <a:font script="Java" typeface="Javanese Text"/>
+        <a:font script="Lisu" typeface="Segoe UI"/>
+        <a:font script="Mymr" typeface="Myanmar Text"/>
+        <a:font script="Nkoo" typeface="Ebrima"/>
+        <a:font script="Olck" typeface="Nirmala UI"/>
+        <a:font script="Osma" typeface="Ebrima"/>
+        <a:font script="Phag" typeface="Phagspa"/>
+        <a:font script="Syrn" typeface="Estrangelo Edessa"/>
+        <a:font script="Syrj" typeface="Estrangelo Edessa"/>
+        <a:font script="Syre" typeface="Estrangelo Edessa"/>
+        <a:font script="Sora" typeface="Nirmala UI"/>
+        <a:font script="Tale" typeface="Microsoft Tai Le"/>
+        <a:font script="Talu" typeface="Microsoft New Tai Lue"/>
+        <a:font script="Tfng" typeface="Ebrima"/>
+      </a:minorFont>
+    </a:fontScheme>
+    <a:fmtScheme name="Office">
+      <a:fillStyleLst>
+        <a:solidFill>
+          <a:schemeClr val="phClr"/>
+        </a:solidFill>
+        <a:gradFill rotWithShape="1">
+          <a:gsLst>
+            <a:gs pos="0">
+              <a:schemeClr val="phClr">
+                <a:lumMod val="110000"/>
+                <a:satMod val="105000"/>
+                <a:tint val="67000"/>
+              </a:schemeClr>
+            </a:gs>
+            <a:gs pos="50000">
+              <a:schemeClr val="phClr">
+                <a:lumMod val="105000"/>
+                <a:satMod val="103000"/>
+                <a:tint val="73000"/>
+              </a:schemeClr>
+            </a:gs>
+            <a:gs pos="100000">
+              <a:schemeClr val="phClr">
+                <a:lumMod val="105000"/>
+                <a:satMod val="109000"/>
+                <a:tint val="81000"/>
+              </a:schemeClr>
+            </a:gs>
+          </a:gsLst>
+          <a:lin ang="5400000" scaled="0"/>
+        </a:gradFill>
+        <a:gradFill rotWithShape="1">
+          <a:gsLst>
+            <a:gs pos="0">
+              <a:schemeClr val="phClr">
+                <a:satMod val="103000"/>
+                <a:lumMod val="102000"/>
+                <a:tint val="94000"/>
+              </a:schemeClr>
+            </a:gs>
+            <a:gs pos="50000">
+              <a:schemeClr val="phClr">
+                <a:satMod val="110000"/>
+                <a:lumMod val="100000"/>
+                <a:shade val="100000"/>
+              </a:schemeClr>
+            </a:gs>
+            <a:gs pos="100000">
+              <a:schemeClr val="phClr">
+                <a:lumMod val="99000"/>
+                <a:satMod val="120000"/>
+                <a:shade val="78000"/>
+              </a:schemeClr>
+            </a:gs>
+          </a:gsLst>
+          <a:lin ang="5400000" scaled="0"/>
+        </a:gradFill>
+      </a:fillStyleLst>
+      <a:lnStyleLst>
+        <a:ln w="6350" cap="flat" cmpd="sng" algn="ctr">
+          <a:solidFill>
+            <a:schemeClr val="phClr"/>
+          </a:solidFill>
+          <a:prstDash val="solid"/>
+          <a:miter lim="800000"/>
+        </a:ln>
+        <a:ln w="12700" cap="flat" cmpd="sng" algn="ctr">
+          <a:solidFill>
+            <a:schemeClr val="phClr"/>
+          </a:solidFill>
+          <a:prstDash val="solid"/>
+          <a:miter lim="800000"/>
+        </a:ln>
+        <a:ln w="19050" cap="flat" cmpd="sng" algn="ctr">
+          <a:solidFill>
+            <a:schemeClr val="phClr"/>
+          </a:solidFill>
+          <a:prstDash val="solid"/>
+          <a:miter lim="800000"/>
+        </a:ln>
+      </a:lnStyleLst>
+      <a:effectStyleLst>
+        <a:effectStyle>
+          <a:effectLst/>
+        </a:effectStyle>
+        <a:effectStyle>
+          <a:effectLst/>
+        </a:effectStyle>
+        <a:effectStyle>
+          <a:effectLst>
+            <a:outerShdw blurRad="57150" dist="19050" dir="5400000" algn="ctr" rotWithShape="0">
+              <a:srgbClr val="000000">
+                <a:alpha val="63000"/>
+              </a:srgbClr>
+            </a:outerShdw>
+          </a:effectLst>
+        </a:effectStyle>
+      </a:effectStyleLst>
+      <a:bgFillStyleLst>
+        <a:solidFill>
+          <a:schemeClr val="phClr"/>
+        </a:solidFill>
+        <a:solidFill>
+          <a:schemeClr val="phClr">
+            <a:tint val="95000"/>
+            <a:satMod val="170000"/>
+          </a:schemeClr>
+        </a:solidFill>
+        <a:gradFill rotWithShape="1">
+          <a:gsLst>
+            <a:gs pos="0">
+              <a:schemeClr val="phClr">
+                <a:tint val="93000"/>
+                <a:satMod val="150000"/>
+                <a:shade val="98000"/>
+                <a:lumMod val="102000"/>
+              </a:schemeClr>
+            </a:gs>
+            <a:gs pos="50000">
+              <a:schemeClr val="phClr">
+                <a:tint val="98000"/>
+                <a:satMod val="130000"/>
+                <a:shade val="90000"/>
+                <a:lumMod val="103000"/>
+              </a:schemeClr>
+            </a:gs>
+            <a:gs pos="100000">
+              <a:schemeClr val="phClr">
+                <a:shade val="63000"/>
+                <a:satMod val="120000"/>
+              </a:schemeClr>
+            </a:gs>
+          </a:gsLst>
+          <a:lin ang="5400000" scaled="0"/>
+        </a:gradFill>
+      </a:bgFillStyleLst>
+    </a:fmtScheme>
+  </a:themeElements>
+  <a:objectDefaults/>
+  <a:extraClrSchemeLst/>
+  <a:extLst>
+    <a:ext uri="{05A4C25C-085E-4340-85A3-A5531E510DB2}">
+      <thm15:themeFamily xmlns:thm15="http://schemas.microsoft.com/office/thememl/2012/main" name="Office Theme" id="{62F939B6-93AF-4DB8-9C6B-D6C7DFDC589F}" vid="{4A3C46E8-61CC-4603-A589-7422A47A8E4A}"/>
+    </a:ext>
+  </a:extLst>
+</a:theme>
 </file>